--- a/KPK/Lectures/6. Using Control Structures, Conditional Statements and Loops.pptx
+++ b/KPK/Lectures/6. Using Control Structures, Conditional Statements and Loops.pptx
@@ -344,7 +344,7 @@
             <a:fld id="{3BF7C7B5-275F-4D1F-9AB4-9255447DBC73}" type="datetimeFigureOut">
               <a:rPr lang="en-US"/>
               <a:pPr/>
-              <a:t>4/14/2013</a:t>
+              <a:t>17.04.2013</a:t>
             </a:fld>
             <a:endParaRPr lang="en-US" dirty="0"/>
           </a:p>
@@ -575,7 +575,7 @@
             <a:fld id="{9B46F231-FB2B-4655-A644-E2477325E686}" type="datetimeFigureOut">
               <a:rPr lang="en-US"/>
               <a:pPr/>
-              <a:t>4/14/2013</a:t>
+              <a:t>17.04.2013</a:t>
             </a:fld>
             <a:endParaRPr lang="en-US" dirty="0"/>
           </a:p>
@@ -6329,8 +6329,8 @@
         </p:nvSpPr>
         <p:spPr>
           <a:xfrm>
-            <a:off x="419099" y="4495800"/>
-            <a:ext cx="3853295" cy="533400"/>
+            <a:off x="419099" y="4472050"/>
+            <a:ext cx="3696845" cy="533400"/>
           </a:xfrm>
         </p:spPr>
         <p:txBody>
@@ -6342,10 +6342,10 @@
               <a:t>Nikolay </a:t>
             </a:r>
             <a:r>
-              <a:rPr lang="en-US" dirty="0" err="1" smtClean="0"/>
+              <a:rPr lang="en-US" noProof="1" smtClean="0"/>
               <a:t>Kostov</a:t>
             </a:r>
-            <a:endParaRPr lang="en-US" dirty="0"/>
+            <a:endParaRPr lang="en-US" noProof="1"/>
           </a:p>
         </p:txBody>
       </p:sp>
@@ -6361,8 +6361,8 @@
         </p:nvSpPr>
         <p:spPr>
           <a:xfrm>
-            <a:off x="457200" y="5955268"/>
-            <a:ext cx="3810000" cy="369332"/>
+            <a:off x="445325" y="5955268"/>
+            <a:ext cx="3655308" cy="369332"/>
           </a:xfrm>
         </p:spPr>
         <p:txBody>
@@ -6390,7 +6390,7 @@
         <p:spPr>
           <a:xfrm>
             <a:off x="457200" y="6214646"/>
-            <a:ext cx="3810000" cy="338554"/>
+            <a:ext cx="3655308" cy="338554"/>
           </a:xfrm>
         </p:spPr>
         <p:txBody>
@@ -6423,14 +6423,15 @@
         </p:nvSpPr>
         <p:spPr>
           <a:xfrm>
-            <a:off x="431800" y="4914781"/>
-            <a:ext cx="3838864" cy="800219"/>
+            <a:off x="431800" y="4891031"/>
+            <a:ext cx="3683000" cy="800219"/>
           </a:xfrm>
         </p:spPr>
         <p:txBody>
           <a:bodyPr/>
           <a:lstStyle/>
           <a:p>
+            <a:pPr marL="0" indent="0"/>
             <a:r>
               <a:rPr lang="en-US" dirty="0" smtClean="0"/>
               <a:t>Senior Software Developer</a:t>
@@ -6458,8 +6459,8 @@
         </p:nvSpPr>
         <p:spPr>
           <a:xfrm>
-            <a:off x="457200" y="5650468"/>
-            <a:ext cx="3810000" cy="369332"/>
+            <a:off x="457200" y="5626718"/>
+            <a:ext cx="3655308" cy="369332"/>
           </a:xfrm>
         </p:spPr>
         <p:txBody>
@@ -6651,10 +6652,10 @@
           <a:lstStyle/>
           <a:p>
             <a:r>
-              <a:rPr lang="en-US" sz="3600" dirty="0" smtClean="0"/>
+              <a:rPr lang="en-US" dirty="0" smtClean="0"/>
               <a:t>Using Conditional Statements</a:t>
             </a:r>
-            <a:endParaRPr lang="en-US" sz="3600" dirty="0"/>
+            <a:endParaRPr lang="en-US" dirty="0"/>
           </a:p>
         </p:txBody>
       </p:sp>
@@ -6739,7 +6740,7 @@
                 <a:spcPct val="100000"/>
               </a:lnSpc>
               <a:spcBef>
-                <a:spcPts val="2400"/>
+                <a:spcPts val="3000"/>
               </a:spcBef>
             </a:pPr>
             <a:r>
@@ -6819,7 +6820,7 @@
         </p:nvSpPr>
         <p:spPr bwMode="auto">
           <a:xfrm>
-            <a:off x="609600" y="2057400"/>
+            <a:off x="657100" y="2153061"/>
             <a:ext cx="7848600" cy="1323439"/>
           </a:xfrm>
           <a:prstGeom prst="rect">
@@ -6946,7 +6947,7 @@
         </p:nvSpPr>
         <p:spPr bwMode="auto">
           <a:xfrm>
-            <a:off x="609600" y="4267200"/>
+            <a:off x="657100" y="4344061"/>
             <a:ext cx="7848600" cy="1323439"/>
           </a:xfrm>
           <a:prstGeom prst="rect">
@@ -6977,7 +6978,7 @@
             <a:r>
               <a:rPr lang="en-US" sz="2000" b="1" noProof="1" smtClean="0">
                 <a:solidFill>
-                  <a:schemeClr val="accent3">
+                  <a:schemeClr val="accent2">
                     <a:lumMod val="40000"/>
                     <a:lumOff val="60000"/>
                   </a:schemeClr>
@@ -6999,7 +7000,7 @@
             <a:r>
               <a:rPr lang="en-US" sz="2000" b="1" noProof="1" smtClean="0">
                 <a:solidFill>
-                  <a:schemeClr val="accent3">
+                  <a:schemeClr val="accent2">
                     <a:lumMod val="40000"/>
                     <a:lumOff val="60000"/>
                   </a:schemeClr>
@@ -7021,7 +7022,7 @@
             <a:r>
               <a:rPr lang="en-US" sz="2000" b="1" noProof="1" smtClean="0">
                 <a:solidFill>
-                  <a:schemeClr val="accent3">
+                  <a:schemeClr val="accent2">
                     <a:lumMod val="40000"/>
                     <a:lumOff val="60000"/>
                   </a:schemeClr>
@@ -7043,7 +7044,7 @@
             <a:r>
               <a:rPr lang="en-US" sz="2000" b="1" noProof="1" smtClean="0">
                 <a:solidFill>
-                  <a:schemeClr val="accent3">
+                  <a:schemeClr val="accent2">
                     <a:lumMod val="40000"/>
                     <a:lumOff val="60000"/>
                   </a:schemeClr>
@@ -7086,7 +7087,7 @@
         </p:blipFill>
         <p:spPr bwMode="auto">
           <a:xfrm>
-            <a:off x="7826830" y="1935348"/>
+            <a:off x="7826830" y="2031009"/>
             <a:ext cx="783770" cy="783771"/>
           </a:xfrm>
           <a:prstGeom prst="rect">
@@ -7145,7 +7146,7 @@
         </p:blipFill>
         <p:spPr bwMode="auto">
           <a:xfrm>
-            <a:off x="7826830" y="4128984"/>
+            <a:off x="7826830" y="4205845"/>
             <a:ext cx="789709" cy="789709"/>
           </a:xfrm>
           <a:prstGeom prst="rect">
@@ -7245,7 +7246,7 @@
             </a:pPr>
             <a:r>
               <a:rPr lang="en-US" dirty="0" smtClean="0"/>
-              <a:t>Always put the normal (expected) condition after the </a:t>
+              <a:t>Always put the normal (expected) condition first after the </a:t>
             </a:r>
             <a:r>
               <a:rPr lang="en-US" dirty="0" smtClean="0">
@@ -7262,7 +7263,7 @@
             </a:r>
             <a:r>
               <a:rPr lang="en-US" dirty="0" smtClean="0"/>
-              <a:t> clause.</a:t>
+              <a:t> clause</a:t>
             </a:r>
           </a:p>
           <a:p>
@@ -7403,10 +7404,8 @@
                 <a:latin typeface="Consolas" pitchFamily="49" charset="0"/>
                 <a:cs typeface="Consolas" pitchFamily="49" charset="0"/>
               </a:rPr>
-              <a:t>var responce = GetHttpWebResponce();</a:t>
-            </a:r>
-          </a:p>
-          <a:p>
+              <a:t>var </a:t>
+            </a:r>
             <a:r>
               <a:rPr lang="en-US" sz="1600" b="1" noProof="1" smtClean="0">
                 <a:solidFill>
@@ -7425,10 +7424,8 @@
                 <a:latin typeface="Consolas" pitchFamily="49" charset="0"/>
                 <a:cs typeface="Consolas" pitchFamily="49" charset="0"/>
               </a:rPr>
-              <a:t>if (responce.Code == Code.OK)</a:t>
-            </a:r>
-          </a:p>
-          <a:p>
+              <a:t>response </a:t>
+            </a:r>
             <a:r>
               <a:rPr lang="en-US" sz="1600" b="1" noProof="1" smtClean="0">
                 <a:solidFill>
@@ -7447,10 +7444,8 @@
                 <a:latin typeface="Consolas" pitchFamily="49" charset="0"/>
                 <a:cs typeface="Consolas" pitchFamily="49" charset="0"/>
               </a:rPr>
-              <a:t>{</a:t>
-            </a:r>
-          </a:p>
-          <a:p>
+              <a:t>= </a:t>
+            </a:r>
             <a:r>
               <a:rPr lang="en-US" sz="1600" b="1" noProof="1" smtClean="0">
                 <a:solidFill>
@@ -7469,10 +7464,8 @@
                 <a:latin typeface="Consolas" pitchFamily="49" charset="0"/>
                 <a:cs typeface="Consolas" pitchFamily="49" charset="0"/>
               </a:rPr>
-              <a:t>  // ...</a:t>
-            </a:r>
-          </a:p>
-          <a:p>
+              <a:t>GetHttpWebResponse</a:t>
+            </a:r>
             <a:r>
               <a:rPr lang="en-US" sz="1600" b="1" noProof="1" smtClean="0">
                 <a:solidFill>
@@ -7491,7 +7484,7 @@
                 <a:latin typeface="Consolas" pitchFamily="49" charset="0"/>
                 <a:cs typeface="Consolas" pitchFamily="49" charset="0"/>
               </a:rPr>
-              <a:t>}</a:t>
+              <a:t>();</a:t>
             </a:r>
           </a:p>
           <a:p>
@@ -7513,10 +7506,8 @@
                 <a:latin typeface="Consolas" pitchFamily="49" charset="0"/>
                 <a:cs typeface="Consolas" pitchFamily="49" charset="0"/>
               </a:rPr>
-              <a:t>else</a:t>
-            </a:r>
-          </a:p>
-          <a:p>
+              <a:t>if (</a:t>
+            </a:r>
             <a:r>
               <a:rPr lang="en-US" sz="1600" b="1" noProof="1" smtClean="0">
                 <a:solidFill>
@@ -7535,10 +7526,8 @@
                 <a:latin typeface="Consolas" pitchFamily="49" charset="0"/>
                 <a:cs typeface="Consolas" pitchFamily="49" charset="0"/>
               </a:rPr>
-              <a:t>{</a:t>
-            </a:r>
-          </a:p>
-          <a:p>
+              <a:t>response.Code </a:t>
+            </a:r>
             <a:r>
               <a:rPr lang="en-US" sz="1600" b="1" noProof="1" smtClean="0">
                 <a:solidFill>
@@ -7557,7 +7546,179 @@
                 <a:latin typeface="Consolas" pitchFamily="49" charset="0"/>
                 <a:cs typeface="Consolas" pitchFamily="49" charset="0"/>
               </a:rPr>
-              <a:t>  if (responce.Code == Code.NotFound)</a:t>
+              <a:t>== Code.OK)</a:t>
+            </a:r>
+          </a:p>
+          <a:p>
+            <a:r>
+              <a:rPr lang="en-US" sz="1600" b="1" noProof="1" smtClean="0">
+                <a:solidFill>
+                  <a:schemeClr val="accent5">
+                    <a:lumMod val="20000"/>
+                    <a:lumOff val="80000"/>
+                  </a:schemeClr>
+                </a:solidFill>
+                <a:effectLst>
+                  <a:outerShdw blurRad="38100" dist="38100" dir="2700000" algn="tl">
+                    <a:srgbClr val="000000">
+                      <a:alpha val="43137"/>
+                    </a:srgbClr>
+                  </a:outerShdw>
+                </a:effectLst>
+                <a:latin typeface="Consolas" pitchFamily="49" charset="0"/>
+                <a:cs typeface="Consolas" pitchFamily="49" charset="0"/>
+              </a:rPr>
+              <a:t>{</a:t>
+            </a:r>
+          </a:p>
+          <a:p>
+            <a:r>
+              <a:rPr lang="en-US" sz="1600" b="1" noProof="1" smtClean="0">
+                <a:solidFill>
+                  <a:schemeClr val="accent5">
+                    <a:lumMod val="20000"/>
+                    <a:lumOff val="80000"/>
+                  </a:schemeClr>
+                </a:solidFill>
+                <a:effectLst>
+                  <a:outerShdw blurRad="38100" dist="38100" dir="2700000" algn="tl">
+                    <a:srgbClr val="000000">
+                      <a:alpha val="43137"/>
+                    </a:srgbClr>
+                  </a:outerShdw>
+                </a:effectLst>
+                <a:latin typeface="Consolas" pitchFamily="49" charset="0"/>
+                <a:cs typeface="Consolas" pitchFamily="49" charset="0"/>
+              </a:rPr>
+              <a:t>  // ...</a:t>
+            </a:r>
+          </a:p>
+          <a:p>
+            <a:r>
+              <a:rPr lang="en-US" sz="1600" b="1" noProof="1" smtClean="0">
+                <a:solidFill>
+                  <a:schemeClr val="accent5">
+                    <a:lumMod val="20000"/>
+                    <a:lumOff val="80000"/>
+                  </a:schemeClr>
+                </a:solidFill>
+                <a:effectLst>
+                  <a:outerShdw blurRad="38100" dist="38100" dir="2700000" algn="tl">
+                    <a:srgbClr val="000000">
+                      <a:alpha val="43137"/>
+                    </a:srgbClr>
+                  </a:outerShdw>
+                </a:effectLst>
+                <a:latin typeface="Consolas" pitchFamily="49" charset="0"/>
+                <a:cs typeface="Consolas" pitchFamily="49" charset="0"/>
+              </a:rPr>
+              <a:t>}</a:t>
+            </a:r>
+          </a:p>
+          <a:p>
+            <a:r>
+              <a:rPr lang="en-US" sz="1600" b="1" noProof="1" smtClean="0">
+                <a:solidFill>
+                  <a:schemeClr val="accent5">
+                    <a:lumMod val="20000"/>
+                    <a:lumOff val="80000"/>
+                  </a:schemeClr>
+                </a:solidFill>
+                <a:effectLst>
+                  <a:outerShdw blurRad="38100" dist="38100" dir="2700000" algn="tl">
+                    <a:srgbClr val="000000">
+                      <a:alpha val="43137"/>
+                    </a:srgbClr>
+                  </a:outerShdw>
+                </a:effectLst>
+                <a:latin typeface="Consolas" pitchFamily="49" charset="0"/>
+                <a:cs typeface="Consolas" pitchFamily="49" charset="0"/>
+              </a:rPr>
+              <a:t>else</a:t>
+            </a:r>
+          </a:p>
+          <a:p>
+            <a:r>
+              <a:rPr lang="en-US" sz="1600" b="1" noProof="1" smtClean="0">
+                <a:solidFill>
+                  <a:schemeClr val="accent5">
+                    <a:lumMod val="20000"/>
+                    <a:lumOff val="80000"/>
+                  </a:schemeClr>
+                </a:solidFill>
+                <a:effectLst>
+                  <a:outerShdw blurRad="38100" dist="38100" dir="2700000" algn="tl">
+                    <a:srgbClr val="000000">
+                      <a:alpha val="43137"/>
+                    </a:srgbClr>
+                  </a:outerShdw>
+                </a:effectLst>
+                <a:latin typeface="Consolas" pitchFamily="49" charset="0"/>
+                <a:cs typeface="Consolas" pitchFamily="49" charset="0"/>
+              </a:rPr>
+              <a:t>{</a:t>
+            </a:r>
+          </a:p>
+          <a:p>
+            <a:r>
+              <a:rPr lang="en-US" sz="1600" b="1" noProof="1" smtClean="0">
+                <a:solidFill>
+                  <a:schemeClr val="accent5">
+                    <a:lumMod val="20000"/>
+                    <a:lumOff val="80000"/>
+                  </a:schemeClr>
+                </a:solidFill>
+                <a:effectLst>
+                  <a:outerShdw blurRad="38100" dist="38100" dir="2700000" algn="tl">
+                    <a:srgbClr val="000000">
+                      <a:alpha val="43137"/>
+                    </a:srgbClr>
+                  </a:outerShdw>
+                </a:effectLst>
+                <a:latin typeface="Consolas" pitchFamily="49" charset="0"/>
+                <a:cs typeface="Consolas" pitchFamily="49" charset="0"/>
+              </a:rPr>
+              <a:t>  if (</a:t>
+            </a:r>
+            <a:r>
+              <a:rPr lang="en-US" sz="1600" b="1" noProof="1" smtClean="0">
+                <a:solidFill>
+                  <a:schemeClr val="accent5">
+                    <a:lumMod val="20000"/>
+                    <a:lumOff val="80000"/>
+                  </a:schemeClr>
+                </a:solidFill>
+                <a:effectLst>
+                  <a:outerShdw blurRad="38100" dist="38100" dir="2700000" algn="tl">
+                    <a:srgbClr val="000000">
+                      <a:alpha val="43137"/>
+                    </a:srgbClr>
+                  </a:outerShdw>
+                </a:effectLst>
+                <a:latin typeface="Consolas" pitchFamily="49" charset="0"/>
+                <a:cs typeface="Consolas" pitchFamily="49" charset="0"/>
+              </a:rPr>
+              <a:t>response.Code </a:t>
+            </a:r>
+            <a:r>
+              <a:rPr lang="en-US" sz="1600" b="1" noProof="1" smtClean="0">
+                <a:solidFill>
+                  <a:schemeClr val="accent5">
+                    <a:lumMod val="20000"/>
+                    <a:lumOff val="80000"/>
+                  </a:schemeClr>
+                </a:solidFill>
+                <a:effectLst>
+                  <a:outerShdw blurRad="38100" dist="38100" dir="2700000" algn="tl">
+                    <a:srgbClr val="000000">
+                      <a:alpha val="43137"/>
+                    </a:srgbClr>
+                  </a:outerShdw>
+                </a:effectLst>
+                <a:latin typeface="Consolas" pitchFamily="49" charset="0"/>
+                <a:cs typeface="Consolas" pitchFamily="49" charset="0"/>
+              </a:rPr>
+              <a:t>== Code.NotFound)</a:t>
             </a:r>
           </a:p>
           <a:p>
@@ -7691,7 +7852,7 @@
             <a:r>
               <a:rPr lang="en-US" sz="1600" b="1" noProof="1" smtClean="0">
                 <a:solidFill>
-                  <a:schemeClr val="accent3">
+                  <a:schemeClr val="accent2">
                     <a:lumMod val="40000"/>
                     <a:lumOff val="60000"/>
                   </a:schemeClr>
@@ -7706,14 +7867,12 @@
                 <a:latin typeface="Consolas" pitchFamily="49" charset="0"/>
                 <a:cs typeface="Consolas" pitchFamily="49" charset="0"/>
               </a:rPr>
-              <a:t>var responce = GetHttpWebResponce();</a:t>
-            </a:r>
-          </a:p>
-          <a:p>
+              <a:t>var </a:t>
+            </a:r>
             <a:r>
               <a:rPr lang="en-US" sz="1600" b="1" noProof="1" smtClean="0">
                 <a:solidFill>
-                  <a:schemeClr val="accent3">
+                  <a:schemeClr val="accent2">
                     <a:lumMod val="40000"/>
                     <a:lumOff val="60000"/>
                   </a:schemeClr>
@@ -7728,14 +7887,12 @@
                 <a:latin typeface="Consolas" pitchFamily="49" charset="0"/>
                 <a:cs typeface="Consolas" pitchFamily="49" charset="0"/>
               </a:rPr>
-              <a:t>if (responce.Code == Code.NotFound)</a:t>
-            </a:r>
-          </a:p>
-          <a:p>
+              <a:t>response </a:t>
+            </a:r>
             <a:r>
               <a:rPr lang="en-US" sz="1600" b="1" noProof="1" smtClean="0">
                 <a:solidFill>
-                  <a:schemeClr val="accent3">
+                  <a:schemeClr val="accent2">
                     <a:lumMod val="40000"/>
                     <a:lumOff val="60000"/>
                   </a:schemeClr>
@@ -7750,14 +7907,12 @@
                 <a:latin typeface="Consolas" pitchFamily="49" charset="0"/>
                 <a:cs typeface="Consolas" pitchFamily="49" charset="0"/>
               </a:rPr>
-              <a:t>{</a:t>
-            </a:r>
-          </a:p>
-          <a:p>
+              <a:t>= </a:t>
+            </a:r>
             <a:r>
               <a:rPr lang="en-US" sz="1600" b="1" noProof="1" smtClean="0">
                 <a:solidFill>
-                  <a:schemeClr val="accent3">
+                  <a:schemeClr val="accent2">
                     <a:lumMod val="40000"/>
                     <a:lumOff val="60000"/>
                   </a:schemeClr>
@@ -7772,14 +7927,12 @@
                 <a:latin typeface="Consolas" pitchFamily="49" charset="0"/>
                 <a:cs typeface="Consolas" pitchFamily="49" charset="0"/>
               </a:rPr>
-              <a:t>  // ...</a:t>
-            </a:r>
-          </a:p>
-          <a:p>
+              <a:t>GetHttpWebResponse</a:t>
+            </a:r>
             <a:r>
               <a:rPr lang="en-US" sz="1600" b="1" noProof="1" smtClean="0">
                 <a:solidFill>
-                  <a:schemeClr val="accent3">
+                  <a:schemeClr val="accent2">
                     <a:lumMod val="40000"/>
                     <a:lumOff val="60000"/>
                   </a:schemeClr>
@@ -7794,14 +7947,14 @@
                 <a:latin typeface="Consolas" pitchFamily="49" charset="0"/>
                 <a:cs typeface="Consolas" pitchFamily="49" charset="0"/>
               </a:rPr>
-              <a:t>}</a:t>
+              <a:t>();</a:t>
             </a:r>
           </a:p>
           <a:p>
             <a:r>
               <a:rPr lang="en-US" sz="1600" b="1" noProof="1" smtClean="0">
                 <a:solidFill>
-                  <a:schemeClr val="accent3">
+                  <a:schemeClr val="accent2">
                     <a:lumMod val="40000"/>
                     <a:lumOff val="60000"/>
                   </a:schemeClr>
@@ -7816,14 +7969,12 @@
                 <a:latin typeface="Consolas" pitchFamily="49" charset="0"/>
                 <a:cs typeface="Consolas" pitchFamily="49" charset="0"/>
               </a:rPr>
-              <a:t>else</a:t>
-            </a:r>
-          </a:p>
-          <a:p>
+              <a:t>if (</a:t>
+            </a:r>
             <a:r>
               <a:rPr lang="en-US" sz="1600" b="1" noProof="1" smtClean="0">
                 <a:solidFill>
-                  <a:schemeClr val="accent3">
+                  <a:schemeClr val="accent2">
                     <a:lumMod val="40000"/>
                     <a:lumOff val="60000"/>
                   </a:schemeClr>
@@ -7838,14 +7989,12 @@
                 <a:latin typeface="Consolas" pitchFamily="49" charset="0"/>
                 <a:cs typeface="Consolas" pitchFamily="49" charset="0"/>
               </a:rPr>
-              <a:t>{</a:t>
-            </a:r>
-          </a:p>
-          <a:p>
+              <a:t>response.Code </a:t>
+            </a:r>
             <a:r>
               <a:rPr lang="en-US" sz="1600" b="1" noProof="1" smtClean="0">
                 <a:solidFill>
-                  <a:schemeClr val="accent3">
+                  <a:schemeClr val="accent2">
                     <a:lumMod val="40000"/>
                     <a:lumOff val="60000"/>
                   </a:schemeClr>
@@ -7860,14 +8009,14 @@
                 <a:latin typeface="Consolas" pitchFamily="49" charset="0"/>
                 <a:cs typeface="Consolas" pitchFamily="49" charset="0"/>
               </a:rPr>
-              <a:t>  if (response.Code == Code.OK)</a:t>
+              <a:t>== Code.NotFound)</a:t>
             </a:r>
           </a:p>
           <a:p>
             <a:r>
               <a:rPr lang="en-US" sz="1600" b="1" noProof="1" smtClean="0">
                 <a:solidFill>
-                  <a:schemeClr val="accent3">
+                  <a:schemeClr val="accent2">
                     <a:lumMod val="40000"/>
                     <a:lumOff val="60000"/>
                   </a:schemeClr>
@@ -7882,14 +8031,14 @@
                 <a:latin typeface="Consolas" pitchFamily="49" charset="0"/>
                 <a:cs typeface="Consolas" pitchFamily="49" charset="0"/>
               </a:rPr>
-              <a:t>  {</a:t>
+              <a:t>{</a:t>
             </a:r>
           </a:p>
           <a:p>
             <a:r>
               <a:rPr lang="en-US" sz="1600" b="1" noProof="1" smtClean="0">
                 <a:solidFill>
-                  <a:schemeClr val="accent3">
+                  <a:schemeClr val="accent2">
                     <a:lumMod val="40000"/>
                     <a:lumOff val="60000"/>
                   </a:schemeClr>
@@ -7904,14 +8053,14 @@
                 <a:latin typeface="Consolas" pitchFamily="49" charset="0"/>
                 <a:cs typeface="Consolas" pitchFamily="49" charset="0"/>
               </a:rPr>
-              <a:t>    // ...</a:t>
+              <a:t>  // ...</a:t>
             </a:r>
           </a:p>
           <a:p>
             <a:r>
               <a:rPr lang="en-US" sz="1600" b="1" noProof="1" smtClean="0">
                 <a:solidFill>
-                  <a:schemeClr val="accent3">
+                  <a:schemeClr val="accent2">
                     <a:lumMod val="40000"/>
                     <a:lumOff val="60000"/>
                   </a:schemeClr>
@@ -7926,6 +8075,138 @@
                 <a:latin typeface="Consolas" pitchFamily="49" charset="0"/>
                 <a:cs typeface="Consolas" pitchFamily="49" charset="0"/>
               </a:rPr>
+              <a:t>}</a:t>
+            </a:r>
+          </a:p>
+          <a:p>
+            <a:r>
+              <a:rPr lang="en-US" sz="1600" b="1" noProof="1" smtClean="0">
+                <a:solidFill>
+                  <a:schemeClr val="accent2">
+                    <a:lumMod val="40000"/>
+                    <a:lumOff val="60000"/>
+                  </a:schemeClr>
+                </a:solidFill>
+                <a:effectLst>
+                  <a:outerShdw blurRad="38100" dist="38100" dir="2700000" algn="tl">
+                    <a:srgbClr val="000000">
+                      <a:alpha val="43137"/>
+                    </a:srgbClr>
+                  </a:outerShdw>
+                </a:effectLst>
+                <a:latin typeface="Consolas" pitchFamily="49" charset="0"/>
+                <a:cs typeface="Consolas" pitchFamily="49" charset="0"/>
+              </a:rPr>
+              <a:t>else</a:t>
+            </a:r>
+          </a:p>
+          <a:p>
+            <a:r>
+              <a:rPr lang="en-US" sz="1600" b="1" noProof="1" smtClean="0">
+                <a:solidFill>
+                  <a:schemeClr val="accent2">
+                    <a:lumMod val="40000"/>
+                    <a:lumOff val="60000"/>
+                  </a:schemeClr>
+                </a:solidFill>
+                <a:effectLst>
+                  <a:outerShdw blurRad="38100" dist="38100" dir="2700000" algn="tl">
+                    <a:srgbClr val="000000">
+                      <a:alpha val="43137"/>
+                    </a:srgbClr>
+                  </a:outerShdw>
+                </a:effectLst>
+                <a:latin typeface="Consolas" pitchFamily="49" charset="0"/>
+                <a:cs typeface="Consolas" pitchFamily="49" charset="0"/>
+              </a:rPr>
+              <a:t>{</a:t>
+            </a:r>
+          </a:p>
+          <a:p>
+            <a:r>
+              <a:rPr lang="en-US" sz="1600" b="1" noProof="1" smtClean="0">
+                <a:solidFill>
+                  <a:schemeClr val="accent2">
+                    <a:lumMod val="40000"/>
+                    <a:lumOff val="60000"/>
+                  </a:schemeClr>
+                </a:solidFill>
+                <a:effectLst>
+                  <a:outerShdw blurRad="38100" dist="38100" dir="2700000" algn="tl">
+                    <a:srgbClr val="000000">
+                      <a:alpha val="43137"/>
+                    </a:srgbClr>
+                  </a:outerShdw>
+                </a:effectLst>
+                <a:latin typeface="Consolas" pitchFamily="49" charset="0"/>
+                <a:cs typeface="Consolas" pitchFamily="49" charset="0"/>
+              </a:rPr>
+              <a:t>  if (response.Code == Code.OK)</a:t>
+            </a:r>
+          </a:p>
+          <a:p>
+            <a:r>
+              <a:rPr lang="en-US" sz="1600" b="1" noProof="1" smtClean="0">
+                <a:solidFill>
+                  <a:schemeClr val="accent2">
+                    <a:lumMod val="40000"/>
+                    <a:lumOff val="60000"/>
+                  </a:schemeClr>
+                </a:solidFill>
+                <a:effectLst>
+                  <a:outerShdw blurRad="38100" dist="38100" dir="2700000" algn="tl">
+                    <a:srgbClr val="000000">
+                      <a:alpha val="43137"/>
+                    </a:srgbClr>
+                  </a:outerShdw>
+                </a:effectLst>
+                <a:latin typeface="Consolas" pitchFamily="49" charset="0"/>
+                <a:cs typeface="Consolas" pitchFamily="49" charset="0"/>
+              </a:rPr>
+              <a:t>  {</a:t>
+            </a:r>
+          </a:p>
+          <a:p>
+            <a:r>
+              <a:rPr lang="en-US" sz="1600" b="1" noProof="1" smtClean="0">
+                <a:solidFill>
+                  <a:schemeClr val="accent2">
+                    <a:lumMod val="40000"/>
+                    <a:lumOff val="60000"/>
+                  </a:schemeClr>
+                </a:solidFill>
+                <a:effectLst>
+                  <a:outerShdw blurRad="38100" dist="38100" dir="2700000" algn="tl">
+                    <a:srgbClr val="000000">
+                      <a:alpha val="43137"/>
+                    </a:srgbClr>
+                  </a:outerShdw>
+                </a:effectLst>
+                <a:latin typeface="Consolas" pitchFamily="49" charset="0"/>
+                <a:cs typeface="Consolas" pitchFamily="49" charset="0"/>
+              </a:rPr>
+              <a:t>    // ...</a:t>
+            </a:r>
+          </a:p>
+          <a:p>
+            <a:r>
+              <a:rPr lang="en-US" sz="1600" b="1" noProof="1" smtClean="0">
+                <a:solidFill>
+                  <a:schemeClr val="accent2">
+                    <a:lumMod val="40000"/>
+                    <a:lumOff val="60000"/>
+                  </a:schemeClr>
+                </a:solidFill>
+                <a:effectLst>
+                  <a:outerShdw blurRad="38100" dist="38100" dir="2700000" algn="tl">
+                    <a:srgbClr val="000000">
+                      <a:alpha val="43137"/>
+                    </a:srgbClr>
+                  </a:outerShdw>
+                </a:effectLst>
+                <a:latin typeface="Consolas" pitchFamily="49" charset="0"/>
+                <a:cs typeface="Consolas" pitchFamily="49" charset="0"/>
+              </a:rPr>
               <a:t>  }</a:t>
             </a:r>
           </a:p>
@@ -7933,7 +8214,7 @@
             <a:r>
               <a:rPr lang="en-US" sz="1600" b="1" noProof="1" smtClean="0">
                 <a:solidFill>
-                  <a:schemeClr val="accent3">
+                  <a:schemeClr val="accent2">
                     <a:lumMod val="40000"/>
                     <a:lumOff val="60000"/>
                   </a:schemeClr>
@@ -7985,7 +8266,7 @@
         </p:blipFill>
         <p:spPr bwMode="auto">
           <a:xfrm>
-            <a:off x="3878580" y="4648199"/>
+            <a:off x="3810000" y="4495800"/>
             <a:ext cx="533400" cy="533400"/>
           </a:xfrm>
           <a:prstGeom prst="rect">
@@ -8019,7 +8300,7 @@
           <p:nvPr/>
         </p:nvPicPr>
         <p:blipFill>
-          <a:blip r:embed="rId4">
+          <a:blip r:embed="rId4" cstate="screen">
             <a:extLst>
               <a:ext uri="{28A0092B-C50C-407E-A947-70E740481C1C}">
                 <a14:useLocalDpi xmlns:a14="http://schemas.microsoft.com/office/drawing/2010/main"/>
@@ -8033,7 +8314,7 @@
         </p:blipFill>
         <p:spPr bwMode="auto">
           <a:xfrm>
-            <a:off x="8267700" y="4648199"/>
+            <a:off x="8253350" y="4495800"/>
             <a:ext cx="533400" cy="533401"/>
           </a:xfrm>
           <a:prstGeom prst="rect">
@@ -8432,7 +8713,7 @@
             <a:r>
               <a:rPr lang="en-US" sz="1800" b="1" noProof="1" smtClean="0">
                 <a:solidFill>
-                  <a:schemeClr val="accent3">
+                  <a:schemeClr val="accent2">
                     <a:lumMod val="40000"/>
                     <a:lumOff val="60000"/>
                   </a:schemeClr>
@@ -8454,7 +8735,7 @@
             <a:r>
               <a:rPr lang="en-US" sz="1800" b="1" noProof="1" smtClean="0">
                 <a:solidFill>
-                  <a:schemeClr val="accent3">
+                  <a:schemeClr val="accent2">
                     <a:lumMod val="40000"/>
                     <a:lumOff val="60000"/>
                   </a:schemeClr>
@@ -8476,7 +8757,7 @@
             <a:r>
               <a:rPr lang="en-US" sz="1800" b="1" noProof="1" smtClean="0">
                 <a:solidFill>
-                  <a:schemeClr val="accent3">
+                  <a:schemeClr val="accent2">
                     <a:lumMod val="40000"/>
                     <a:lumOff val="60000"/>
                   </a:schemeClr>
@@ -8498,7 +8779,7 @@
             <a:r>
               <a:rPr lang="en-US" sz="1800" b="1" noProof="1" smtClean="0">
                 <a:solidFill>
-                  <a:schemeClr val="accent3">
+                  <a:schemeClr val="accent2">
                     <a:lumMod val="40000"/>
                     <a:lumOff val="60000"/>
                   </a:schemeClr>
@@ -8528,7 +8809,7 @@
         </p:nvSpPr>
         <p:spPr bwMode="auto">
           <a:xfrm>
-            <a:off x="762000" y="4114800"/>
+            <a:off x="762000" y="4168676"/>
             <a:ext cx="7543800" cy="2308324"/>
           </a:xfrm>
           <a:prstGeom prst="rect">
@@ -8618,8 +8899,45 @@
                 <a:latin typeface="Consolas" pitchFamily="49" charset="0"/>
                 <a:cs typeface="Consolas" pitchFamily="49" charset="0"/>
               </a:rPr>
-              <a:t>  // ...</a:t>
-            </a:r>
+              <a:t>  // </a:t>
+            </a:r>
+            <a:r>
+              <a:rPr lang="bg-BG" sz="1800" b="1" noProof="1" smtClean="0">
+                <a:solidFill>
+                  <a:schemeClr val="accent5">
+                    <a:lumMod val="20000"/>
+                    <a:lumOff val="80000"/>
+                  </a:schemeClr>
+                </a:solidFill>
+                <a:effectLst>
+                  <a:outerShdw blurRad="38100" dist="38100" dir="2700000" algn="tl">
+                    <a:srgbClr val="000000">
+                      <a:alpha val="43137"/>
+                    </a:srgbClr>
+                  </a:outerShdw>
+                </a:effectLst>
+                <a:latin typeface="Consolas" pitchFamily="49" charset="0"/>
+                <a:cs typeface="Consolas" pitchFamily="49" charset="0"/>
+              </a:rPr>
+              <a:t>…</a:t>
+            </a:r>
+            <a:endParaRPr lang="en-US" sz="1800" b="1" noProof="1" smtClean="0">
+              <a:solidFill>
+                <a:schemeClr val="accent5">
+                  <a:lumMod val="20000"/>
+                  <a:lumOff val="80000"/>
+                </a:schemeClr>
+              </a:solidFill>
+              <a:effectLst>
+                <a:outerShdw blurRad="38100" dist="38100" dir="2700000" algn="tl">
+                  <a:srgbClr val="000000">
+                    <a:alpha val="43137"/>
+                  </a:srgbClr>
+                </a:outerShdw>
+              </a:effectLst>
+              <a:latin typeface="Consolas" pitchFamily="49" charset="0"/>
+              <a:cs typeface="Consolas" pitchFamily="49" charset="0"/>
+            </a:endParaRPr>
           </a:p>
           <a:p>
             <a:r>
@@ -8792,7 +9110,7 @@
           <p:nvPr/>
         </p:nvPicPr>
         <p:blipFill>
-          <a:blip r:embed="rId2">
+          <a:blip r:embed="rId3" cstate="screen">
             <a:extLst>
               <a:ext uri="{28A0092B-C50C-407E-A947-70E740481C1C}">
                 <a14:useLocalDpi xmlns:a14="http://schemas.microsoft.com/office/drawing/2010/main"/>
@@ -8842,11 +9160,11 @@
           <p:nvPr/>
         </p:nvPicPr>
         <p:blipFill>
-          <a:blip r:embed="rId3" cstate="screen">
+          <a:blip r:embed="rId4" cstate="screen">
             <a:extLst>
               <a:ext uri="{BEBA8EAE-BF5A-486C-A8C5-ECC9F3942E4B}">
                 <a14:imgProps xmlns:a14="http://schemas.microsoft.com/office/drawing/2010/main">
-                  <a14:imgLayer r:embed="rId4">
+                  <a14:imgLayer r:embed="rId5">
                     <a14:imgEffect>
                       <a14:brightnessContrast bright="20000"/>
                     </a14:imgEffect>
@@ -8990,6 +9308,9 @@
               <a:lnSpc>
                 <a:spcPct val="100000"/>
               </a:lnSpc>
+              <a:spcBef>
+                <a:spcPts val="1200"/>
+              </a:spcBef>
             </a:pPr>
             <a:r>
               <a:rPr lang="en-US" dirty="0" smtClean="0"/>
@@ -9042,10 +9363,13 @@
               <a:lnSpc>
                 <a:spcPct val="100000"/>
               </a:lnSpc>
+              <a:spcBef>
+                <a:spcPts val="1200"/>
+              </a:spcBef>
             </a:pPr>
             <a:r>
               <a:rPr lang="en-US" dirty="0" smtClean="0"/>
-              <a:t>Use meaningful boolean expressions, which read like sentence</a:t>
+              <a:t>Use meaningful boolean expressions, which read like a sentence</a:t>
             </a:r>
           </a:p>
         </p:txBody>
@@ -9089,8 +9413,8 @@
         </p:nvSpPr>
         <p:spPr bwMode="auto">
           <a:xfrm>
-            <a:off x="4648200" y="1495961"/>
-            <a:ext cx="3886200" cy="1323439"/>
+            <a:off x="4800600" y="1572161"/>
+            <a:ext cx="3733800" cy="1323439"/>
           </a:xfrm>
           <a:prstGeom prst="rect">
             <a:avLst/>
@@ -9216,8 +9540,8 @@
         </p:nvSpPr>
         <p:spPr bwMode="auto">
           <a:xfrm>
-            <a:off x="609600" y="1495961"/>
-            <a:ext cx="3886200" cy="1323439"/>
+            <a:off x="609600" y="1572161"/>
+            <a:ext cx="3733800" cy="1323439"/>
           </a:xfrm>
           <a:prstGeom prst="rect">
             <a:avLst/>
@@ -9247,7 +9571,7 @@
             <a:r>
               <a:rPr lang="en-US" sz="2000" b="1" noProof="1" smtClean="0">
                 <a:solidFill>
-                  <a:schemeClr val="accent3">
+                  <a:schemeClr val="accent2">
                     <a:lumMod val="40000"/>
                     <a:lumOff val="60000"/>
                   </a:schemeClr>
@@ -9269,7 +9593,7 @@
             <a:r>
               <a:rPr lang="en-US" sz="2000" b="1" noProof="1" smtClean="0">
                 <a:solidFill>
-                  <a:schemeClr val="accent3">
+                  <a:schemeClr val="accent2">
                     <a:lumMod val="40000"/>
                     <a:lumOff val="60000"/>
                   </a:schemeClr>
@@ -9291,7 +9615,7 @@
             <a:r>
               <a:rPr lang="en-US" sz="2000" b="1" noProof="1" smtClean="0">
                 <a:solidFill>
-                  <a:schemeClr val="accent3">
+                  <a:schemeClr val="accent2">
                     <a:lumMod val="40000"/>
                     <a:lumOff val="60000"/>
                   </a:schemeClr>
@@ -9313,7 +9637,7 @@
             <a:r>
               <a:rPr lang="en-US" sz="2000" b="1" noProof="1" smtClean="0">
                 <a:solidFill>
-                  <a:schemeClr val="accent3">
+                  <a:schemeClr val="accent2">
                     <a:lumMod val="40000"/>
                     <a:lumOff val="60000"/>
                   </a:schemeClr>
@@ -9343,8 +9667,8 @@
         </p:nvSpPr>
         <p:spPr bwMode="auto">
           <a:xfrm>
-            <a:off x="4648200" y="3429000"/>
-            <a:ext cx="3886200" cy="1323439"/>
+            <a:off x="4800600" y="3547408"/>
+            <a:ext cx="3733800" cy="1938992"/>
           </a:xfrm>
           <a:prstGeom prst="rect">
             <a:avLst/>
@@ -9457,6 +9781,61 @@
               </a:rPr>
               <a:t>}</a:t>
             </a:r>
+            <a:endParaRPr lang="bg-BG" sz="2000" b="1" noProof="1" smtClean="0">
+              <a:solidFill>
+                <a:schemeClr val="accent5">
+                  <a:lumMod val="20000"/>
+                  <a:lumOff val="80000"/>
+                </a:schemeClr>
+              </a:solidFill>
+              <a:effectLst>
+                <a:outerShdw blurRad="38100" dist="38100" dir="2700000" algn="tl">
+                  <a:srgbClr val="000000">
+                    <a:alpha val="43137"/>
+                  </a:srgbClr>
+                </a:outerShdw>
+              </a:effectLst>
+              <a:latin typeface="Consolas" pitchFamily="49" charset="0"/>
+              <a:cs typeface="Consolas" pitchFamily="49" charset="0"/>
+            </a:endParaRPr>
+          </a:p>
+          <a:p>
+            <a:endParaRPr lang="bg-BG" sz="2000" b="1" noProof="1">
+              <a:solidFill>
+                <a:schemeClr val="accent5">
+                  <a:lumMod val="20000"/>
+                  <a:lumOff val="80000"/>
+                </a:schemeClr>
+              </a:solidFill>
+              <a:effectLst>
+                <a:outerShdw blurRad="38100" dist="38100" dir="2700000" algn="tl">
+                  <a:srgbClr val="000000">
+                    <a:alpha val="43137"/>
+                  </a:srgbClr>
+                </a:outerShdw>
+              </a:effectLst>
+              <a:latin typeface="Consolas" pitchFamily="49" charset="0"/>
+              <a:cs typeface="Consolas" pitchFamily="49" charset="0"/>
+            </a:endParaRPr>
+          </a:p>
+          <a:p>
+            <a:endParaRPr lang="en-US" sz="2000" b="1" noProof="1" smtClean="0">
+              <a:solidFill>
+                <a:schemeClr val="accent5">
+                  <a:lumMod val="20000"/>
+                  <a:lumOff val="80000"/>
+                </a:schemeClr>
+              </a:solidFill>
+              <a:effectLst>
+                <a:outerShdw blurRad="38100" dist="38100" dir="2700000" algn="tl">
+                  <a:srgbClr val="000000">
+                    <a:alpha val="43137"/>
+                  </a:srgbClr>
+                </a:outerShdw>
+              </a:effectLst>
+              <a:latin typeface="Consolas" pitchFamily="49" charset="0"/>
+              <a:cs typeface="Consolas" pitchFamily="49" charset="0"/>
+            </a:endParaRPr>
           </a:p>
         </p:txBody>
       </p:sp>
@@ -9470,8 +9849,8 @@
         </p:nvSpPr>
         <p:spPr bwMode="auto">
           <a:xfrm>
-            <a:off x="609600" y="3429000"/>
-            <a:ext cx="3886200" cy="1938992"/>
+            <a:off x="609600" y="3547408"/>
+            <a:ext cx="3733800" cy="1938992"/>
           </a:xfrm>
           <a:prstGeom prst="rect">
             <a:avLst/>
@@ -9501,7 +9880,7 @@
             <a:r>
               <a:rPr lang="en-US" sz="2000" b="1" noProof="1" smtClean="0">
                 <a:solidFill>
-                  <a:schemeClr val="accent3">
+                  <a:schemeClr val="accent2">
                     <a:lumMod val="40000"/>
                     <a:lumOff val="60000"/>
                   </a:schemeClr>
@@ -9523,7 +9902,7 @@
             <a:r>
               <a:rPr lang="en-US" sz="2000" b="1" noProof="1" smtClean="0">
                 <a:solidFill>
-                  <a:schemeClr val="accent3">
+                  <a:schemeClr val="accent2">
                     <a:lumMod val="40000"/>
                     <a:lumOff val="60000"/>
                   </a:schemeClr>
@@ -9545,7 +9924,7 @@
             <a:r>
               <a:rPr lang="en-US" sz="2000" b="1" noProof="1" smtClean="0">
                 <a:solidFill>
-                  <a:schemeClr val="accent3">
+                  <a:schemeClr val="accent2">
                     <a:lumMod val="40000"/>
                     <a:lumOff val="60000"/>
                   </a:schemeClr>
@@ -9567,7 +9946,7 @@
             <a:r>
               <a:rPr lang="en-US" sz="2000" b="1" noProof="1" smtClean="0">
                 <a:solidFill>
-                  <a:schemeClr val="accent3">
+                  <a:schemeClr val="accent2">
                     <a:lumMod val="40000"/>
                     <a:lumOff val="60000"/>
                   </a:schemeClr>
@@ -9589,7 +9968,7 @@
             <a:r>
               <a:rPr lang="en-US" sz="2000" b="1" noProof="1" smtClean="0">
                 <a:solidFill>
-                  <a:schemeClr val="accent3">
+                  <a:schemeClr val="accent2">
                     <a:lumMod val="40000"/>
                     <a:lumOff val="60000"/>
                   </a:schemeClr>
@@ -9609,7 +9988,7 @@
             <a:br>
               <a:rPr lang="en-US" sz="2000" b="1" noProof="1" smtClean="0">
                 <a:solidFill>
-                  <a:schemeClr val="accent3">
+                  <a:schemeClr val="accent2">
                     <a:lumMod val="40000"/>
                     <a:lumOff val="60000"/>
                   </a:schemeClr>
@@ -9628,7 +10007,7 @@
             <a:r>
               <a:rPr lang="en-US" sz="2000" b="1" noProof="1" smtClean="0">
                 <a:solidFill>
-                  <a:schemeClr val="accent3">
+                  <a:schemeClr val="accent2">
                     <a:lumMod val="40000"/>
                     <a:lumOff val="60000"/>
                   </a:schemeClr>
@@ -9680,7 +10059,7 @@
         </p:blipFill>
         <p:spPr bwMode="auto">
           <a:xfrm>
-            <a:off x="3956596" y="1452518"/>
+            <a:off x="3956596" y="1528718"/>
             <a:ext cx="600164" cy="600164"/>
           </a:xfrm>
           <a:prstGeom prst="rect">
@@ -9737,7 +10116,7 @@
         </p:blipFill>
         <p:spPr bwMode="auto">
           <a:xfrm>
-            <a:off x="3956596" y="3385721"/>
+            <a:off x="3956596" y="3504129"/>
             <a:ext cx="600164" cy="600164"/>
           </a:xfrm>
           <a:prstGeom prst="rect">
@@ -9771,7 +10150,7 @@
           <p:nvPr/>
         </p:nvPicPr>
         <p:blipFill>
-          <a:blip r:embed="rId4">
+          <a:blip r:embed="rId4" cstate="screen">
             <a:extLst>
               <a:ext uri="{28A0092B-C50C-407E-A947-70E740481C1C}">
                 <a14:useLocalDpi xmlns:a14="http://schemas.microsoft.com/office/drawing/2010/main"/>
@@ -9785,7 +10164,7 @@
         </p:blipFill>
         <p:spPr bwMode="auto">
           <a:xfrm>
-            <a:off x="7934237" y="1452518"/>
+            <a:off x="8086637" y="1528718"/>
             <a:ext cx="600163" cy="600164"/>
           </a:xfrm>
           <a:prstGeom prst="rect">
@@ -9821,7 +10200,7 @@
           <p:nvPr/>
         </p:nvPicPr>
         <p:blipFill>
-          <a:blip r:embed="rId4">
+          <a:blip r:embed="rId4" cstate="screen">
             <a:extLst>
               <a:ext uri="{28A0092B-C50C-407E-A947-70E740481C1C}">
                 <a14:useLocalDpi xmlns:a14="http://schemas.microsoft.com/office/drawing/2010/main"/>
@@ -9835,7 +10214,7 @@
         </p:blipFill>
         <p:spPr bwMode="auto">
           <a:xfrm>
-            <a:off x="7934237" y="3385721"/>
+            <a:off x="8086637" y="3504129"/>
             <a:ext cx="600163" cy="600164"/>
           </a:xfrm>
           <a:prstGeom prst="rect">
@@ -10055,7 +10434,7 @@
         </p:nvSpPr>
         <p:spPr bwMode="auto">
           <a:xfrm>
-            <a:off x="4800600" y="2310348"/>
+            <a:off x="4876800" y="2310348"/>
             <a:ext cx="3733800" cy="3785652"/>
           </a:xfrm>
           <a:prstGeom prst="rect">
@@ -10386,7 +10765,7 @@
             <a:r>
               <a:rPr lang="en-US" sz="2000" b="1" noProof="1" smtClean="0">
                 <a:solidFill>
-                  <a:schemeClr val="accent3">
+                  <a:schemeClr val="accent2">
                     <a:lumMod val="40000"/>
                     <a:lumOff val="60000"/>
                   </a:schemeClr>
@@ -10408,7 +10787,7 @@
             <a:r>
               <a:rPr lang="en-US" sz="2000" b="1" noProof="1" smtClean="0">
                 <a:solidFill>
-                  <a:schemeClr val="accent3">
+                  <a:schemeClr val="accent2">
                     <a:lumMod val="40000"/>
                     <a:lumOff val="60000"/>
                   </a:schemeClr>
@@ -10430,7 +10809,7 @@
             <a:r>
               <a:rPr lang="en-US" sz="2000" b="1" noProof="1" smtClean="0">
                 <a:solidFill>
-                  <a:schemeClr val="accent3">
+                  <a:schemeClr val="accent2">
                     <a:lumMod val="40000"/>
                     <a:lumOff val="60000"/>
                   </a:schemeClr>
@@ -10452,7 +10831,7 @@
             <a:r>
               <a:rPr lang="en-US" sz="2000" b="1" noProof="1" smtClean="0">
                 <a:solidFill>
-                  <a:schemeClr val="accent3">
+                  <a:schemeClr val="accent2">
                     <a:lumMod val="40000"/>
                     <a:lumOff val="60000"/>
                   </a:schemeClr>
@@ -10474,7 +10853,7 @@
             <a:r>
               <a:rPr lang="en-US" sz="2000" b="1" noProof="1" smtClean="0">
                 <a:solidFill>
-                  <a:schemeClr val="accent3">
+                  <a:schemeClr val="accent2">
                     <a:lumMod val="40000"/>
                     <a:lumOff val="60000"/>
                   </a:schemeClr>
@@ -10496,7 +10875,7 @@
             <a:r>
               <a:rPr lang="en-US" sz="2000" b="1" noProof="1" smtClean="0">
                 <a:solidFill>
-                  <a:schemeClr val="accent3">
+                  <a:schemeClr val="accent2">
                     <a:lumMod val="40000"/>
                     <a:lumOff val="60000"/>
                   </a:schemeClr>
@@ -10518,7 +10897,7 @@
             <a:r>
               <a:rPr lang="en-US" sz="2000" b="1" noProof="1" smtClean="0">
                 <a:solidFill>
-                  <a:schemeClr val="accent3">
+                  <a:schemeClr val="accent2">
                     <a:lumMod val="40000"/>
                     <a:lumOff val="60000"/>
                   </a:schemeClr>
@@ -10540,7 +10919,7 @@
             <a:r>
               <a:rPr lang="en-US" sz="2000" b="1" noProof="1" smtClean="0">
                 <a:solidFill>
-                  <a:schemeClr val="accent3">
+                  <a:schemeClr val="accent2">
                     <a:lumMod val="40000"/>
                     <a:lumOff val="60000"/>
                   </a:schemeClr>
@@ -10562,7 +10941,7 @@
             <a:r>
               <a:rPr lang="en-US" sz="2000" b="1" noProof="1" smtClean="0">
                 <a:solidFill>
-                  <a:schemeClr val="accent3">
+                  <a:schemeClr val="accent2">
                     <a:lumMod val="40000"/>
                     <a:lumOff val="60000"/>
                   </a:schemeClr>
@@ -10584,7 +10963,7 @@
             <a:r>
               <a:rPr lang="en-US" sz="2000" b="1" noProof="1" smtClean="0">
                 <a:solidFill>
-                  <a:schemeClr val="accent3">
+                  <a:schemeClr val="accent2">
                     <a:lumMod val="40000"/>
                     <a:lumOff val="60000"/>
                   </a:schemeClr>
@@ -10606,7 +10985,7 @@
             <a:r>
               <a:rPr lang="en-US" sz="2000" b="1" noProof="1" smtClean="0">
                 <a:solidFill>
-                  <a:schemeClr val="accent3">
+                  <a:schemeClr val="accent2">
                     <a:lumMod val="40000"/>
                     <a:lumOff val="60000"/>
                   </a:schemeClr>
@@ -10628,7 +11007,7 @@
             <a:r>
               <a:rPr lang="en-US" sz="2000" b="1" noProof="1" smtClean="0">
                 <a:solidFill>
-                  <a:schemeClr val="accent3">
+                  <a:schemeClr val="accent2">
                     <a:lumMod val="40000"/>
                     <a:lumOff val="60000"/>
                   </a:schemeClr>
@@ -10714,7 +11093,7 @@
           <p:nvPr/>
         </p:nvPicPr>
         <p:blipFill>
-          <a:blip r:embed="rId4">
+          <a:blip r:embed="rId4" cstate="screen">
             <a:extLst>
               <a:ext uri="{28A0092B-C50C-407E-A947-70E740481C1C}">
                 <a14:useLocalDpi xmlns:a14="http://schemas.microsoft.com/office/drawing/2010/main"/>
@@ -10728,7 +11107,7 @@
         </p:blipFill>
         <p:spPr bwMode="auto">
           <a:xfrm>
-            <a:off x="8010437" y="2209800"/>
+            <a:off x="8086637" y="2209800"/>
             <a:ext cx="600163" cy="600164"/>
           </a:xfrm>
           <a:prstGeom prst="rect">
@@ -10893,7 +11272,7 @@
                 <a:spcPct val="100000"/>
               </a:lnSpc>
             </a:pPr>
-            <a:endParaRPr lang="en-US" dirty="0" smtClean="0"/>
+            <a:endParaRPr lang="en-US" dirty="0"/>
           </a:p>
           <a:p>
             <a:pPr lvl="1">
@@ -10901,12 +11280,23 @@
                 <a:spcPct val="100000"/>
               </a:lnSpc>
               <a:spcBef>
-                <a:spcPts val="2400"/>
+                <a:spcPts val="0"/>
               </a:spcBef>
             </a:pPr>
+            <a:endParaRPr lang="en-US" dirty="0" smtClean="0"/>
+          </a:p>
+          <a:p>
+            <a:pPr lvl="1">
+              <a:lnSpc>
+                <a:spcPct val="100000"/>
+              </a:lnSpc>
+              <a:spcBef>
+                <a:spcPts val="0"/>
+              </a:spcBef>
+            </a:pPr>
             <a:r>
               <a:rPr lang="en-US" dirty="0" smtClean="0"/>
-              <a:t>Complex boolean expressions are harmful</a:t>
+              <a:t>Complex boolean expressions can be harmful</a:t>
             </a:r>
           </a:p>
           <a:p>
@@ -10979,7 +11369,7 @@
         </p:nvSpPr>
         <p:spPr bwMode="auto">
           <a:xfrm>
-            <a:off x="762000" y="3248561"/>
+            <a:off x="762000" y="3352800"/>
             <a:ext cx="7543800" cy="1323439"/>
           </a:xfrm>
           <a:prstGeom prst="rect">
@@ -11010,7 +11400,7 @@
             <a:r>
               <a:rPr lang="en-US" sz="2000" b="1" noProof="1" smtClean="0">
                 <a:solidFill>
-                  <a:schemeClr val="accent3">
+                  <a:schemeClr val="accent2">
                     <a:lumMod val="40000"/>
                     <a:lumOff val="60000"/>
                   </a:schemeClr>
@@ -11032,7 +11422,7 @@
             <a:r>
               <a:rPr lang="en-US" sz="2000" b="1" noProof="1" smtClean="0">
                 <a:solidFill>
-                  <a:schemeClr val="accent3">
+                  <a:schemeClr val="accent2">
                     <a:lumMod val="40000"/>
                     <a:lumOff val="60000"/>
                   </a:schemeClr>
@@ -11054,7 +11444,7 @@
             <a:r>
               <a:rPr lang="en-US" sz="2000" b="1" noProof="1" smtClean="0">
                 <a:solidFill>
-                  <a:schemeClr val="accent3">
+                  <a:schemeClr val="accent2">
                     <a:lumMod val="40000"/>
                     <a:lumOff val="60000"/>
                   </a:schemeClr>
@@ -11076,7 +11466,7 @@
             <a:r>
               <a:rPr lang="en-US" sz="2000" b="1" noProof="1" smtClean="0">
                 <a:solidFill>
-                  <a:schemeClr val="accent3">
+                  <a:schemeClr val="accent2">
                     <a:lumMod val="40000"/>
                     <a:lumOff val="60000"/>
                   </a:schemeClr>
@@ -11091,7 +11481,7 @@
                 <a:latin typeface="Consolas" pitchFamily="49" charset="0"/>
                 <a:cs typeface="Consolas" pitchFamily="49" charset="0"/>
               </a:rPr>
-              <a:t>  matrix[x, y+1] == 0 &amp;&amp; !visited[x, y])</a:t>
+              <a:t>  matrix[x, y+1] == 0 &amp;&amp; !visited[x, y]) …</a:t>
             </a:r>
           </a:p>
         </p:txBody>
@@ -11128,7 +11518,7 @@
         </p:blipFill>
         <p:spPr bwMode="auto">
           <a:xfrm>
-            <a:off x="7705636" y="3971836"/>
+            <a:off x="8010436" y="3814093"/>
             <a:ext cx="600164" cy="600164"/>
           </a:xfrm>
           <a:prstGeom prst="rect">
@@ -11223,7 +11613,12 @@
             <p:ph idx="1"/>
           </p:nvPr>
         </p:nvSpPr>
-        <p:spPr/>
+        <p:spPr>
+          <a:xfrm>
+            <a:off x="228600" y="838200"/>
+            <a:ext cx="8686800" cy="1064705"/>
+          </a:xfrm>
+        </p:spPr>
         <p:txBody>
           <a:bodyPr/>
           <a:lstStyle/>
@@ -11237,85 +11632,6 @@
               <a:rPr lang="en-US" dirty="0" smtClean="0"/>
               <a:t>The last example can be easily refactored into self-documenting code:</a:t>
             </a:r>
-          </a:p>
-          <a:p>
-            <a:pPr>
-              <a:lnSpc>
-                <a:spcPct val="100000"/>
-              </a:lnSpc>
-            </a:pPr>
-            <a:endParaRPr lang="en-US" dirty="0" smtClean="0"/>
-          </a:p>
-          <a:p>
-            <a:pPr>
-              <a:lnSpc>
-                <a:spcPct val="100000"/>
-              </a:lnSpc>
-            </a:pPr>
-            <a:endParaRPr lang="en-US" dirty="0" smtClean="0"/>
-          </a:p>
-          <a:p>
-            <a:pPr>
-              <a:lnSpc>
-                <a:spcPct val="100000"/>
-              </a:lnSpc>
-            </a:pPr>
-            <a:endParaRPr lang="en-US" dirty="0" smtClean="0"/>
-          </a:p>
-          <a:p>
-            <a:pPr>
-              <a:lnSpc>
-                <a:spcPct val="100000"/>
-              </a:lnSpc>
-            </a:pPr>
-            <a:endParaRPr lang="en-US" dirty="0" smtClean="0"/>
-          </a:p>
-          <a:p>
-            <a:pPr>
-              <a:lnSpc>
-                <a:spcPct val="100000"/>
-              </a:lnSpc>
-            </a:pPr>
-            <a:r>
-              <a:rPr lang="en-US" dirty="0" smtClean="0"/>
-              <a:t>Now the code is:</a:t>
-            </a:r>
-          </a:p>
-          <a:p>
-            <a:pPr lvl="1">
-              <a:lnSpc>
-                <a:spcPct val="100000"/>
-              </a:lnSpc>
-            </a:pPr>
-            <a:r>
-              <a:rPr lang="en-US" dirty="0" smtClean="0"/>
-              <a:t>Easy to read – the logic of the condition is clear</a:t>
-            </a:r>
-          </a:p>
-          <a:p>
-            <a:pPr lvl="1">
-              <a:lnSpc>
-                <a:spcPct val="100000"/>
-              </a:lnSpc>
-            </a:pPr>
-            <a:r>
-              <a:rPr lang="en-US" dirty="0" smtClean="0"/>
-              <a:t>Easy to debug – breakpoint can be put at the </a:t>
-            </a:r>
-            <a:r>
-              <a:rPr lang="en-US" dirty="0" smtClean="0">
-                <a:solidFill>
-                  <a:schemeClr val="accent5">
-                    <a:lumMod val="20000"/>
-                    <a:lumOff val="80000"/>
-                  </a:schemeClr>
-                </a:solidFill>
-                <a:latin typeface="Consolas" pitchFamily="49" charset="0"/>
-                <a:cs typeface="Consolas" pitchFamily="49" charset="0"/>
-              </a:rPr>
-              <a:t>if</a:t>
-            </a:r>
-            <a:endParaRPr lang="en-US" dirty="0"/>
           </a:p>
         </p:txBody>
       </p:sp>
@@ -11358,8 +11674,8 @@
         </p:nvSpPr>
         <p:spPr bwMode="auto">
           <a:xfrm>
-            <a:off x="533400" y="2172831"/>
-            <a:ext cx="8077200" cy="2246769"/>
+            <a:off x="381000" y="2057400"/>
+            <a:ext cx="8382000" cy="2723823"/>
           </a:xfrm>
           <a:prstGeom prst="rect">
             <a:avLst/>
@@ -11387,7 +11703,7 @@
           <a:lstStyle/>
           <a:p>
             <a:r>
-              <a:rPr lang="en-US" sz="2000" b="1" noProof="1" smtClean="0">
+              <a:rPr lang="en-US" sz="1900" b="1" noProof="1" smtClean="0">
                 <a:solidFill>
                   <a:schemeClr val="accent5">
                     <a:lumMod val="20000"/>
@@ -11404,12 +11720,12 @@
                 <a:latin typeface="Consolas" pitchFamily="49" charset="0"/>
                 <a:cs typeface="Consolas" pitchFamily="49" charset="0"/>
               </a:rPr>
-              <a:t>bool inRange = </a:t>
-            </a:r>
-          </a:p>
-          <a:p>
-            <a:r>
-              <a:rPr lang="en-US" sz="2000" b="1" noProof="1" smtClean="0">
+              <a:t>bool inRange = x &gt; 0 &amp;&amp; y &gt; 0 &amp;&amp; x &lt; Width-1 &amp;&amp; y &lt; Height-1;</a:t>
+            </a:r>
+          </a:p>
+          <a:p>
+            <a:r>
+              <a:rPr lang="en-US" sz="1900" b="1" noProof="1">
                 <a:solidFill>
                   <a:schemeClr val="accent5">
                     <a:lumMod val="20000"/>
@@ -11426,12 +11742,10 @@
                 <a:latin typeface="Consolas" pitchFamily="49" charset="0"/>
                 <a:cs typeface="Consolas" pitchFamily="49" charset="0"/>
               </a:rPr>
-              <a:t>  x &gt; 0 &amp;&amp; y &gt; 0 &amp;&amp; x &lt; Width-1 &amp;&amp; y &lt; Height-1;</a:t>
-            </a:r>
-          </a:p>
-          <a:p>
-            <a:r>
-              <a:rPr lang="en-US" sz="2000" b="1" noProof="1" smtClean="0">
+              <a:t>if (</a:t>
+            </a:r>
+            <a:r>
+              <a:rPr lang="en-US" sz="1900" b="1" noProof="1" smtClean="0">
                 <a:solidFill>
                   <a:schemeClr val="accent5">
                     <a:lumMod val="20000"/>
@@ -11448,12 +11762,12 @@
                 <a:latin typeface="Consolas" pitchFamily="49" charset="0"/>
                 <a:cs typeface="Consolas" pitchFamily="49" charset="0"/>
               </a:rPr>
-              <a:t>bool emptyCellAndNeighbours =</a:t>
-            </a:r>
-          </a:p>
-          <a:p>
-            <a:r>
-              <a:rPr lang="en-US" sz="2000" b="1" noProof="1" smtClean="0">
+              <a:t>inRange)</a:t>
+            </a:r>
+          </a:p>
+          <a:p>
+            <a:r>
+              <a:rPr lang="en-US" sz="1900" b="1" noProof="1">
                 <a:solidFill>
                   <a:schemeClr val="accent5">
                     <a:lumMod val="20000"/>
@@ -11470,12 +11784,29 @@
                 <a:latin typeface="Consolas" pitchFamily="49" charset="0"/>
                 <a:cs typeface="Consolas" pitchFamily="49" charset="0"/>
               </a:rPr>
-              <a:t>  matrix[x, y] == 0 &amp;&amp; matrix[x-1, y] == 0 &amp;&amp;</a:t>
-            </a:r>
-          </a:p>
-          <a:p>
-            <a:r>
-              <a:rPr lang="en-US" sz="2000" b="1" noProof="1" smtClean="0">
+              <a:t>{</a:t>
+            </a:r>
+            <a:endParaRPr lang="en-US" sz="1900" b="1" noProof="1" smtClean="0">
+              <a:solidFill>
+                <a:schemeClr val="accent5">
+                  <a:lumMod val="20000"/>
+                  <a:lumOff val="80000"/>
+                </a:schemeClr>
+              </a:solidFill>
+              <a:effectLst>
+                <a:outerShdw blurRad="38100" dist="38100" dir="2700000" algn="tl">
+                  <a:srgbClr val="000000">
+                    <a:alpha val="43137"/>
+                  </a:srgbClr>
+                </a:outerShdw>
+              </a:effectLst>
+              <a:latin typeface="Consolas" pitchFamily="49" charset="0"/>
+              <a:cs typeface="Consolas" pitchFamily="49" charset="0"/>
+            </a:endParaRPr>
+          </a:p>
+          <a:p>
+            <a:r>
+              <a:rPr lang="en-US" sz="1900" b="1" noProof="1" smtClean="0">
                 <a:solidFill>
                   <a:schemeClr val="accent5">
                     <a:lumMod val="20000"/>
@@ -11492,12 +11823,12 @@
                 <a:latin typeface="Consolas" pitchFamily="49" charset="0"/>
                 <a:cs typeface="Consolas" pitchFamily="49" charset="0"/>
               </a:rPr>
-              <a:t>  matrix[x+1, y] == 0 &amp;&amp; matrix[x, y-1] == 0 &amp;&amp;</a:t>
-            </a:r>
-          </a:p>
-          <a:p>
-            <a:r>
-              <a:rPr lang="en-US" sz="2000" b="1" noProof="1" smtClean="0">
+              <a:t>  bool emptyCellAndNeighbours =</a:t>
+            </a:r>
+          </a:p>
+          <a:p>
+            <a:r>
+              <a:rPr lang="en-US" sz="1900" b="1" noProof="1" smtClean="0">
                 <a:solidFill>
                   <a:schemeClr val="accent5">
                     <a:lumMod val="20000"/>
@@ -11514,12 +11845,12 @@
                 <a:latin typeface="Consolas" pitchFamily="49" charset="0"/>
                 <a:cs typeface="Consolas" pitchFamily="49" charset="0"/>
               </a:rPr>
-              <a:t>  matrix[x, y+1] == 0;</a:t>
-            </a:r>
-          </a:p>
-          <a:p>
-            <a:r>
-              <a:rPr lang="en-US" sz="2000" b="1" noProof="1" smtClean="0">
+              <a:t>    matrix[x, y] == 0 &amp;&amp; matrix[x-1, y] == 0 &amp;&amp;</a:t>
+            </a:r>
+          </a:p>
+          <a:p>
+            <a:r>
+              <a:rPr lang="en-US" sz="1900" b="1" noProof="1" smtClean="0">
                 <a:solidFill>
                   <a:schemeClr val="accent5">
                     <a:lumMod val="20000"/>
@@ -11536,8 +11867,91 @@
                 <a:latin typeface="Consolas" pitchFamily="49" charset="0"/>
                 <a:cs typeface="Consolas" pitchFamily="49" charset="0"/>
               </a:rPr>
-              <a:t>if (inRange &amp;&amp; emptyCellAndNeighbours &amp;&amp; !visited[x, y])</a:t>
-            </a:r>
+              <a:t>    matrix[x+1, y] == 0 &amp;&amp; matrix[x, y-1] == 0 &amp;&amp;</a:t>
+            </a:r>
+          </a:p>
+          <a:p>
+            <a:r>
+              <a:rPr lang="en-US" sz="1900" b="1" noProof="1" smtClean="0">
+                <a:solidFill>
+                  <a:schemeClr val="accent5">
+                    <a:lumMod val="20000"/>
+                    <a:lumOff val="80000"/>
+                  </a:schemeClr>
+                </a:solidFill>
+                <a:effectLst>
+                  <a:outerShdw blurRad="38100" dist="38100" dir="2700000" algn="tl">
+                    <a:srgbClr val="000000">
+                      <a:alpha val="43137"/>
+                    </a:srgbClr>
+                  </a:outerShdw>
+                </a:effectLst>
+                <a:latin typeface="Consolas" pitchFamily="49" charset="0"/>
+                <a:cs typeface="Consolas" pitchFamily="49" charset="0"/>
+              </a:rPr>
+              <a:t>    matrix[x, y+1] == 0;</a:t>
+            </a:r>
+          </a:p>
+          <a:p>
+            <a:r>
+              <a:rPr lang="en-US" sz="1900" b="1" noProof="1" smtClean="0">
+                <a:solidFill>
+                  <a:schemeClr val="accent5">
+                    <a:lumMod val="20000"/>
+                    <a:lumOff val="80000"/>
+                  </a:schemeClr>
+                </a:solidFill>
+                <a:effectLst>
+                  <a:outerShdw blurRad="38100" dist="38100" dir="2700000" algn="tl">
+                    <a:srgbClr val="000000">
+                      <a:alpha val="43137"/>
+                    </a:srgbClr>
+                  </a:outerShdw>
+                </a:effectLst>
+                <a:latin typeface="Consolas" pitchFamily="49" charset="0"/>
+                <a:cs typeface="Consolas" pitchFamily="49" charset="0"/>
+              </a:rPr>
+              <a:t>  if (emptyCellAndNeighbours &amp;&amp; !visited[x, y]) …</a:t>
+            </a:r>
+          </a:p>
+          <a:p>
+            <a:r>
+              <a:rPr lang="en-US" sz="1900" b="1" noProof="1">
+                <a:solidFill>
+                  <a:schemeClr val="accent5">
+                    <a:lumMod val="20000"/>
+                    <a:lumOff val="80000"/>
+                  </a:schemeClr>
+                </a:solidFill>
+                <a:effectLst>
+                  <a:outerShdw blurRad="38100" dist="38100" dir="2700000" algn="tl">
+                    <a:srgbClr val="000000">
+                      <a:alpha val="43137"/>
+                    </a:srgbClr>
+                  </a:outerShdw>
+                </a:effectLst>
+                <a:latin typeface="Consolas" pitchFamily="49" charset="0"/>
+                <a:cs typeface="Consolas" pitchFamily="49" charset="0"/>
+              </a:rPr>
+              <a:t>}</a:t>
+            </a:r>
+            <a:endParaRPr lang="en-US" sz="1900" b="1" noProof="1" smtClean="0">
+              <a:solidFill>
+                <a:schemeClr val="accent5">
+                  <a:lumMod val="20000"/>
+                  <a:lumOff val="80000"/>
+                </a:schemeClr>
+              </a:solidFill>
+              <a:effectLst>
+                <a:outerShdw blurRad="38100" dist="38100" dir="2700000" algn="tl">
+                  <a:srgbClr val="000000">
+                    <a:alpha val="43137"/>
+                  </a:srgbClr>
+                </a:outerShdw>
+              </a:effectLst>
+              <a:latin typeface="Consolas" pitchFamily="49" charset="0"/>
+              <a:cs typeface="Consolas" pitchFamily="49" charset="0"/>
+            </a:endParaRPr>
           </a:p>
         </p:txBody>
       </p:sp>
@@ -11564,7 +11978,7 @@
         </p:blipFill>
         <p:spPr bwMode="auto">
           <a:xfrm>
-            <a:off x="7979230" y="1905000"/>
+            <a:off x="8077200" y="3886200"/>
             <a:ext cx="783770" cy="783771"/>
           </a:xfrm>
           <a:prstGeom prst="rect">
@@ -11591,6 +12005,179 @@
           </a:extLst>
         </p:spPr>
       </p:pic>
+      <p:sp>
+        <p:nvSpPr>
+          <p:cNvPr id="5" name="Rectangle 4"/>
+          <p:cNvSpPr/>
+          <p:nvPr/>
+        </p:nvSpPr>
+        <p:spPr>
+          <a:xfrm>
+            <a:off x="228600" y="4953000"/>
+            <a:ext cx="8686800" cy="1674305"/>
+          </a:xfrm>
+          <a:prstGeom prst="rect">
+            <a:avLst/>
+          </a:prstGeom>
+        </p:spPr>
+        <p:txBody>
+          <a:bodyPr wrap="square">
+            <a:spAutoFit/>
+          </a:bodyPr>
+          <a:lstStyle/>
+          <a:p>
+            <a:pPr marL="282575" lvl="0" indent="-282575" eaLnBrk="0" hangingPunct="0">
+              <a:lnSpc>
+                <a:spcPct val="90000"/>
+              </a:lnSpc>
+              <a:spcBef>
+                <a:spcPts val="600"/>
+              </a:spcBef>
+              <a:spcAft>
+                <a:spcPts val="600"/>
+              </a:spcAft>
+              <a:buClr>
+                <a:srgbClr val="46A6BD">
+                  <a:lumMod val="40000"/>
+                  <a:lumOff val="60000"/>
+                </a:srgbClr>
+              </a:buClr>
+              <a:buSzPct val="70000"/>
+              <a:buFont typeface="Wingdings 2" pitchFamily="18" charset="2"/>
+              <a:buChar char=""/>
+              <a:tabLst>
+                <a:tab pos="282575" algn="l"/>
+              </a:tabLst>
+            </a:pPr>
+            <a:r>
+              <a:rPr lang="en-US" sz="3200" b="1" dirty="0">
+                <a:solidFill>
+                  <a:srgbClr val="EBFFD2"/>
+                </a:solidFill>
+                <a:effectLst>
+                  <a:outerShdw blurRad="38100" dist="38100" dir="2700000" algn="tl">
+                    <a:srgbClr val="000000">
+                      <a:alpha val="43137"/>
+                    </a:srgbClr>
+                  </a:outerShdw>
+                </a:effectLst>
+                <a:latin typeface="Corbel"/>
+              </a:rPr>
+              <a:t>Now the code is:</a:t>
+            </a:r>
+          </a:p>
+          <a:p>
+            <a:pPr marL="630238" lvl="1" indent="-273050" eaLnBrk="0" hangingPunct="0">
+              <a:lnSpc>
+                <a:spcPct val="90000"/>
+              </a:lnSpc>
+              <a:spcBef>
+                <a:spcPts val="600"/>
+              </a:spcBef>
+              <a:spcAft>
+                <a:spcPts val="600"/>
+              </a:spcAft>
+              <a:buClr>
+                <a:srgbClr val="8FD600"/>
+              </a:buClr>
+              <a:buFont typeface="Wingdings 2" pitchFamily="18" charset="2"/>
+              <a:buChar char=""/>
+            </a:pPr>
+            <a:r>
+              <a:rPr lang="en-US" sz="3000" b="1" dirty="0">
+                <a:solidFill>
+                  <a:srgbClr val="CCFF66">
+                    <a:lumMod val="40000"/>
+                    <a:lumOff val="60000"/>
+                  </a:srgbClr>
+                </a:solidFill>
+                <a:effectLst>
+                  <a:outerShdw blurRad="38100" dist="38100" dir="2700000" algn="tl">
+                    <a:srgbClr val="000000">
+                      <a:alpha val="43137"/>
+                    </a:srgbClr>
+                  </a:outerShdw>
+                </a:effectLst>
+                <a:latin typeface="Corbel"/>
+              </a:rPr>
+              <a:t>Easy to read – the logic of the condition is clear</a:t>
+            </a:r>
+          </a:p>
+          <a:p>
+            <a:pPr marL="630238" lvl="1" indent="-273050" eaLnBrk="0" hangingPunct="0">
+              <a:lnSpc>
+                <a:spcPct val="90000"/>
+              </a:lnSpc>
+              <a:spcBef>
+                <a:spcPts val="600"/>
+              </a:spcBef>
+              <a:spcAft>
+                <a:spcPts val="600"/>
+              </a:spcAft>
+              <a:buClr>
+                <a:srgbClr val="8FD600"/>
+              </a:buClr>
+              <a:buFont typeface="Wingdings 2" pitchFamily="18" charset="2"/>
+              <a:buChar char=""/>
+            </a:pPr>
+            <a:r>
+              <a:rPr lang="en-US" sz="3000" b="1" dirty="0">
+                <a:solidFill>
+                  <a:srgbClr val="CCFF66">
+                    <a:lumMod val="40000"/>
+                    <a:lumOff val="60000"/>
+                  </a:srgbClr>
+                </a:solidFill>
+                <a:effectLst>
+                  <a:outerShdw blurRad="38100" dist="38100" dir="2700000" algn="tl">
+                    <a:srgbClr val="000000">
+                      <a:alpha val="43137"/>
+                    </a:srgbClr>
+                  </a:outerShdw>
+                </a:effectLst>
+                <a:latin typeface="Corbel"/>
+              </a:rPr>
+              <a:t>Easy to debug – breakpoint can be put at the </a:t>
+            </a:r>
+            <a:r>
+              <a:rPr lang="en-US" sz="3000" b="1" dirty="0">
+                <a:solidFill>
+                  <a:srgbClr val="46A6BD">
+                    <a:lumMod val="20000"/>
+                    <a:lumOff val="80000"/>
+                  </a:srgbClr>
+                </a:solidFill>
+                <a:effectLst>
+                  <a:outerShdw blurRad="38100" dist="38100" dir="2700000" algn="tl">
+                    <a:srgbClr val="000000">
+                      <a:alpha val="43137"/>
+                    </a:srgbClr>
+                  </a:outerShdw>
+                </a:effectLst>
+                <a:latin typeface="Consolas" pitchFamily="49" charset="0"/>
+                <a:cs typeface="Consolas" pitchFamily="49" charset="0"/>
+              </a:rPr>
+              <a:t>if</a:t>
+            </a:r>
+            <a:endParaRPr lang="en-US" sz="3000" b="1" dirty="0">
+              <a:solidFill>
+                <a:srgbClr val="CCFF66">
+                  <a:lumMod val="40000"/>
+                  <a:lumOff val="60000"/>
+                </a:srgbClr>
+              </a:solidFill>
+              <a:effectLst>
+                <a:outerShdw blurRad="38100" dist="38100" dir="2700000" algn="tl">
+                  <a:srgbClr val="000000">
+                    <a:alpha val="43137"/>
+                  </a:srgbClr>
+                </a:outerShdw>
+              </a:effectLst>
+              <a:latin typeface="Corbel"/>
+            </a:endParaRPr>
+          </a:p>
+        </p:txBody>
+      </p:sp>
     </p:spTree>
     <p:extLst>
       <p:ext uri="{BB962C8B-B14F-4D97-AF65-F5344CB8AC3E}">
@@ -11656,7 +12243,7 @@
         </p:nvSpPr>
         <p:spPr>
           <a:xfrm>
-            <a:off x="228600" y="990600"/>
+            <a:off x="228600" y="866900"/>
             <a:ext cx="8686800" cy="5638800"/>
           </a:xfrm>
         </p:spPr>
@@ -11666,7 +12253,7 @@
           <a:p>
             <a:r>
               <a:rPr lang="en-US" dirty="0" smtClean="0"/>
-              <a:t>Use object oriented approach</a:t>
+              <a:t>Use object-oriented approach</a:t>
             </a:r>
           </a:p>
           <a:p>
@@ -11722,8 +12309,8 @@
         </p:nvSpPr>
         <p:spPr bwMode="auto">
           <a:xfrm>
-            <a:off x="533400" y="1676400"/>
-            <a:ext cx="8077200" cy="4770537"/>
+            <a:off x="533400" y="1600200"/>
+            <a:ext cx="8077200" cy="4906128"/>
           </a:xfrm>
           <a:prstGeom prst="rect">
             <a:avLst/>
@@ -11745,7 +12332,7 @@
           </a:ln>
         </p:spPr>
         <p:txBody>
-          <a:bodyPr wrap="square">
+          <a:bodyPr wrap="square" bIns="180000">
             <a:spAutoFit/>
           </a:bodyPr>
           <a:lstStyle/>
@@ -11812,7 +12399,7 @@
                 <a:latin typeface="Consolas" pitchFamily="49" charset="0"/>
                 <a:cs typeface="Consolas" pitchFamily="49" charset="0"/>
               </a:rPr>
-              <a:t>  Cell CurrentCell {get; set;}</a:t>
+              <a:t>  Cell CurrentCell { get; set; }</a:t>
             </a:r>
           </a:p>
           <a:p>
@@ -11834,7 +12421,7 @@
                 <a:latin typeface="Consolas" pitchFamily="49" charset="0"/>
                 <a:cs typeface="Consolas" pitchFamily="49" charset="0"/>
               </a:rPr>
-              <a:t>  IList&lt;Cell&gt; VisitedCells {get;}</a:t>
+              <a:t>  IList&lt;Cell&gt; VisitedCells { get; }</a:t>
             </a:r>
           </a:p>
           <a:p>
@@ -11856,7 +12443,7 @@
                 <a:latin typeface="Consolas" pitchFamily="49" charset="0"/>
                 <a:cs typeface="Consolas" pitchFamily="49" charset="0"/>
               </a:rPr>
-              <a:t>  IList&lt;Cell&gt; NeighbourCells {get;}</a:t>
+              <a:t>  IList&lt;Cell&gt; NeighbourCells { get; }</a:t>
             </a:r>
           </a:p>
           <a:p>
@@ -11878,7 +12465,7 @@
                 <a:latin typeface="Consolas" pitchFamily="49" charset="0"/>
                 <a:cs typeface="Consolas" pitchFamily="49" charset="0"/>
               </a:rPr>
-              <a:t>  Size Size {get;}</a:t>
+              <a:t>  Size Size { get; }</a:t>
             </a:r>
           </a:p>
           <a:p>
@@ -12111,7 +12698,7 @@
         </p:nvSpPr>
         <p:spPr>
           <a:xfrm>
-            <a:off x="5891765" y="6072043"/>
+            <a:off x="5832390" y="6107875"/>
             <a:ext cx="2759410" cy="369332"/>
           </a:xfrm>
           <a:prstGeom prst="rect">
@@ -12156,7 +12743,7 @@
         </p:blipFill>
         <p:spPr bwMode="auto">
           <a:xfrm>
-            <a:off x="7903030" y="1447800"/>
+            <a:off x="7903030" y="1371600"/>
             <a:ext cx="783770" cy="783771"/>
           </a:xfrm>
           <a:prstGeom prst="rect">
@@ -12356,8 +12943,8 @@
         </p:nvSpPr>
         <p:spPr bwMode="auto">
           <a:xfrm>
-            <a:off x="609600" y="914400"/>
-            <a:ext cx="7848600" cy="3970318"/>
+            <a:off x="609600" y="953393"/>
+            <a:ext cx="7848600" cy="3847207"/>
           </a:xfrm>
           <a:prstGeom prst="rect">
             <a:avLst/>
@@ -12446,7 +13033,7 @@
                 <a:latin typeface="Consolas" pitchFamily="49" charset="0"/>
                 <a:cs typeface="Consolas" pitchFamily="49" charset="0"/>
               </a:rPr>
-              <a:t>    ...</a:t>
+              <a:t>    …</a:t>
             </a:r>
           </a:p>
           <a:p>
@@ -12472,25 +13059,11 @@
             </a:r>
           </a:p>
           <a:p>
-            <a:endParaRPr lang="en-US" sz="1800" b="1" noProof="1" smtClean="0">
-              <a:solidFill>
-                <a:schemeClr val="accent5">
-                  <a:lumMod val="20000"/>
-                  <a:lumOff val="80000"/>
-                </a:schemeClr>
-              </a:solidFill>
-              <a:effectLst>
-                <a:outerShdw blurRad="38100" dist="38100" dir="2700000" algn="tl">
-                  <a:srgbClr val="000000">
-                    <a:alpha val="43137"/>
-                  </a:srgbClr>
-                </a:outerShdw>
-              </a:effectLst>
-              <a:latin typeface="Consolas" pitchFamily="49" charset="0"/>
-              <a:cs typeface="Consolas" pitchFamily="49" charset="0"/>
-            </a:endParaRPr>
-          </a:p>
-          <a:p>
+            <a:pPr>
+              <a:spcBef>
+                <a:spcPts val="1200"/>
+              </a:spcBef>
+            </a:pPr>
             <a:r>
               <a:rPr lang="en-US" sz="1800" b="1" noProof="1" smtClean="0">
                 <a:solidFill>
@@ -12805,7 +13378,7 @@
         </p:nvSpPr>
         <p:spPr>
           <a:xfrm>
-            <a:off x="228600" y="914400"/>
+            <a:off x="228600" y="838200"/>
             <a:ext cx="8686800" cy="5638800"/>
           </a:xfrm>
         </p:spPr>
@@ -12820,7 +13393,22 @@
             </a:pPr>
             <a:r>
               <a:rPr lang="en-US" dirty="0" smtClean="0"/>
-              <a:t>Sometimes a decision table can be used for simplicity</a:t>
+              <a:t>Sometimes a </a:t>
+            </a:r>
+            <a:r>
+              <a:rPr lang="en-US" dirty="0" smtClean="0">
+                <a:solidFill>
+                  <a:schemeClr val="accent5">
+                    <a:lumMod val="20000"/>
+                    <a:lumOff val="80000"/>
+                  </a:schemeClr>
+                </a:solidFill>
+              </a:rPr>
+              <a:t>decision table </a:t>
+            </a:r>
+            <a:r>
+              <a:rPr lang="en-US" dirty="0" smtClean="0"/>
+              <a:t>can be used for simplicity</a:t>
             </a:r>
           </a:p>
         </p:txBody>
@@ -12864,7 +13452,7 @@
         </p:nvSpPr>
         <p:spPr bwMode="auto">
           <a:xfrm>
-            <a:off x="533400" y="2133600"/>
+            <a:off x="533400" y="2057400"/>
             <a:ext cx="8077200" cy="4419600"/>
           </a:xfrm>
           <a:prstGeom prst="rect">
@@ -13556,7 +14144,7 @@
         </p:nvSpPr>
         <p:spPr>
           <a:xfrm>
-            <a:off x="228600" y="914400"/>
+            <a:off x="228600" y="838200"/>
             <a:ext cx="8686800" cy="5638800"/>
           </a:xfrm>
         </p:spPr>
@@ -13571,7 +14159,22 @@
             </a:pPr>
             <a:r>
               <a:rPr lang="en-US" dirty="0" smtClean="0"/>
-              <a:t>Starting with a positive expression improves readability</a:t>
+              <a:t>Starting with a </a:t>
+            </a:r>
+            <a:r>
+              <a:rPr lang="en-US" dirty="0" smtClean="0">
+                <a:solidFill>
+                  <a:schemeClr val="accent5">
+                    <a:lumMod val="20000"/>
+                    <a:lumOff val="80000"/>
+                  </a:schemeClr>
+                </a:solidFill>
+              </a:rPr>
+              <a:t>positive expression </a:t>
+            </a:r>
+            <a:r>
+              <a:rPr lang="en-US" dirty="0" smtClean="0"/>
+              <a:t>improves the readability</a:t>
             </a:r>
           </a:p>
           <a:p>
@@ -13612,6 +14215,9 @@
               <a:lnSpc>
                 <a:spcPct val="100000"/>
               </a:lnSpc>
+              <a:spcBef>
+                <a:spcPts val="1200"/>
+              </a:spcBef>
             </a:pPr>
             <a:r>
               <a:rPr lang="en-US" dirty="0" smtClean="0"/>
@@ -13913,7 +14519,7 @@
             <a:r>
               <a:rPr lang="en-US" sz="2000" b="1" noProof="1" smtClean="0">
                 <a:solidFill>
-                  <a:schemeClr val="accent3">
+                  <a:schemeClr val="accent2">
                     <a:lumMod val="40000"/>
                     <a:lumOff val="60000"/>
                   </a:schemeClr>
@@ -13935,7 +14541,7 @@
             <a:r>
               <a:rPr lang="en-US" sz="2000" b="1" noProof="1" smtClean="0">
                 <a:solidFill>
-                  <a:schemeClr val="accent3">
+                  <a:schemeClr val="accent2">
                     <a:lumMod val="40000"/>
                     <a:lumOff val="60000"/>
                   </a:schemeClr>
@@ -13957,7 +14563,7 @@
             <a:r>
               <a:rPr lang="en-US" sz="2000" b="1" noProof="1" smtClean="0">
                 <a:solidFill>
-                  <a:schemeClr val="accent3">
+                  <a:schemeClr val="accent2">
                     <a:lumMod val="40000"/>
                     <a:lumOff val="60000"/>
                   </a:schemeClr>
@@ -13979,7 +14585,7 @@
             <a:r>
               <a:rPr lang="en-US" sz="2000" b="1" noProof="1" smtClean="0">
                 <a:solidFill>
-                  <a:schemeClr val="accent3">
+                  <a:schemeClr val="accent2">
                     <a:lumMod val="40000"/>
                     <a:lumOff val="60000"/>
                   </a:schemeClr>
@@ -14001,7 +14607,7 @@
             <a:r>
               <a:rPr lang="en-US" sz="2000" b="1" noProof="1" smtClean="0">
                 <a:solidFill>
-                  <a:schemeClr val="accent3">
+                  <a:schemeClr val="accent2">
                     <a:lumMod val="40000"/>
                     <a:lumOff val="60000"/>
                   </a:schemeClr>
@@ -14023,7 +14629,7 @@
             <a:r>
               <a:rPr lang="en-US" sz="2000" b="1" noProof="1" smtClean="0">
                 <a:solidFill>
-                  <a:schemeClr val="accent3">
+                  <a:schemeClr val="accent2">
                     <a:lumMod val="40000"/>
                     <a:lumOff val="60000"/>
                   </a:schemeClr>
@@ -14045,7 +14651,7 @@
             <a:r>
               <a:rPr lang="en-US" sz="2000" b="1" noProof="1" smtClean="0">
                 <a:solidFill>
-                  <a:schemeClr val="accent3">
+                  <a:schemeClr val="accent2">
                     <a:lumMod val="40000"/>
                     <a:lumOff val="60000"/>
                   </a:schemeClr>
@@ -14060,14 +14666,54 @@
                 <a:latin typeface="Consolas" pitchFamily="49" charset="0"/>
                 <a:cs typeface="Consolas" pitchFamily="49" charset="0"/>
               </a:rPr>
-              <a:t>  DoSometing();</a:t>
-            </a:r>
-          </a:p>
-          <a:p>
+              <a:t>  </a:t>
+            </a:r>
             <a:r>
               <a:rPr lang="en-US" sz="2000" b="1" noProof="1" smtClean="0">
                 <a:solidFill>
-                  <a:schemeClr val="accent3">
+                  <a:schemeClr val="accent2">
+                    <a:lumMod val="40000"/>
+                    <a:lumOff val="60000"/>
+                  </a:schemeClr>
+                </a:solidFill>
+                <a:effectLst>
+                  <a:outerShdw blurRad="38100" dist="38100" dir="2700000" algn="tl">
+                    <a:srgbClr val="000000">
+                      <a:alpha val="43137"/>
+                    </a:srgbClr>
+                  </a:outerShdw>
+                </a:effectLst>
+                <a:latin typeface="Consolas" pitchFamily="49" charset="0"/>
+                <a:cs typeface="Consolas" pitchFamily="49" charset="0"/>
+              </a:rPr>
+              <a:t>DoSomething</a:t>
+            </a:r>
+            <a:r>
+              <a:rPr lang="en-US" sz="2000" b="1" noProof="1" smtClean="0">
+                <a:solidFill>
+                  <a:schemeClr val="accent2">
+                    <a:lumMod val="40000"/>
+                    <a:lumOff val="60000"/>
+                  </a:schemeClr>
+                </a:solidFill>
+                <a:effectLst>
+                  <a:outerShdw blurRad="38100" dist="38100" dir="2700000" algn="tl">
+                    <a:srgbClr val="000000">
+                      <a:alpha val="43137"/>
+                    </a:srgbClr>
+                  </a:outerShdw>
+                </a:effectLst>
+                <a:latin typeface="Consolas" pitchFamily="49" charset="0"/>
+                <a:cs typeface="Consolas" pitchFamily="49" charset="0"/>
+              </a:rPr>
+              <a:t>();</a:t>
+            </a:r>
+          </a:p>
+          <a:p>
+            <a:r>
+              <a:rPr lang="en-US" sz="2000" b="1" noProof="1" smtClean="0">
+                <a:solidFill>
+                  <a:schemeClr val="accent2">
                     <a:lumMod val="40000"/>
                     <a:lumOff val="60000"/>
                   </a:schemeClr>
@@ -14283,7 +14929,7 @@
         </p:blipFill>
         <p:spPr bwMode="auto">
           <a:xfrm>
-            <a:off x="8203838" y="1907902"/>
+            <a:off x="8203838" y="1838236"/>
             <a:ext cx="600164" cy="600164"/>
           </a:xfrm>
           <a:prstGeom prst="rect">
@@ -14317,7 +14963,7 @@
           <p:nvPr/>
         </p:nvPicPr>
         <p:blipFill>
-          <a:blip r:embed="rId4">
+          <a:blip r:embed="rId4" cstate="screen">
             <a:extLst>
               <a:ext uri="{28A0092B-C50C-407E-A947-70E740481C1C}">
                 <a14:useLocalDpi xmlns:a14="http://schemas.microsoft.com/office/drawing/2010/main"/>
@@ -14331,7 +14977,7 @@
         </p:blipFill>
         <p:spPr bwMode="auto">
           <a:xfrm>
-            <a:off x="3930835" y="1905000"/>
+            <a:off x="3930835" y="1828800"/>
             <a:ext cx="600163" cy="600164"/>
           </a:xfrm>
           <a:prstGeom prst="rect">
@@ -14488,15 +15134,7 @@
             </a:pPr>
             <a:r>
               <a:rPr lang="en-US" dirty="0" smtClean="0"/>
-              <a:t>Consider separate </a:t>
-            </a:r>
-            <a:r>
-              <a:rPr lang="en-US" dirty="0" err="1" smtClean="0"/>
-              <a:t>boolean</a:t>
-            </a:r>
-            <a:r>
-              <a:rPr lang="en-US" dirty="0" smtClean="0"/>
-              <a:t> methods or variables in those cases</a:t>
+              <a:t>Consider separate Boolean methods or variables in those cases</a:t>
             </a:r>
           </a:p>
         </p:txBody>
@@ -14571,7 +15209,7 @@
             <a:r>
               <a:rPr lang="en-US" sz="2000" b="1" noProof="1" smtClean="0">
                 <a:solidFill>
-                  <a:schemeClr val="accent3">
+                  <a:schemeClr val="accent2">
                     <a:lumMod val="40000"/>
                     <a:lumOff val="60000"/>
                   </a:schemeClr>
@@ -14684,7 +15322,7 @@
         </p:blipFill>
         <p:spPr bwMode="auto">
           <a:xfrm>
-            <a:off x="5387340" y="2090783"/>
+            <a:off x="5387340" y="1981200"/>
             <a:ext cx="485744" cy="485744"/>
           </a:xfrm>
           <a:prstGeom prst="rect">
@@ -14718,7 +15356,7 @@
           <p:nvPr/>
         </p:nvPicPr>
         <p:blipFill>
-          <a:blip r:embed="rId4">
+          <a:blip r:embed="rId4" cstate="screen">
             <a:extLst>
               <a:ext uri="{28A0092B-C50C-407E-A947-70E740481C1C}">
                 <a14:useLocalDpi xmlns:a14="http://schemas.microsoft.com/office/drawing/2010/main"/>
@@ -14732,7 +15370,7 @@
         </p:blipFill>
         <p:spPr bwMode="auto">
           <a:xfrm>
-            <a:off x="5387341" y="3810000"/>
+            <a:off x="5387341" y="3733800"/>
             <a:ext cx="485743" cy="485744"/>
           </a:xfrm>
           <a:prstGeom prst="rect">
@@ -14838,7 +15476,18 @@
             </a:pPr>
             <a:r>
               <a:rPr lang="en-US" dirty="0" smtClean="0"/>
-              <a:t>Most high level languages evaluate from left to right and stop evaluation as soon as some of the boolean operands is satisfied</a:t>
+              <a:t>Most languages evaluate from left to right</a:t>
+            </a:r>
+          </a:p>
+          <a:p>
+            <a:pPr lvl="1">
+              <a:lnSpc>
+                <a:spcPct val="100000"/>
+              </a:lnSpc>
+            </a:pPr>
+            <a:r>
+              <a:rPr lang="en-US" dirty="0" smtClean="0"/>
+              <a:t>Stop evaluation as soon as some of the boolean operands is satisfied</a:t>
             </a:r>
           </a:p>
           <a:p>
@@ -14904,7 +15553,7 @@
                 <a:spcPct val="100000"/>
               </a:lnSpc>
               <a:spcBef>
-                <a:spcPts val="1200"/>
+                <a:spcPts val="1800"/>
               </a:spcBef>
             </a:pPr>
             <a:r>
@@ -14953,8 +15602,8 @@
         </p:nvSpPr>
         <p:spPr bwMode="auto">
           <a:xfrm>
-            <a:off x="609600" y="2686854"/>
-            <a:ext cx="5410200" cy="400110"/>
+            <a:off x="609600" y="2810554"/>
+            <a:ext cx="5486400" cy="400110"/>
           </a:xfrm>
           <a:prstGeom prst="rect">
             <a:avLst/>
@@ -15054,8 +15703,8 @@
         </p:nvSpPr>
         <p:spPr bwMode="auto">
           <a:xfrm>
-            <a:off x="609600" y="3277344"/>
-            <a:ext cx="5410200" cy="400110"/>
+            <a:off x="609600" y="3401044"/>
+            <a:ext cx="5486400" cy="400110"/>
           </a:xfrm>
           <a:prstGeom prst="rect">
             <a:avLst/>
@@ -15153,7 +15802,7 @@
         </p:nvSpPr>
         <p:spPr>
           <a:xfrm>
-            <a:off x="6096000" y="3220254"/>
+            <a:off x="6172200" y="3355829"/>
             <a:ext cx="1143000" cy="477054"/>
           </a:xfrm>
           <a:prstGeom prst="rect">
@@ -15168,10 +15817,28 @@
           <a:lstStyle/>
           <a:p>
             <a:r>
-              <a:rPr lang="en-US" dirty="0" smtClean="0"/>
-              <a:t>= true</a:t>
-            </a:r>
-            <a:endParaRPr lang="en-US" dirty="0"/>
+              <a:rPr lang="en-US" b="1" dirty="0" smtClean="0"/>
+              <a:t>= </a:t>
+            </a:r>
+            <a:r>
+              <a:rPr lang="en-US" b="1" dirty="0" smtClean="0">
+                <a:solidFill>
+                  <a:schemeClr val="accent5">
+                    <a:lumMod val="20000"/>
+                    <a:lumOff val="80000"/>
+                  </a:schemeClr>
+                </a:solidFill>
+              </a:rPr>
+              <a:t>true</a:t>
+            </a:r>
+            <a:endParaRPr lang="en-US" b="1" dirty="0">
+              <a:solidFill>
+                <a:schemeClr val="accent5">
+                  <a:lumMod val="20000"/>
+                  <a:lumOff val="80000"/>
+                </a:schemeClr>
+              </a:solidFill>
+            </a:endParaRPr>
           </a:p>
         </p:txBody>
       </p:sp>
@@ -15183,7 +15850,7 @@
         </p:nvSpPr>
         <p:spPr>
           <a:xfrm>
-            <a:off x="6096000" y="2667000"/>
+            <a:off x="6172200" y="2766950"/>
             <a:ext cx="1066800" cy="477054"/>
           </a:xfrm>
           <a:prstGeom prst="rect">
@@ -15198,10 +15865,28 @@
           <a:lstStyle/>
           <a:p>
             <a:r>
-              <a:rPr lang="en-US" dirty="0" smtClean="0"/>
-              <a:t>= false</a:t>
-            </a:r>
-            <a:endParaRPr lang="en-US" dirty="0"/>
+              <a:rPr lang="en-US" b="1" dirty="0" smtClean="0"/>
+              <a:t>= </a:t>
+            </a:r>
+            <a:r>
+              <a:rPr lang="en-US" b="1" dirty="0" smtClean="0">
+                <a:solidFill>
+                  <a:schemeClr val="accent5">
+                    <a:lumMod val="20000"/>
+                    <a:lumOff val="80000"/>
+                  </a:schemeClr>
+                </a:solidFill>
+              </a:rPr>
+              <a:t>false</a:t>
+            </a:r>
+            <a:endParaRPr lang="en-US" b="1" dirty="0">
+              <a:solidFill>
+                <a:schemeClr val="accent5">
+                  <a:lumMod val="20000"/>
+                  <a:lumOff val="80000"/>
+                </a:schemeClr>
+              </a:solidFill>
+            </a:endParaRPr>
           </a:p>
         </p:txBody>
       </p:sp>
@@ -15215,8 +15900,8 @@
         </p:nvSpPr>
         <p:spPr bwMode="auto">
           <a:xfrm>
-            <a:off x="609600" y="4552890"/>
-            <a:ext cx="5410200" cy="400110"/>
+            <a:off x="609600" y="4705290"/>
+            <a:ext cx="5486400" cy="400110"/>
           </a:xfrm>
           <a:prstGeom prst="rect">
             <a:avLst/>
@@ -15261,8 +15946,45 @@
                 <a:latin typeface="Consolas" pitchFamily="49" charset="0"/>
                 <a:cs typeface="Consolas" pitchFamily="49" charset="0"/>
               </a:rPr>
-              <a:t>if (list != null &amp;&amp; list.Count &gt; 0)</a:t>
-            </a:r>
+              <a:t>if (list != null &amp;&amp; list.Count &gt; 0</a:t>
+            </a:r>
+            <a:r>
+              <a:rPr lang="en-US" sz="2000" b="1" noProof="1" smtClean="0">
+                <a:solidFill>
+                  <a:schemeClr val="accent5">
+                    <a:lumMod val="20000"/>
+                    <a:lumOff val="80000"/>
+                  </a:schemeClr>
+                </a:solidFill>
+                <a:effectLst>
+                  <a:outerShdw blurRad="38100" dist="38100" dir="2700000" algn="tl">
+                    <a:srgbClr val="000000">
+                      <a:alpha val="43137"/>
+                    </a:srgbClr>
+                  </a:outerShdw>
+                </a:effectLst>
+                <a:latin typeface="Consolas" pitchFamily="49" charset="0"/>
+                <a:cs typeface="Consolas" pitchFamily="49" charset="0"/>
+              </a:rPr>
+              <a:t>) …</a:t>
+            </a:r>
+            <a:endParaRPr lang="en-US" sz="2000" b="1" noProof="1" smtClean="0">
+              <a:solidFill>
+                <a:schemeClr val="accent5">
+                  <a:lumMod val="20000"/>
+                  <a:lumOff val="80000"/>
+                </a:schemeClr>
+              </a:solidFill>
+              <a:effectLst>
+                <a:outerShdw blurRad="38100" dist="38100" dir="2700000" algn="tl">
+                  <a:srgbClr val="000000">
+                    <a:alpha val="43137"/>
+                  </a:srgbClr>
+                </a:outerShdw>
+              </a:effectLst>
+              <a:latin typeface="Consolas" pitchFamily="49" charset="0"/>
+              <a:cs typeface="Consolas" pitchFamily="49" charset="0"/>
+            </a:endParaRPr>
           </a:p>
         </p:txBody>
       </p:sp>
@@ -15313,7 +16035,7 @@
           <a:p>
             <a:r>
               <a:rPr lang="en-US" sz="3600" dirty="0" smtClean="0"/>
-              <a:t>Numeric expressions as operands</a:t>
+              <a:t>Numeric Expressions as Operands</a:t>
             </a:r>
           </a:p>
         </p:txBody>
@@ -15380,6 +16102,9 @@
               <a:lnSpc>
                 <a:spcPct val="100000"/>
               </a:lnSpc>
+              <a:spcBef>
+                <a:spcPts val="1200"/>
+              </a:spcBef>
             </a:pPr>
             <a:r>
               <a:rPr lang="en-US" dirty="0" smtClean="0"/>
@@ -15458,7 +16183,7 @@
             <a:r>
               <a:rPr lang="en-US" sz="2000" b="1" noProof="1" smtClean="0">
                 <a:solidFill>
-                  <a:schemeClr val="accent3">
+                  <a:schemeClr val="accent2">
                     <a:lumMod val="40000"/>
                     <a:lumOff val="60000"/>
                   </a:schemeClr>
@@ -15609,7 +16334,7 @@
           <a:lstStyle/>
           <a:p>
             <a:pPr algn="ctr"/>
-            <a:endParaRPr lang="en-US"/>
+            <a:endParaRPr lang="en-US" b="1"/>
           </a:p>
         </p:txBody>
       </p:sp>
@@ -15636,10 +16361,10 @@
           <a:lstStyle/>
           <a:p>
             <a:r>
-              <a:rPr lang="en-US" dirty="0" smtClean="0"/>
+              <a:rPr lang="en-US" b="1" dirty="0" smtClean="0"/>
               <a:t>a</a:t>
             </a:r>
-            <a:endParaRPr lang="en-US" dirty="0"/>
+            <a:endParaRPr lang="en-US" b="1" dirty="0"/>
           </a:p>
         </p:txBody>
       </p:sp>
@@ -15666,10 +16391,10 @@
           <a:lstStyle/>
           <a:p>
             <a:r>
-              <a:rPr lang="en-US" dirty="0" smtClean="0"/>
+              <a:rPr lang="en-US" b="1" dirty="0" smtClean="0"/>
               <a:t>b</a:t>
             </a:r>
-            <a:endParaRPr lang="en-US" dirty="0"/>
+            <a:endParaRPr lang="en-US" b="1" dirty="0"/>
           </a:p>
         </p:txBody>
       </p:sp>
@@ -15726,10 +16451,10 @@
           <a:lstStyle/>
           <a:p>
             <a:r>
-              <a:rPr lang="en-US" dirty="0" smtClean="0"/>
+              <a:rPr lang="en-US" b="1" dirty="0" smtClean="0"/>
               <a:t>x</a:t>
             </a:r>
-            <a:endParaRPr lang="en-US" dirty="0"/>
+            <a:endParaRPr lang="en-US" b="1" dirty="0"/>
           </a:p>
         </p:txBody>
       </p:sp>
@@ -15774,7 +16499,7 @@
             <a:r>
               <a:rPr lang="en-US" sz="2000" b="1" noProof="1" smtClean="0">
                 <a:solidFill>
-                  <a:schemeClr val="accent3">
+                  <a:schemeClr val="accent2">
                     <a:lumMod val="40000"/>
                     <a:lumOff val="60000"/>
                   </a:schemeClr>
@@ -15925,7 +16650,7 @@
           <a:lstStyle/>
           <a:p>
             <a:pPr algn="ctr"/>
-            <a:endParaRPr lang="en-US"/>
+            <a:endParaRPr lang="en-US" b="1"/>
           </a:p>
         </p:txBody>
       </p:sp>
@@ -15937,7 +16662,7 @@
         </p:nvSpPr>
         <p:spPr>
           <a:xfrm>
-            <a:off x="5181600" y="5314146"/>
+            <a:off x="5181600" y="5334000"/>
             <a:ext cx="381000" cy="477054"/>
           </a:xfrm>
           <a:prstGeom prst="rect">
@@ -15952,10 +16677,10 @@
           <a:lstStyle/>
           <a:p>
             <a:r>
-              <a:rPr lang="en-US" dirty="0" smtClean="0"/>
+              <a:rPr lang="en-US" b="1" dirty="0" smtClean="0"/>
               <a:t>a</a:t>
             </a:r>
-            <a:endParaRPr lang="en-US" dirty="0"/>
+            <a:endParaRPr lang="en-US" b="1" dirty="0"/>
           </a:p>
         </p:txBody>
       </p:sp>
@@ -15982,10 +16707,10 @@
           <a:lstStyle/>
           <a:p>
             <a:r>
-              <a:rPr lang="en-US" dirty="0" smtClean="0"/>
+              <a:rPr lang="en-US" b="1" dirty="0" smtClean="0"/>
               <a:t>b</a:t>
             </a:r>
-            <a:endParaRPr lang="en-US" dirty="0"/>
+            <a:endParaRPr lang="en-US" b="1" dirty="0"/>
           </a:p>
         </p:txBody>
       </p:sp>
@@ -16068,7 +16793,7 @@
         </p:nvSpPr>
         <p:spPr>
           <a:xfrm>
-            <a:off x="4648200" y="5314146"/>
+            <a:off x="4648200" y="5334000"/>
             <a:ext cx="381000" cy="477054"/>
           </a:xfrm>
           <a:prstGeom prst="rect">
@@ -16083,10 +16808,10 @@
           <a:lstStyle/>
           <a:p>
             <a:r>
-              <a:rPr lang="en-US" dirty="0" smtClean="0"/>
+              <a:rPr lang="en-US" b="1" dirty="0" smtClean="0"/>
               <a:t>x</a:t>
             </a:r>
-            <a:endParaRPr lang="en-US" dirty="0"/>
+            <a:endParaRPr lang="en-US" b="1" dirty="0"/>
           </a:p>
         </p:txBody>
       </p:sp>
@@ -16128,7 +16853,7 @@
         </p:nvSpPr>
         <p:spPr>
           <a:xfrm>
-            <a:off x="7467600" y="5314146"/>
+            <a:off x="7467600" y="5334000"/>
             <a:ext cx="381000" cy="477054"/>
           </a:xfrm>
           <a:prstGeom prst="rect">
@@ -16143,10 +16868,10 @@
           <a:lstStyle/>
           <a:p>
             <a:r>
-              <a:rPr lang="en-US" dirty="0" smtClean="0"/>
+              <a:rPr lang="en-US" b="1" dirty="0" smtClean="0"/>
               <a:t>x</a:t>
             </a:r>
-            <a:endParaRPr lang="en-US" dirty="0"/>
+            <a:endParaRPr lang="en-US" b="1" dirty="0"/>
           </a:p>
         </p:txBody>
       </p:sp>
@@ -16182,7 +16907,7 @@
         </p:blipFill>
         <p:spPr bwMode="auto">
           <a:xfrm>
-            <a:off x="3857656" y="2835712"/>
+            <a:off x="3857656" y="2743200"/>
             <a:ext cx="485744" cy="485744"/>
           </a:xfrm>
           <a:prstGeom prst="rect">
@@ -16216,7 +16941,7 @@
           <p:nvPr/>
         </p:nvPicPr>
         <p:blipFill>
-          <a:blip r:embed="rId4">
+          <a:blip r:embed="rId4" cstate="screen">
             <a:extLst>
               <a:ext uri="{28A0092B-C50C-407E-A947-70E740481C1C}">
                 <a14:useLocalDpi xmlns:a14="http://schemas.microsoft.com/office/drawing/2010/main"/>
@@ -16230,7 +16955,7 @@
         </p:blipFill>
         <p:spPr bwMode="auto">
           <a:xfrm>
-            <a:off x="3859594" y="3409146"/>
+            <a:off x="3859594" y="3364675"/>
             <a:ext cx="485743" cy="485744"/>
           </a:xfrm>
           <a:prstGeom prst="rect">
@@ -16289,7 +17014,7 @@
         </p:blipFill>
         <p:spPr bwMode="auto">
           <a:xfrm>
-            <a:off x="3857656" y="4757783"/>
+            <a:off x="3857656" y="4648200"/>
             <a:ext cx="485744" cy="485744"/>
           </a:xfrm>
           <a:prstGeom prst="rect">
@@ -16323,7 +17048,7 @@
           <p:nvPr/>
         </p:nvPicPr>
         <p:blipFill>
-          <a:blip r:embed="rId4">
+          <a:blip r:embed="rId4" cstate="screen">
             <a:extLst>
               <a:ext uri="{28A0092B-C50C-407E-A947-70E740481C1C}">
                 <a14:useLocalDpi xmlns:a14="http://schemas.microsoft.com/office/drawing/2010/main"/>
@@ -16337,7 +17062,7 @@
         </p:blipFill>
         <p:spPr bwMode="auto">
           <a:xfrm>
-            <a:off x="3857657" y="5334450"/>
+            <a:off x="3857657" y="5269675"/>
             <a:ext cx="485743" cy="485744"/>
           </a:xfrm>
           <a:prstGeom prst="rect">
@@ -16434,7 +17159,12 @@
             <p:ph idx="1"/>
           </p:nvPr>
         </p:nvSpPr>
-        <p:spPr/>
+        <p:spPr>
+          <a:xfrm>
+            <a:off x="228600" y="990600"/>
+            <a:ext cx="8686800" cy="5715000"/>
+          </a:xfrm>
+        </p:spPr>
         <p:txBody>
           <a:bodyPr/>
           <a:lstStyle/>
@@ -16445,8 +17175,30 @@
               </a:lnSpc>
             </a:pPr>
             <a:r>
+              <a:rPr lang="en-US" dirty="0" smtClean="0">
+                <a:solidFill>
+                  <a:schemeClr val="accent5">
+                    <a:lumMod val="20000"/>
+                    <a:lumOff val="80000"/>
+                  </a:schemeClr>
+                </a:solidFill>
+              </a:rPr>
+              <a:t>Deep nesting </a:t>
+            </a:r>
+            <a:r>
               <a:rPr lang="en-US" dirty="0" smtClean="0"/>
-              <a:t>Deep nesting of conditional statements and loops makes the code unclear</a:t>
+              <a:t>of conditional statements and loops makes the code unclear</a:t>
+            </a:r>
+          </a:p>
+          <a:p>
+            <a:pPr lvl="1">
+              <a:lnSpc>
+                <a:spcPct val="100000"/>
+              </a:lnSpc>
+            </a:pPr>
+            <a:r>
+              <a:rPr lang="en-US" dirty="0" smtClean="0"/>
+              <a:t>More than 2-3 levels is too deep</a:t>
             </a:r>
           </a:p>
           <a:p>
@@ -16563,88 +17315,6 @@
       </p:grpSpPr>
       <p:sp>
         <p:nvSpPr>
-          <p:cNvPr id="2" name="Title 1"/>
-          <p:cNvSpPr>
-            <a:spLocks noGrp="1"/>
-          </p:cNvSpPr>
-          <p:nvPr>
-            <p:ph type="title"/>
-          </p:nvPr>
-        </p:nvSpPr>
-        <p:spPr/>
-        <p:txBody>
-          <a:bodyPr/>
-          <a:lstStyle/>
-          <a:p>
-            <a:r>
-              <a:rPr lang="en-US" dirty="0" smtClean="0"/>
-              <a:t>Deep Nesting – Example</a:t>
-            </a:r>
-            <a:endParaRPr lang="en-US" dirty="0"/>
-          </a:p>
-        </p:txBody>
-      </p:sp>
-      <p:sp>
-        <p:nvSpPr>
-          <p:cNvPr id="4" name="Slide Number Placeholder 3"/>
-          <p:cNvSpPr>
-            <a:spLocks noGrp="1"/>
-          </p:cNvSpPr>
-          <p:nvPr>
-            <p:ph type="sldNum" sz="quarter" idx="10"/>
-          </p:nvPr>
-        </p:nvSpPr>
-        <p:spPr/>
-        <p:txBody>
-          <a:bodyPr/>
-          <a:lstStyle/>
-          <a:p>
-            <a:pPr>
-              <a:defRPr/>
-            </a:pPr>
-            <a:fld id="{58452FF4-89E3-4D1B-9927-2DBDC00E58D7}" type="slidenum">
-              <a:rPr lang="en-US" smtClean="0"/>
-              <a:pPr>
-                <a:defRPr/>
-              </a:pPr>
-              <a:t>25</a:t>
-            </a:fld>
-            <a:endParaRPr lang="en-US" dirty="0"/>
-          </a:p>
-        </p:txBody>
-      </p:sp>
-      <p:sp>
-        <p:nvSpPr>
-          <p:cNvPr id="6" name="TextBox 5"/>
-          <p:cNvSpPr txBox="1"/>
-          <p:nvPr/>
-        </p:nvSpPr>
-        <p:spPr>
-          <a:xfrm>
-            <a:off x="5638800" y="6191250"/>
-            <a:ext cx="2759410" cy="369332"/>
-          </a:xfrm>
-          <a:prstGeom prst="rect">
-            <a:avLst/>
-          </a:prstGeom>
-          <a:noFill/>
-        </p:spPr>
-        <p:txBody>
-          <a:bodyPr wrap="none" rtlCol="0">
-            <a:spAutoFit/>
-          </a:bodyPr>
-          <a:lstStyle/>
-          <a:p>
-            <a:r>
-              <a:rPr lang="en-US" sz="1800" i="1" dirty="0" smtClean="0"/>
-              <a:t>(continues on the next slide)</a:t>
-            </a:r>
-            <a:endParaRPr lang="en-US" sz="1800" i="1" dirty="0"/>
-          </a:p>
-        </p:txBody>
-      </p:sp>
-      <p:sp>
-        <p:nvSpPr>
           <p:cNvPr id="5" name="Rectangle 4"/>
           <p:cNvSpPr>
             <a:spLocks noChangeArrowheads="1"/>
@@ -16684,7 +17354,7 @@
             <a:r>
               <a:rPr lang="en-US" sz="1600" b="1" noProof="1" smtClean="0">
                 <a:solidFill>
-                  <a:schemeClr val="accent3">
+                  <a:schemeClr val="accent2">
                     <a:lumMod val="40000"/>
                     <a:lumOff val="60000"/>
                   </a:schemeClr>
@@ -16706,7 +17376,7 @@
             <a:r>
               <a:rPr lang="en-US" sz="1600" b="1" noProof="1" smtClean="0">
                 <a:solidFill>
-                  <a:schemeClr val="accent3">
+                  <a:schemeClr val="accent2">
                     <a:lumMod val="40000"/>
                     <a:lumOff val="60000"/>
                   </a:schemeClr>
@@ -16733,7 +17403,7 @@
             <a:r>
               <a:rPr lang="en-US" sz="1600" b="1" noProof="1" smtClean="0">
                 <a:solidFill>
-                  <a:schemeClr val="accent3">
+                  <a:schemeClr val="accent2">
                     <a:lumMod val="40000"/>
                     <a:lumOff val="60000"/>
                   </a:schemeClr>
@@ -16755,7 +17425,7 @@
             <a:r>
               <a:rPr lang="en-US" sz="1600" b="1" noProof="1" smtClean="0">
                 <a:solidFill>
-                  <a:schemeClr val="accent3">
+                  <a:schemeClr val="accent2">
                     <a:lumMod val="40000"/>
                     <a:lumOff val="60000"/>
                   </a:schemeClr>
@@ -16782,7 +17452,7 @@
             <a:r>
               <a:rPr lang="en-US" sz="1600" b="1" noProof="1" smtClean="0">
                 <a:solidFill>
-                  <a:schemeClr val="accent3">
+                  <a:schemeClr val="accent2">
                     <a:lumMod val="40000"/>
                     <a:lumOff val="60000"/>
                   </a:schemeClr>
@@ -16804,7 +17474,7 @@
             <a:r>
               <a:rPr lang="en-US" sz="1600" b="1" noProof="1" smtClean="0">
                 <a:solidFill>
-                  <a:schemeClr val="accent3">
+                  <a:schemeClr val="accent2">
                     <a:lumMod val="40000"/>
                     <a:lumOff val="60000"/>
                   </a:schemeClr>
@@ -16831,7 +17501,7 @@
             <a:r>
               <a:rPr lang="en-US" sz="1600" b="1" noProof="1" smtClean="0">
                 <a:solidFill>
-                  <a:schemeClr val="accent3">
+                  <a:schemeClr val="accent2">
                     <a:lumMod val="40000"/>
                     <a:lumOff val="60000"/>
                   </a:schemeClr>
@@ -16853,7 +17523,7 @@
             <a:r>
               <a:rPr lang="en-US" sz="1600" b="1" noProof="1" smtClean="0">
                 <a:solidFill>
-                  <a:schemeClr val="accent3">
+                  <a:schemeClr val="accent2">
                     <a:lumMod val="40000"/>
                     <a:lumOff val="60000"/>
                   </a:schemeClr>
@@ -16880,7 +17550,7 @@
             <a:r>
               <a:rPr lang="en-US" sz="1600" b="1" noProof="1" smtClean="0">
                 <a:solidFill>
-                  <a:schemeClr val="accent3">
+                  <a:schemeClr val="accent2">
                     <a:lumMod val="40000"/>
                     <a:lumOff val="60000"/>
                   </a:schemeClr>
@@ -16907,7 +17577,7 @@
             <a:r>
               <a:rPr lang="en-US" sz="1600" b="1" noProof="1" smtClean="0">
                 <a:solidFill>
-                  <a:schemeClr val="accent3">
+                  <a:schemeClr val="accent2">
                     <a:lumMod val="40000"/>
                     <a:lumOff val="60000"/>
                   </a:schemeClr>
@@ -16929,7 +17599,7 @@
             <a:r>
               <a:rPr lang="en-US" sz="1600" b="1" noProof="1" smtClean="0">
                 <a:solidFill>
-                  <a:schemeClr val="accent3">
+                  <a:schemeClr val="accent2">
                     <a:lumMod val="40000"/>
                     <a:lumOff val="60000"/>
                   </a:schemeClr>
@@ -16951,7 +17621,7 @@
             <a:r>
               <a:rPr lang="en-US" sz="1600" b="1" noProof="1" smtClean="0">
                 <a:solidFill>
-                  <a:schemeClr val="accent3">
+                  <a:schemeClr val="accent2">
                     <a:lumMod val="40000"/>
                     <a:lumOff val="60000"/>
                   </a:schemeClr>
@@ -16978,7 +17648,7 @@
             <a:r>
               <a:rPr lang="en-US" sz="1600" b="1" noProof="1" smtClean="0">
                 <a:solidFill>
-                  <a:schemeClr val="accent3">
+                  <a:schemeClr val="accent2">
                     <a:lumMod val="40000"/>
                     <a:lumOff val="60000"/>
                   </a:schemeClr>
@@ -17005,7 +17675,7 @@
             <a:r>
               <a:rPr lang="en-US" sz="1600" b="1" noProof="1" smtClean="0">
                 <a:solidFill>
-                  <a:schemeClr val="accent3">
+                  <a:schemeClr val="accent2">
                     <a:lumMod val="40000"/>
                     <a:lumOff val="60000"/>
                   </a:schemeClr>
@@ -17032,7 +17702,7 @@
             <a:r>
               <a:rPr lang="en-US" sz="1600" b="1" noProof="1" smtClean="0">
                 <a:solidFill>
-                  <a:schemeClr val="accent3">
+                  <a:schemeClr val="accent2">
                     <a:lumMod val="40000"/>
                     <a:lumOff val="60000"/>
                   </a:schemeClr>
@@ -17054,7 +17724,7 @@
             <a:r>
               <a:rPr lang="en-US" sz="1600" b="1" noProof="1" smtClean="0">
                 <a:solidFill>
-                  <a:schemeClr val="accent3">
+                  <a:schemeClr val="accent2">
                     <a:lumMod val="40000"/>
                     <a:lumOff val="60000"/>
                   </a:schemeClr>
@@ -17076,7 +17746,7 @@
             <a:r>
               <a:rPr lang="en-US" sz="1600" b="1" noProof="1" smtClean="0">
                 <a:solidFill>
-                  <a:schemeClr val="accent3">
+                  <a:schemeClr val="accent2">
                     <a:lumMod val="40000"/>
                     <a:lumOff val="60000"/>
                   </a:schemeClr>
@@ -17103,7 +17773,7 @@
             <a:r>
               <a:rPr lang="en-US" sz="1600" b="1" noProof="1" smtClean="0">
                 <a:solidFill>
-                  <a:schemeClr val="accent3">
+                  <a:schemeClr val="accent2">
                     <a:lumMod val="40000"/>
                     <a:lumOff val="60000"/>
                   </a:schemeClr>
@@ -17125,7 +17795,7 @@
             <a:r>
               <a:rPr lang="en-US" sz="1600" b="1" noProof="1" smtClean="0">
                 <a:solidFill>
-                  <a:schemeClr val="accent3">
+                  <a:schemeClr val="accent2">
                     <a:lumMod val="40000"/>
                     <a:lumOff val="60000"/>
                   </a:schemeClr>
@@ -17152,7 +17822,7 @@
             <a:r>
               <a:rPr lang="en-US" sz="1600" b="1" noProof="1" smtClean="0">
                 <a:solidFill>
-                  <a:schemeClr val="accent3">
+                  <a:schemeClr val="accent2">
                     <a:lumMod val="40000"/>
                     <a:lumOff val="60000"/>
                   </a:schemeClr>
@@ -17179,7 +17849,7 @@
             <a:r>
               <a:rPr lang="en-US" sz="1600" b="1" noProof="1" smtClean="0">
                 <a:solidFill>
-                  <a:schemeClr val="accent3">
+                  <a:schemeClr val="accent2">
                     <a:lumMod val="40000"/>
                     <a:lumOff val="60000"/>
                   </a:schemeClr>
@@ -17201,7 +17871,7 @@
             <a:r>
               <a:rPr lang="en-US" sz="1600" b="1" noProof="1" smtClean="0">
                 <a:solidFill>
-                  <a:schemeClr val="accent3">
+                  <a:schemeClr val="accent2">
                     <a:lumMod val="40000"/>
                     <a:lumOff val="60000"/>
                   </a:schemeClr>
@@ -17223,7 +17893,7 @@
             <a:r>
               <a:rPr lang="en-US" sz="1600" b="1" noProof="1" smtClean="0">
                 <a:solidFill>
-                  <a:schemeClr val="accent3">
+                  <a:schemeClr val="accent2">
                     <a:lumMod val="40000"/>
                     <a:lumOff val="60000"/>
                   </a:schemeClr>
@@ -17250,7 +17920,7 @@
             <a:r>
               <a:rPr lang="en-US" sz="1600" b="1" noProof="1" smtClean="0">
                 <a:solidFill>
-                  <a:schemeClr val="accent3">
+                  <a:schemeClr val="accent2">
                     <a:lumMod val="40000"/>
                     <a:lumOff val="60000"/>
                   </a:schemeClr>
@@ -17277,7 +17947,7 @@
             <a:r>
               <a:rPr lang="en-US" sz="1600" b="1" noProof="1" smtClean="0">
                 <a:solidFill>
-                  <a:schemeClr val="accent3">
+                  <a:schemeClr val="accent2">
                     <a:lumMod val="40000"/>
                     <a:lumOff val="60000"/>
                   </a:schemeClr>
@@ -17304,7 +17974,7 @@
             <a:r>
               <a:rPr lang="en-US" sz="1600" b="1" noProof="1">
                 <a:solidFill>
-                  <a:schemeClr val="accent3">
+                  <a:schemeClr val="accent2">
                     <a:lumMod val="40000"/>
                     <a:lumOff val="60000"/>
                   </a:schemeClr>
@@ -17324,7 +17994,7 @@
             <a:r>
               <a:rPr lang="en-US" sz="1600" b="1" noProof="1" smtClean="0">
                 <a:solidFill>
-                  <a:schemeClr val="accent3">
+                  <a:schemeClr val="accent2">
                     <a:lumMod val="40000"/>
                     <a:lumOff val="60000"/>
                   </a:schemeClr>
@@ -17351,7 +18021,7 @@
             <a:r>
               <a:rPr lang="en-US" sz="1600" b="1" noProof="1" smtClean="0">
                 <a:solidFill>
-                  <a:schemeClr val="accent3">
+                  <a:schemeClr val="accent2">
                     <a:lumMod val="40000"/>
                     <a:lumOff val="60000"/>
                   </a:schemeClr>
@@ -17368,6 +18038,88 @@
               </a:rPr>
               <a:t>    }</a:t>
             </a:r>
+          </a:p>
+        </p:txBody>
+      </p:sp>
+      <p:sp>
+        <p:nvSpPr>
+          <p:cNvPr id="2" name="Title 1"/>
+          <p:cNvSpPr>
+            <a:spLocks noGrp="1"/>
+          </p:cNvSpPr>
+          <p:nvPr>
+            <p:ph type="title"/>
+          </p:nvPr>
+        </p:nvSpPr>
+        <p:spPr/>
+        <p:txBody>
+          <a:bodyPr/>
+          <a:lstStyle/>
+          <a:p>
+            <a:r>
+              <a:rPr lang="en-US" dirty="0" smtClean="0"/>
+              <a:t>Deep Nesting – Example</a:t>
+            </a:r>
+            <a:endParaRPr lang="en-US" dirty="0"/>
+          </a:p>
+        </p:txBody>
+      </p:sp>
+      <p:sp>
+        <p:nvSpPr>
+          <p:cNvPr id="4" name="Slide Number Placeholder 3"/>
+          <p:cNvSpPr>
+            <a:spLocks noGrp="1"/>
+          </p:cNvSpPr>
+          <p:nvPr>
+            <p:ph type="sldNum" sz="quarter" idx="10"/>
+          </p:nvPr>
+        </p:nvSpPr>
+        <p:spPr/>
+        <p:txBody>
+          <a:bodyPr/>
+          <a:lstStyle/>
+          <a:p>
+            <a:pPr>
+              <a:defRPr/>
+            </a:pPr>
+            <a:fld id="{58452FF4-89E3-4D1B-9927-2DBDC00E58D7}" type="slidenum">
+              <a:rPr lang="en-US" smtClean="0"/>
+              <a:pPr>
+                <a:defRPr/>
+              </a:pPr>
+              <a:t>25</a:t>
+            </a:fld>
+            <a:endParaRPr lang="en-US" dirty="0"/>
+          </a:p>
+        </p:txBody>
+      </p:sp>
+      <p:sp>
+        <p:nvSpPr>
+          <p:cNvPr id="6" name="TextBox 5"/>
+          <p:cNvSpPr txBox="1"/>
+          <p:nvPr/>
+        </p:nvSpPr>
+        <p:spPr>
+          <a:xfrm>
+            <a:off x="5638800" y="6260068"/>
+            <a:ext cx="2759410" cy="369332"/>
+          </a:xfrm>
+          <a:prstGeom prst="rect">
+            <a:avLst/>
+          </a:prstGeom>
+          <a:noFill/>
+        </p:spPr>
+        <p:txBody>
+          <a:bodyPr wrap="none" rtlCol="0">
+            <a:spAutoFit/>
+          </a:bodyPr>
+          <a:lstStyle/>
+          <a:p>
+            <a:r>
+              <a:rPr lang="en-US" sz="1800" i="1" dirty="0" smtClean="0"/>
+              <a:t>(continues on the next slide)</a:t>
+            </a:r>
+            <a:endParaRPr lang="en-US" sz="1800" i="1" dirty="0"/>
           </a:p>
         </p:txBody>
       </p:sp>
@@ -17520,7 +18272,7 @@
         </p:nvSpPr>
         <p:spPr bwMode="auto">
           <a:xfrm>
-            <a:off x="609600" y="838200"/>
+            <a:off x="609600" y="975839"/>
             <a:ext cx="7848600" cy="5577361"/>
           </a:xfrm>
           <a:prstGeom prst="rect">
@@ -17551,7 +18303,7 @@
             <a:r>
               <a:rPr lang="en-US" sz="1600" b="1" noProof="1" smtClean="0">
                 <a:solidFill>
-                  <a:schemeClr val="accent3">
+                  <a:schemeClr val="accent2">
                     <a:lumMod val="40000"/>
                     <a:lumOff val="60000"/>
                   </a:schemeClr>
@@ -17573,7 +18325,7 @@
             <a:r>
               <a:rPr lang="en-US" sz="1600" b="1" noProof="1" smtClean="0">
                 <a:solidFill>
-                  <a:schemeClr val="accent3">
+                  <a:schemeClr val="accent2">
                     <a:lumMod val="40000"/>
                     <a:lumOff val="60000"/>
                   </a:schemeClr>
@@ -17600,7 +18352,7 @@
             <a:r>
               <a:rPr lang="en-US" sz="1600" b="1" noProof="1" smtClean="0">
                 <a:solidFill>
-                  <a:schemeClr val="accent3">
+                  <a:schemeClr val="accent2">
                     <a:lumMod val="40000"/>
                     <a:lumOff val="60000"/>
                   </a:schemeClr>
@@ -17622,7 +18374,7 @@
             <a:r>
               <a:rPr lang="en-US" sz="1600" b="1" noProof="1" smtClean="0">
                 <a:solidFill>
-                  <a:schemeClr val="accent3">
+                  <a:schemeClr val="accent2">
                     <a:lumMod val="40000"/>
                     <a:lumOff val="60000"/>
                   </a:schemeClr>
@@ -17649,7 +18401,7 @@
             <a:r>
               <a:rPr lang="en-US" sz="1600" b="1" noProof="1" smtClean="0">
                 <a:solidFill>
-                  <a:schemeClr val="accent3">
+                  <a:schemeClr val="accent2">
                     <a:lumMod val="40000"/>
                     <a:lumOff val="60000"/>
                   </a:schemeClr>
@@ -17671,7 +18423,7 @@
             <a:r>
               <a:rPr lang="en-US" sz="1600" b="1" noProof="1" smtClean="0">
                 <a:solidFill>
-                  <a:schemeClr val="accent3">
+                  <a:schemeClr val="accent2">
                     <a:lumMod val="40000"/>
                     <a:lumOff val="60000"/>
                   </a:schemeClr>
@@ -17698,7 +18450,7 @@
             <a:r>
               <a:rPr lang="en-US" sz="1600" b="1" noProof="1" smtClean="0">
                 <a:solidFill>
-                  <a:schemeClr val="accent3">
+                  <a:schemeClr val="accent2">
                     <a:lumMod val="40000"/>
                     <a:lumOff val="60000"/>
                   </a:schemeClr>
@@ -17725,7 +18477,7 @@
             <a:r>
               <a:rPr lang="en-US" sz="1600" b="1" noProof="1" smtClean="0">
                 <a:solidFill>
-                  <a:schemeClr val="accent3">
+                  <a:schemeClr val="accent2">
                     <a:lumMod val="40000"/>
                     <a:lumOff val="60000"/>
                   </a:schemeClr>
@@ -17747,7 +18499,7 @@
             <a:r>
               <a:rPr lang="en-US" sz="1600" b="1" noProof="1" smtClean="0">
                 <a:solidFill>
-                  <a:schemeClr val="accent3">
+                  <a:schemeClr val="accent2">
                     <a:lumMod val="40000"/>
                     <a:lumOff val="60000"/>
                   </a:schemeClr>
@@ -17769,7 +18521,7 @@
             <a:r>
               <a:rPr lang="en-US" sz="1600" b="1" noProof="1" smtClean="0">
                 <a:solidFill>
-                  <a:schemeClr val="accent3">
+                  <a:schemeClr val="accent2">
                     <a:lumMod val="40000"/>
                     <a:lumOff val="60000"/>
                   </a:schemeClr>
@@ -17796,7 +18548,7 @@
             <a:r>
               <a:rPr lang="en-US" sz="1600" b="1" noProof="1" smtClean="0">
                 <a:solidFill>
-                  <a:schemeClr val="accent3">
+                  <a:schemeClr val="accent2">
                     <a:lumMod val="40000"/>
                     <a:lumOff val="60000"/>
                   </a:schemeClr>
@@ -17823,7 +18575,7 @@
             <a:r>
               <a:rPr lang="en-US" sz="1600" b="1" noProof="1" smtClean="0">
                 <a:solidFill>
-                  <a:schemeClr val="accent3">
+                  <a:schemeClr val="accent2">
                     <a:lumMod val="40000"/>
                     <a:lumOff val="60000"/>
                   </a:schemeClr>
@@ -17850,7 +18602,7 @@
             <a:r>
               <a:rPr lang="en-US" sz="1600" b="1" noProof="1" smtClean="0">
                 <a:solidFill>
-                  <a:schemeClr val="accent3">
+                  <a:schemeClr val="accent2">
                     <a:lumMod val="40000"/>
                     <a:lumOff val="60000"/>
                   </a:schemeClr>
@@ -17872,7 +18624,7 @@
             <a:r>
               <a:rPr lang="en-US" sz="1600" b="1" noProof="1" smtClean="0">
                 <a:solidFill>
-                  <a:schemeClr val="accent3">
+                  <a:schemeClr val="accent2">
                     <a:lumMod val="40000"/>
                     <a:lumOff val="60000"/>
                   </a:schemeClr>
@@ -17894,7 +18646,7 @@
             <a:r>
               <a:rPr lang="en-US" sz="1600" b="1" noProof="1" smtClean="0">
                 <a:solidFill>
-                  <a:schemeClr val="accent3">
+                  <a:schemeClr val="accent2">
                     <a:lumMod val="40000"/>
                     <a:lumOff val="60000"/>
                   </a:schemeClr>
@@ -17921,7 +18673,7 @@
             <a:r>
               <a:rPr lang="en-US" sz="1600" b="1" noProof="1" smtClean="0">
                 <a:solidFill>
-                  <a:schemeClr val="accent3">
+                  <a:schemeClr val="accent2">
                     <a:lumMod val="40000"/>
                     <a:lumOff val="60000"/>
                   </a:schemeClr>
@@ -17943,7 +18695,7 @@
             <a:r>
               <a:rPr lang="en-US" sz="1600" b="1" noProof="1" smtClean="0">
                 <a:solidFill>
-                  <a:schemeClr val="accent3">
+                  <a:schemeClr val="accent2">
                     <a:lumMod val="40000"/>
                     <a:lumOff val="60000"/>
                   </a:schemeClr>
@@ -17970,7 +18722,7 @@
             <a:r>
               <a:rPr lang="en-US" sz="1600" b="1" noProof="1" smtClean="0">
                 <a:solidFill>
-                  <a:schemeClr val="accent3">
+                  <a:schemeClr val="accent2">
                     <a:lumMod val="40000"/>
                     <a:lumOff val="60000"/>
                   </a:schemeClr>
@@ -17997,7 +18749,7 @@
             <a:r>
               <a:rPr lang="en-US" sz="1600" b="1" noProof="1" smtClean="0">
                 <a:solidFill>
-                  <a:schemeClr val="accent3">
+                  <a:schemeClr val="accent2">
                     <a:lumMod val="40000"/>
                     <a:lumOff val="60000"/>
                   </a:schemeClr>
@@ -18019,7 +18771,7 @@
             <a:r>
               <a:rPr lang="en-US" sz="1600" b="1" noProof="1" smtClean="0">
                 <a:solidFill>
-                  <a:schemeClr val="accent3">
+                  <a:schemeClr val="accent2">
                     <a:lumMod val="40000"/>
                     <a:lumOff val="60000"/>
                   </a:schemeClr>
@@ -18041,7 +18793,7 @@
             <a:r>
               <a:rPr lang="en-US" sz="1600" b="1" noProof="1" smtClean="0">
                 <a:solidFill>
-                  <a:schemeClr val="accent3">
+                  <a:schemeClr val="accent2">
                     <a:lumMod val="40000"/>
                     <a:lumOff val="60000"/>
                   </a:schemeClr>
@@ -18068,7 +18820,7 @@
             <a:r>
               <a:rPr lang="en-US" sz="1600" b="1" noProof="1" smtClean="0">
                 <a:solidFill>
-                  <a:schemeClr val="accent3">
+                  <a:schemeClr val="accent2">
                     <a:lumMod val="40000"/>
                     <a:lumOff val="60000"/>
                   </a:schemeClr>
@@ -18095,7 +18847,7 @@
             <a:r>
               <a:rPr lang="en-US" sz="1600" b="1" noProof="1" smtClean="0">
                 <a:solidFill>
-                  <a:schemeClr val="accent3">
+                  <a:schemeClr val="accent2">
                     <a:lumMod val="40000"/>
                     <a:lumOff val="60000"/>
                   </a:schemeClr>
@@ -18122,7 +18874,7 @@
             <a:r>
               <a:rPr lang="en-US" sz="1600" b="1" noProof="1" smtClean="0">
                 <a:solidFill>
-                  <a:schemeClr val="accent3">
+                  <a:schemeClr val="accent2">
                     <a:lumMod val="40000"/>
                     <a:lumOff val="60000"/>
                   </a:schemeClr>
@@ -18149,7 +18901,7 @@
             <a:r>
               <a:rPr lang="en-US" sz="1600" b="1" noProof="1" smtClean="0">
                 <a:solidFill>
-                  <a:schemeClr val="accent3">
+                  <a:schemeClr val="accent2">
                     <a:lumMod val="40000"/>
                     <a:lumOff val="60000"/>
                   </a:schemeClr>
@@ -18176,7 +18928,7 @@
             <a:r>
               <a:rPr lang="en-US" sz="1600" b="1" noProof="1" smtClean="0">
                 <a:solidFill>
-                  <a:schemeClr val="accent3">
+                  <a:schemeClr val="accent2">
                     <a:lumMod val="40000"/>
                     <a:lumOff val="60000"/>
                   </a:schemeClr>
@@ -19166,16 +19918,28 @@
             <p:ph type="title"/>
           </p:nvPr>
         </p:nvSpPr>
-        <p:spPr/>
+        <p:spPr>
+          <a:xfrm>
+            <a:off x="1828800" y="199900"/>
+            <a:ext cx="7086600" cy="914400"/>
+          </a:xfrm>
+        </p:spPr>
         <p:txBody>
           <a:bodyPr/>
           <a:lstStyle/>
           <a:p>
             <a:r>
-              <a:rPr lang="en-US" sz="3700" dirty="0" smtClean="0"/>
-              <a:t>Avoiding Deep Nesting – Example</a:t>
-            </a:r>
-            <a:endParaRPr lang="en-US" sz="3700" dirty="0"/>
+              <a:rPr lang="en-US" sz="3800" dirty="0" smtClean="0"/>
+              <a:t>Avoiding Deep Nesting –</a:t>
+            </a:r>
+            <a:br>
+              <a:rPr lang="en-US" sz="3800" dirty="0" smtClean="0"/>
+            </a:br>
+            <a:r>
+              <a:rPr lang="en-US" sz="3800" dirty="0" smtClean="0"/>
+              <a:t>Example (2)</a:t>
+            </a:r>
+            <a:endParaRPr lang="en-US" sz="3800" dirty="0"/>
           </a:p>
         </p:txBody>
       </p:sp>
@@ -19218,7 +19982,7 @@
         </p:nvSpPr>
         <p:spPr bwMode="auto">
           <a:xfrm>
-            <a:off x="609600" y="1091148"/>
+            <a:off x="609600" y="1719699"/>
             <a:ext cx="7848600" cy="4452501"/>
           </a:xfrm>
           <a:prstGeom prst="rect">
@@ -19726,7 +20490,7 @@
         </p:blipFill>
         <p:spPr bwMode="auto">
           <a:xfrm>
-            <a:off x="7772400" y="892629"/>
+            <a:off x="7772400" y="1447800"/>
             <a:ext cx="783770" cy="783771"/>
           </a:xfrm>
           <a:prstGeom prst="rect">
@@ -19816,7 +20580,12 @@
             <p:ph idx="1"/>
           </p:nvPr>
         </p:nvSpPr>
-        <p:spPr/>
+        <p:spPr>
+          <a:xfrm>
+            <a:off x="228600" y="990600"/>
+            <a:ext cx="8686800" cy="5715000"/>
+          </a:xfrm>
+        </p:spPr>
         <p:txBody>
           <a:bodyPr/>
           <a:lstStyle/>
@@ -19929,8 +20698,21 @@
               <a:t>statement or the last </a:t>
             </a:r>
             <a:r>
+              <a:rPr lang="en-US" sz="3000" dirty="0">
+                <a:solidFill>
+                  <a:schemeClr val="accent5">
+                    <a:lumMod val="20000"/>
+                    <a:lumOff val="80000"/>
+                  </a:schemeClr>
+                </a:solidFill>
+                <a:latin typeface="Consolas" pitchFamily="49" charset="0"/>
+                <a:cs typeface="Consolas" pitchFamily="49" charset="0"/>
+              </a:rPr>
+              <a:t>else</a:t>
+            </a:r>
+            <a:r>
               <a:rPr lang="en-US" sz="3000" i="1" dirty="0" smtClean="0"/>
-              <a:t>else </a:t>
+              <a:t> </a:t>
             </a:r>
             <a:r>
               <a:rPr lang="en-US" sz="3000" dirty="0" smtClean="0"/>
@@ -20028,8 +20810,8 @@
         </p:nvSpPr>
         <p:spPr>
           <a:xfrm>
-            <a:off x="228601" y="1981200"/>
-            <a:ext cx="5181600" cy="1219200"/>
+            <a:off x="538150" y="1709056"/>
+            <a:ext cx="4038600" cy="2057400"/>
           </a:xfrm>
         </p:spPr>
         <p:txBody>
@@ -20043,7 +20825,7 @@
             </a:pPr>
             <a:r>
               <a:rPr lang="en-US" dirty="0" smtClean="0"/>
-              <a:t>Organizing Straight-line Code</a:t>
+              <a:t>Organizing Straight-Line Code</a:t>
             </a:r>
             <a:endParaRPr lang="en-US" dirty="0"/>
           </a:p>
@@ -20061,8 +20843,8 @@
         </p:nvSpPr>
         <p:spPr>
           <a:xfrm>
-            <a:off x="381000" y="3505200"/>
-            <a:ext cx="4859866" cy="838200"/>
+            <a:off x="533400" y="3810000"/>
+            <a:ext cx="3912719" cy="838200"/>
           </a:xfrm>
         </p:spPr>
         <p:txBody>
@@ -20072,7 +20854,7 @@
             <a:pPr algn="r"/>
             <a:r>
               <a:rPr lang="en-US" dirty="0" smtClean="0"/>
-              <a:t>Order and separate your dependencies correctly</a:t>
+              <a:t>Order and Separate Your Dependencies Correctly</a:t>
             </a:r>
             <a:endParaRPr lang="en-US" dirty="0"/>
           </a:p>
@@ -20080,23 +20862,27 @@
       </p:sp>
       <p:pic>
         <p:nvPicPr>
-          <p:cNvPr id="2051" name="Picture 3"/>
+          <p:cNvPr id="2051" name="Picture 3" descr="Source: http://www.flickr.com/photos/blackcustard/81680010/ "/>
           <p:cNvPicPr>
             <a:picLocks noChangeAspect="1" noChangeArrowheads="1"/>
           </p:cNvPicPr>
           <p:nvPr/>
         </p:nvPicPr>
-        <p:blipFill>
-          <a:blip r:embed="rId2" cstate="print"/>
-          <a:srcRect/>
-          <a:stretch>
-            <a:fillRect/>
-          </a:stretch>
+        <p:blipFill rotWithShape="1">
+          <a:blip r:embed="rId2" cstate="screen">
+            <a:extLst>
+              <a:ext uri="{28A0092B-C50C-407E-A947-70E740481C1C}">
+                <a14:useLocalDpi xmlns:a14="http://schemas.microsoft.com/office/drawing/2010/main"/>
+              </a:ext>
+            </a:extLst>
+          </a:blip>
+          <a:srcRect r="7759"/>
+          <a:stretch/>
         </p:blipFill>
         <p:spPr bwMode="auto">
           <a:xfrm>
-            <a:off x="5579360" y="2057400"/>
-            <a:ext cx="3203605" cy="2133600"/>
+            <a:off x="4745908" y="1926772"/>
+            <a:ext cx="3739029" cy="2699656"/>
           </a:xfrm>
           <a:prstGeom prst="rect">
             <a:avLst/>
@@ -20115,46 +20901,6 @@
           </a:ln>
         </p:spPr>
       </p:pic>
-      <p:sp>
-        <p:nvSpPr>
-          <p:cNvPr id="8" name="TextBox 7"/>
-          <p:cNvSpPr txBox="1"/>
-          <p:nvPr/>
-        </p:nvSpPr>
-        <p:spPr>
-          <a:xfrm>
-            <a:off x="6096000" y="4267200"/>
-            <a:ext cx="2819400" cy="215444"/>
-          </a:xfrm>
-          <a:prstGeom prst="rect">
-            <a:avLst/>
-          </a:prstGeom>
-          <a:noFill/>
-        </p:spPr>
-        <p:txBody>
-          <a:bodyPr wrap="square" rtlCol="0">
-            <a:spAutoFit/>
-          </a:bodyPr>
-          <a:lstStyle/>
-          <a:p>
-            <a:r>
-              <a:rPr lang="en-US" sz="800" dirty="0" smtClean="0"/>
-              <a:t>Source: </a:t>
-            </a:r>
-            <a:r>
-              <a:rPr lang="en-US" sz="800" dirty="0" smtClean="0">
-                <a:hlinkClick r:id="rId3"/>
-              </a:rPr>
-              <a:t>http://www.flickr.com/photos/blackcustard/81680010/</a:t>
-            </a:r>
-            <a:r>
-              <a:rPr lang="en-US" sz="800" dirty="0" smtClean="0"/>
-              <a:t> </a:t>
-            </a:r>
-            <a:endParaRPr lang="en-US" sz="800" dirty="0"/>
-          </a:p>
-        </p:txBody>
-      </p:sp>
     </p:spTree>
     <p:extLst>
       <p:ext uri="{BB962C8B-B14F-4D97-AF65-F5344CB8AC3E}">
@@ -20290,7 +21036,7 @@
             <a:r>
               <a:rPr lang="en-US" sz="1900" b="1" noProof="1" smtClean="0">
                 <a:solidFill>
-                  <a:schemeClr val="accent3">
+                  <a:schemeClr val="accent2">
                     <a:lumMod val="40000"/>
                     <a:lumOff val="60000"/>
                   </a:schemeClr>
@@ -20317,7 +21063,7 @@
             <a:r>
               <a:rPr lang="en-US" sz="1900" b="1" noProof="1" smtClean="0">
                 <a:solidFill>
-                  <a:schemeClr val="accent3">
+                  <a:schemeClr val="accent2">
                     <a:lumMod val="40000"/>
                     <a:lumOff val="60000"/>
                   </a:schemeClr>
@@ -20344,7 +21090,7 @@
             <a:r>
               <a:rPr lang="en-US" sz="1900" b="1" noProof="1" smtClean="0">
                 <a:solidFill>
-                  <a:schemeClr val="accent3">
+                  <a:schemeClr val="accent2">
                     <a:lumMod val="40000"/>
                     <a:lumOff val="60000"/>
                   </a:schemeClr>
@@ -20371,7 +21117,7 @@
             <a:r>
               <a:rPr lang="en-US" sz="1900" b="1" noProof="1" smtClean="0">
                 <a:solidFill>
-                  <a:schemeClr val="accent3">
+                  <a:schemeClr val="accent2">
                     <a:lumMod val="40000"/>
                     <a:lumOff val="60000"/>
                   </a:schemeClr>
@@ -20398,7 +21144,7 @@
             <a:r>
               <a:rPr lang="en-US" sz="1900" b="1" noProof="1" smtClean="0">
                 <a:solidFill>
-                  <a:schemeClr val="accent3">
+                  <a:schemeClr val="accent2">
                     <a:lumMod val="40000"/>
                     <a:lumOff val="60000"/>
                   </a:schemeClr>
@@ -20425,7 +21171,7 @@
             <a:r>
               <a:rPr lang="en-US" sz="1900" b="1" noProof="1" smtClean="0">
                 <a:solidFill>
-                  <a:schemeClr val="accent3">
+                  <a:schemeClr val="accent2">
                     <a:lumMod val="40000"/>
                     <a:lumOff val="60000"/>
                   </a:schemeClr>
@@ -20452,7 +21198,7 @@
             <a:r>
               <a:rPr lang="en-US" sz="1900" b="1" noProof="1" smtClean="0">
                 <a:solidFill>
-                  <a:schemeClr val="accent3">
+                  <a:schemeClr val="accent2">
                     <a:lumMod val="40000"/>
                     <a:lumOff val="60000"/>
                   </a:schemeClr>
@@ -20479,7 +21225,7 @@
             <a:r>
               <a:rPr lang="en-US" sz="1900" b="1" noProof="1" smtClean="0">
                 <a:solidFill>
-                  <a:schemeClr val="accent3">
+                  <a:schemeClr val="accent2">
                     <a:lumMod val="40000"/>
                     <a:lumOff val="60000"/>
                   </a:schemeClr>
@@ -20506,7 +21252,7 @@
             <a:r>
               <a:rPr lang="en-US" sz="1900" b="1" noProof="1" smtClean="0">
                 <a:solidFill>
-                  <a:schemeClr val="accent3">
+                  <a:schemeClr val="accent2">
                     <a:lumMod val="40000"/>
                     <a:lumOff val="60000"/>
                   </a:schemeClr>
@@ -20533,7 +21279,7 @@
             <a:r>
               <a:rPr lang="en-US" sz="1900" b="1" noProof="1" smtClean="0">
                 <a:solidFill>
-                  <a:schemeClr val="accent3">
+                  <a:schemeClr val="accent2">
                     <a:lumMod val="40000"/>
                     <a:lumOff val="60000"/>
                   </a:schemeClr>
@@ -20560,7 +21306,7 @@
             <a:r>
               <a:rPr lang="en-US" sz="1900" b="1" noProof="1" smtClean="0">
                 <a:solidFill>
-                  <a:schemeClr val="accent3">
+                  <a:schemeClr val="accent2">
                     <a:lumMod val="40000"/>
                     <a:lumOff val="60000"/>
                   </a:schemeClr>
@@ -20587,7 +21333,7 @@
             <a:r>
               <a:rPr lang="en-US" sz="1900" b="1" noProof="1" smtClean="0">
                 <a:solidFill>
-                  <a:schemeClr val="accent3">
+                  <a:schemeClr val="accent2">
                     <a:lumMod val="40000"/>
                     <a:lumOff val="60000"/>
                   </a:schemeClr>
@@ -20614,7 +21360,7 @@
             <a:r>
               <a:rPr lang="en-US" sz="1900" b="1" noProof="1" smtClean="0">
                 <a:solidFill>
-                  <a:schemeClr val="accent3">
+                  <a:schemeClr val="accent2">
                     <a:lumMod val="40000"/>
                     <a:lumOff val="60000"/>
                   </a:schemeClr>
@@ -20641,7 +21387,7 @@
             <a:r>
               <a:rPr lang="en-US" sz="1900" b="1" noProof="1" smtClean="0">
                 <a:solidFill>
-                  <a:schemeClr val="accent3">
+                  <a:schemeClr val="accent2">
                     <a:lumMod val="40000"/>
                     <a:lumOff val="60000"/>
                   </a:schemeClr>
@@ -20668,7 +21414,7 @@
             <a:r>
               <a:rPr lang="en-US" sz="1900" b="1" noProof="1" smtClean="0">
                 <a:solidFill>
-                  <a:schemeClr val="accent3">
+                  <a:schemeClr val="accent2">
                     <a:lumMod val="40000"/>
                     <a:lumOff val="60000"/>
                   </a:schemeClr>
@@ -20695,7 +21441,7 @@
             <a:r>
               <a:rPr lang="en-US" sz="1900" b="1" noProof="1" smtClean="0">
                 <a:solidFill>
-                  <a:schemeClr val="accent3">
+                  <a:schemeClr val="accent2">
                     <a:lumMod val="40000"/>
                     <a:lumOff val="60000"/>
                   </a:schemeClr>
@@ -20722,7 +21468,7 @@
             <a:r>
               <a:rPr lang="en-US" sz="1900" b="1" noProof="1" smtClean="0">
                 <a:solidFill>
-                  <a:schemeClr val="accent3">
+                  <a:schemeClr val="accent2">
                     <a:lumMod val="40000"/>
                     <a:lumOff val="60000"/>
                   </a:schemeClr>
@@ -20749,7 +21495,7 @@
             <a:r>
               <a:rPr lang="en-US" sz="1900" b="1" noProof="1" smtClean="0">
                 <a:solidFill>
-                  <a:schemeClr val="accent3">
+                  <a:schemeClr val="accent2">
                     <a:lumMod val="40000"/>
                     <a:lumOff val="60000"/>
                   </a:schemeClr>
@@ -20776,7 +21522,7 @@
             <a:r>
               <a:rPr lang="en-US" sz="1900" b="1" noProof="1" smtClean="0">
                 <a:solidFill>
-                  <a:schemeClr val="accent3">
+                  <a:schemeClr val="accent2">
                     <a:lumMod val="40000"/>
                     <a:lumOff val="60000"/>
                   </a:schemeClr>
@@ -20803,7 +21549,7 @@
             <a:r>
               <a:rPr lang="en-US" sz="1900" b="1" noProof="1" smtClean="0">
                 <a:solidFill>
-                  <a:schemeClr val="accent3">
+                  <a:schemeClr val="accent2">
                     <a:lumMod val="40000"/>
                     <a:lumOff val="60000"/>
                   </a:schemeClr>
@@ -20973,7 +21719,7 @@
         <p:spPr bwMode="auto">
           <a:xfrm>
             <a:off x="609600" y="1175345"/>
-            <a:ext cx="7848600" cy="5073055"/>
+            <a:ext cx="7848600" cy="5093702"/>
           </a:xfrm>
           <a:prstGeom prst="rect">
             <a:avLst/>
@@ -21320,7 +22066,7 @@
                 <a:latin typeface="Consolas" pitchFamily="49" charset="0"/>
                 <a:cs typeface="Consolas" pitchFamily="49" charset="0"/>
               </a:rPr>
-              <a:t>      throw new Exception("Invalid parse state: " +</a:t>
+              <a:t>      throw new InvalidOperationException(</a:t>
             </a:r>
           </a:p>
           <a:p>
@@ -21330,7 +22076,7 @@
               </a:lnSpc>
             </a:pPr>
             <a:r>
-              <a:rPr lang="en-US" sz="1900" b="1" noProof="1" smtClean="0">
+              <a:rPr lang="en-US" sz="1900" b="1" noProof="1">
                 <a:solidFill>
                   <a:schemeClr val="accent5">
                     <a:lumMod val="20000"/>
@@ -21347,7 +22093,27 @@
                 <a:latin typeface="Consolas" pitchFamily="49" charset="0"/>
                 <a:cs typeface="Consolas" pitchFamily="49" charset="0"/>
               </a:rPr>
-              <a:t>        parseState);</a:t>
+              <a:t> </a:t>
+            </a:r>
+            <a:r>
+              <a:rPr lang="en-US" sz="1900" b="1" noProof="1" smtClean="0">
+                <a:solidFill>
+                  <a:schemeClr val="accent5">
+                    <a:lumMod val="20000"/>
+                    <a:lumOff val="80000"/>
+                  </a:schemeClr>
+                </a:solidFill>
+                <a:effectLst>
+                  <a:outerShdw blurRad="38100" dist="38100" dir="2700000" algn="tl">
+                    <a:srgbClr val="000000">
+                      <a:alpha val="43137"/>
+                    </a:srgbClr>
+                  </a:outerShdw>
+                </a:effectLst>
+                <a:latin typeface="Consolas" pitchFamily="49" charset="0"/>
+                <a:cs typeface="Consolas" pitchFamily="49" charset="0"/>
+              </a:rPr>
+              <a:t>       "Invalid parse state: " + parseState);</a:t>
             </a:r>
           </a:p>
           <a:p>
@@ -21542,10 +22308,8 @@
           <a:p>
             <a:r>
               <a:rPr lang="en-US" dirty="0" smtClean="0"/>
-              <a:t>When you do use them – document them well</a:t>
-            </a:r>
-          </a:p>
-          <a:p>
+              <a:t>When you do use them, document them well</a:t>
+            </a:r>
             <a:endParaRPr lang="en-US" dirty="0"/>
           </a:p>
         </p:txBody>
@@ -21589,7 +22353,7 @@
         </p:nvSpPr>
         <p:spPr bwMode="auto">
           <a:xfrm>
-            <a:off x="381000" y="2286000"/>
+            <a:off x="609600" y="2286000"/>
             <a:ext cx="7848600" cy="4185761"/>
           </a:xfrm>
           <a:prstGeom prst="rect">
@@ -21620,7 +22384,7 @@
             <a:r>
               <a:rPr lang="en-US" sz="1900" b="1" noProof="1" smtClean="0">
                 <a:solidFill>
-                  <a:schemeClr val="accent3">
+                  <a:schemeClr val="accent2">
                     <a:lumMod val="40000"/>
                     <a:lumOff val="60000"/>
                   </a:schemeClr>
@@ -21642,7 +22406,7 @@
             <a:r>
               <a:rPr lang="en-US" sz="1900" b="1" noProof="1" smtClean="0">
                 <a:solidFill>
-                  <a:schemeClr val="accent3">
+                  <a:schemeClr val="accent2">
                     <a:lumMod val="40000"/>
                     <a:lumOff val="60000"/>
                   </a:schemeClr>
@@ -21664,7 +22428,7 @@
             <a:r>
               <a:rPr lang="en-US" sz="1900" b="1" noProof="1" smtClean="0">
                 <a:solidFill>
-                  <a:schemeClr val="accent3">
+                  <a:schemeClr val="accent2">
                     <a:lumMod val="40000"/>
                     <a:lumOff val="60000"/>
                   </a:schemeClr>
@@ -21686,7 +22450,7 @@
             <a:r>
               <a:rPr lang="en-US" sz="1900" b="1" noProof="1" smtClean="0">
                 <a:solidFill>
-                  <a:schemeClr val="accent3">
+                  <a:schemeClr val="accent2">
                     <a:lumMod val="40000"/>
                     <a:lumOff val="60000"/>
                   </a:schemeClr>
@@ -21708,7 +22472,7 @@
             <a:r>
               <a:rPr lang="en-US" sz="1900" b="1" noProof="1" smtClean="0">
                 <a:solidFill>
-                  <a:schemeClr val="accent3">
+                  <a:schemeClr val="accent2">
                     <a:lumMod val="40000"/>
                     <a:lumOff val="60000"/>
                   </a:schemeClr>
@@ -21723,14 +22487,14 @@
                 <a:latin typeface="Consolas" pitchFamily="49" charset="0"/>
                 <a:cs typeface="Consolas" pitchFamily="49" charset="0"/>
               </a:rPr>
-              <a:t>          DoSomething(); </a:t>
+              <a:t>    DoSomething(); </a:t>
             </a:r>
           </a:p>
           <a:p>
             <a:r>
               <a:rPr lang="en-US" sz="1900" b="1" noProof="1" smtClean="0">
                 <a:solidFill>
-                  <a:schemeClr val="accent3">
+                  <a:schemeClr val="accent2">
                     <a:lumMod val="40000"/>
                     <a:lumOff val="60000"/>
                   </a:schemeClr>
@@ -21745,14 +22509,14 @@
                 <a:latin typeface="Consolas" pitchFamily="49" charset="0"/>
                 <a:cs typeface="Consolas" pitchFamily="49" charset="0"/>
               </a:rPr>
-              <a:t>          // FALLTHROUGH  </a:t>
+              <a:t>    // FALLTHROUGH  </a:t>
             </a:r>
           </a:p>
           <a:p>
             <a:r>
               <a:rPr lang="en-US" sz="1900" b="1" noProof="1" smtClean="0">
                 <a:solidFill>
-                  <a:schemeClr val="accent3">
+                  <a:schemeClr val="accent2">
                     <a:lumMod val="40000"/>
                     <a:lumOff val="60000"/>
                   </a:schemeClr>
@@ -21774,7 +22538,7 @@
             <a:r>
               <a:rPr lang="en-US" sz="1900" b="1" noProof="1" smtClean="0">
                 <a:solidFill>
-                  <a:schemeClr val="accent3">
+                  <a:schemeClr val="accent2">
                     <a:lumMod val="40000"/>
                     <a:lumOff val="60000"/>
                   </a:schemeClr>
@@ -21789,14 +22553,14 @@
                 <a:latin typeface="Consolas" pitchFamily="49" charset="0"/>
                 <a:cs typeface="Consolas" pitchFamily="49" charset="0"/>
               </a:rPr>
-              <a:t>          DoSomethingElse(); </a:t>
+              <a:t>    DoSomethingElse(); </a:t>
             </a:r>
           </a:p>
           <a:p>
             <a:r>
               <a:rPr lang="en-US" sz="1900" b="1" noProof="1" smtClean="0">
                 <a:solidFill>
-                  <a:schemeClr val="accent3">
+                  <a:schemeClr val="accent2">
                     <a:lumMod val="40000"/>
                     <a:lumOff val="60000"/>
                   </a:schemeClr>
@@ -21811,14 +22575,14 @@
                 <a:latin typeface="Consolas" pitchFamily="49" charset="0"/>
                 <a:cs typeface="Consolas" pitchFamily="49" charset="0"/>
               </a:rPr>
-              <a:t>	   break;</a:t>
+              <a:t>    break;</a:t>
             </a:r>
           </a:p>
           <a:p>
             <a:r>
               <a:rPr lang="en-US" sz="1900" b="1" noProof="1" smtClean="0">
                 <a:solidFill>
-                  <a:schemeClr val="accent3">
+                  <a:schemeClr val="accent2">
                     <a:lumMod val="40000"/>
                     <a:lumOff val="60000"/>
                   </a:schemeClr>
@@ -21840,7 +22604,7 @@
             <a:r>
               <a:rPr lang="en-US" sz="1900" b="1" noProof="1" smtClean="0">
                 <a:solidFill>
-                  <a:schemeClr val="accent3">
+                  <a:schemeClr val="accent2">
                     <a:lumMod val="40000"/>
                     <a:lumOff val="60000"/>
                   </a:schemeClr>
@@ -21862,7 +22626,7 @@
             <a:r>
               <a:rPr lang="en-US" sz="1900" b="1" noProof="1" smtClean="0">
                 <a:solidFill>
-                  <a:schemeClr val="accent3">
+                  <a:schemeClr val="accent2">
                     <a:lumMod val="40000"/>
                     <a:lumOff val="60000"/>
                   </a:schemeClr>
@@ -21877,14 +22641,14 @@
                 <a:latin typeface="Consolas" pitchFamily="49" charset="0"/>
                 <a:cs typeface="Consolas" pitchFamily="49" charset="0"/>
               </a:rPr>
-              <a:t>          DoOtherThings();</a:t>
+              <a:t>    DoOtherThings();</a:t>
             </a:r>
           </a:p>
           <a:p>
             <a:r>
               <a:rPr lang="en-US" sz="1900" b="1" noProof="1" smtClean="0">
                 <a:solidFill>
-                  <a:schemeClr val="accent3">
+                  <a:schemeClr val="accent2">
                     <a:lumMod val="40000"/>
                     <a:lumOff val="60000"/>
                   </a:schemeClr>
@@ -21899,14 +22663,14 @@
                 <a:latin typeface="Consolas" pitchFamily="49" charset="0"/>
                 <a:cs typeface="Consolas" pitchFamily="49" charset="0"/>
               </a:rPr>
-              <a:t>          break; </a:t>
+              <a:t>    break; </a:t>
             </a:r>
           </a:p>
           <a:p>
             <a:r>
               <a:rPr lang="en-US" sz="1900" b="1" noProof="1" smtClean="0">
                 <a:solidFill>
-                  <a:schemeClr val="accent3">
+                  <a:schemeClr val="accent2">
                     <a:lumMod val="40000"/>
                     <a:lumOff val="60000"/>
                   </a:schemeClr>
@@ -21958,7 +22722,7 @@
         </p:blipFill>
         <p:spPr bwMode="auto">
           <a:xfrm>
-            <a:off x="7584671" y="2151611"/>
+            <a:off x="7921337" y="2438400"/>
             <a:ext cx="789709" cy="789709"/>
           </a:xfrm>
           <a:prstGeom prst="rect">
@@ -22046,7 +22810,12 @@
             <p:ph idx="1"/>
           </p:nvPr>
         </p:nvSpPr>
-        <p:spPr/>
+        <p:spPr>
+          <a:xfrm>
+            <a:off x="228600" y="838200"/>
+            <a:ext cx="8686800" cy="5791200"/>
+          </a:xfrm>
+        </p:spPr>
         <p:txBody>
           <a:bodyPr/>
           <a:lstStyle/>
@@ -22055,8 +22824,6 @@
               <a:rPr lang="en-US" dirty="0" smtClean="0"/>
               <a:t>Overlapping control structures is evil:</a:t>
             </a:r>
-          </a:p>
-          <a:p>
             <a:endParaRPr lang="en-US" dirty="0"/>
           </a:p>
         </p:txBody>
@@ -22100,8 +22867,8 @@
         </p:nvSpPr>
         <p:spPr bwMode="auto">
           <a:xfrm>
-            <a:off x="381000" y="1821626"/>
-            <a:ext cx="7848600" cy="3893374"/>
+            <a:off x="838200" y="1640526"/>
+            <a:ext cx="7459980" cy="3893374"/>
           </a:xfrm>
           <a:prstGeom prst="rect">
             <a:avLst/>
@@ -22131,7 +22898,7 @@
             <a:r>
               <a:rPr lang="en-US" sz="1900" b="1" noProof="1" smtClean="0">
                 <a:solidFill>
-                  <a:schemeClr val="accent3">
+                  <a:schemeClr val="accent2">
                     <a:lumMod val="40000"/>
                     <a:lumOff val="60000"/>
                   </a:schemeClr>
@@ -22146,14 +22913,14 @@
                 <a:latin typeface="Consolas" pitchFamily="49" charset="0"/>
                 <a:cs typeface="Consolas" pitchFamily="49" charset="0"/>
               </a:rPr>
-              <a:t>switch ( InputVar )</a:t>
+              <a:t>switch (inputVar)</a:t>
             </a:r>
           </a:p>
           <a:p>
             <a:r>
               <a:rPr lang="en-US" sz="1900" b="1" noProof="1" smtClean="0">
                 <a:solidFill>
-                  <a:schemeClr val="accent3">
+                  <a:schemeClr val="accent2">
                     <a:lumMod val="40000"/>
                     <a:lumOff val="60000"/>
                   </a:schemeClr>
@@ -22175,7 +22942,7 @@
             <a:r>
               <a:rPr lang="en-US" sz="1900" b="1" noProof="1" smtClean="0">
                 <a:solidFill>
-                  <a:schemeClr val="accent3">
+                  <a:schemeClr val="accent2">
                     <a:lumMod val="40000"/>
                     <a:lumOff val="60000"/>
                   </a:schemeClr>
@@ -22190,14 +22957,14 @@
                 <a:latin typeface="Consolas" pitchFamily="49" charset="0"/>
                 <a:cs typeface="Consolas" pitchFamily="49" charset="0"/>
               </a:rPr>
-              <a:t>  case 'A': if ( test )</a:t>
+              <a:t>  case 'A': if (test)</a:t>
             </a:r>
           </a:p>
           <a:p>
             <a:r>
               <a:rPr lang="en-US" sz="1900" b="1" noProof="1" smtClean="0">
                 <a:solidFill>
-                  <a:schemeClr val="accent3">
+                  <a:schemeClr val="accent2">
                     <a:lumMod val="40000"/>
                     <a:lumOff val="60000"/>
                   </a:schemeClr>
@@ -22219,7 +22986,7 @@
             <a:r>
               <a:rPr lang="en-US" sz="1900" b="1" noProof="1" smtClean="0">
                 <a:solidFill>
-                  <a:schemeClr val="accent3">
+                  <a:schemeClr val="accent2">
                     <a:lumMod val="40000"/>
                     <a:lumOff val="60000"/>
                   </a:schemeClr>
@@ -22241,7 +23008,7 @@
             <a:r>
               <a:rPr lang="en-US" sz="1900" b="1" noProof="1" smtClean="0">
                 <a:solidFill>
-                  <a:schemeClr val="accent3">
+                  <a:schemeClr val="accent2">
                     <a:lumMod val="40000"/>
                     <a:lumOff val="60000"/>
                   </a:schemeClr>
@@ -22263,7 +23030,7 @@
             <a:r>
               <a:rPr lang="en-US" sz="1900" b="1" noProof="1" smtClean="0">
                 <a:solidFill>
-                  <a:schemeClr val="accent3">
+                  <a:schemeClr val="accent2">
                     <a:lumMod val="40000"/>
                     <a:lumOff val="60000"/>
                   </a:schemeClr>
@@ -22285,7 +23052,7 @@
             <a:r>
               <a:rPr lang="en-US" sz="1900" b="1" noProof="1" smtClean="0">
                 <a:solidFill>
-                  <a:schemeClr val="accent3">
+                  <a:schemeClr val="accent2">
                     <a:lumMod val="40000"/>
                     <a:lumOff val="60000"/>
                   </a:schemeClr>
@@ -22307,7 +23074,7 @@
             <a:r>
               <a:rPr lang="en-US" sz="1900" b="1" noProof="1" smtClean="0">
                 <a:solidFill>
-                  <a:schemeClr val="accent3">
+                  <a:schemeClr val="accent2">
                     <a:lumMod val="40000"/>
                     <a:lumOff val="60000"/>
                   </a:schemeClr>
@@ -22329,7 +23096,7 @@
             <a:r>
               <a:rPr lang="en-US" sz="1900" b="1" noProof="1" smtClean="0">
                 <a:solidFill>
-                  <a:schemeClr val="accent3">
+                  <a:schemeClr val="accent2">
                     <a:lumMod val="40000"/>
                     <a:lumOff val="60000"/>
                   </a:schemeClr>
@@ -22351,7 +23118,7 @@
             <a:r>
               <a:rPr lang="en-US" sz="1900" b="1" noProof="1" smtClean="0">
                 <a:solidFill>
-                  <a:schemeClr val="accent3">
+                  <a:schemeClr val="accent2">
                     <a:lumMod val="40000"/>
                     <a:lumOff val="60000"/>
                   </a:schemeClr>
@@ -22373,7 +23140,7 @@
             <a:r>
               <a:rPr lang="en-US" sz="1900" b="1" noProof="1" smtClean="0">
                 <a:solidFill>
-                  <a:schemeClr val="accent3">
+                  <a:schemeClr val="accent2">
                     <a:lumMod val="40000"/>
                     <a:lumOff val="60000"/>
                   </a:schemeClr>
@@ -22395,7 +23162,7 @@
             <a:r>
               <a:rPr lang="en-US" sz="1900" b="1" noProof="1" smtClean="0">
                 <a:solidFill>
-                  <a:schemeClr val="accent3">
+                  <a:schemeClr val="accent2">
                     <a:lumMod val="40000"/>
                     <a:lumOff val="60000"/>
                   </a:schemeClr>
@@ -22447,7 +23214,7 @@
         </p:blipFill>
         <p:spPr bwMode="auto">
           <a:xfrm>
-            <a:off x="7584671" y="1691640"/>
+            <a:off x="7727868" y="1342900"/>
             <a:ext cx="789709" cy="789709"/>
           </a:xfrm>
           <a:prstGeom prst="rect">
@@ -22472,6 +23239,130 @@
           </a:extLst>
         </p:spPr>
       </p:pic>
+      <p:sp>
+        <p:nvSpPr>
+          <p:cNvPr id="5" name="TextBox 4"/>
+          <p:cNvSpPr txBox="1"/>
+          <p:nvPr/>
+        </p:nvSpPr>
+        <p:spPr>
+          <a:xfrm>
+            <a:off x="381000" y="5715000"/>
+            <a:ext cx="7982057" cy="997196"/>
+          </a:xfrm>
+          <a:prstGeom prst="rect">
+            <a:avLst/>
+          </a:prstGeom>
+          <a:noFill/>
+        </p:spPr>
+        <p:txBody>
+          <a:bodyPr wrap="none" rtlCol="0">
+            <a:spAutoFit/>
+          </a:bodyPr>
+          <a:lstStyle/>
+          <a:p>
+            <a:pPr marL="282575" indent="-282575" eaLnBrk="0" hangingPunct="0">
+              <a:lnSpc>
+                <a:spcPct val="105000"/>
+              </a:lnSpc>
+              <a:spcBef>
+                <a:spcPts val="600"/>
+              </a:spcBef>
+              <a:spcAft>
+                <a:spcPts val="600"/>
+              </a:spcAft>
+              <a:buClr>
+                <a:schemeClr val="accent5">
+                  <a:lumMod val="40000"/>
+                  <a:lumOff val="60000"/>
+                </a:schemeClr>
+              </a:buClr>
+              <a:buSzPct val="70000"/>
+              <a:buFont typeface="Wingdings 2" pitchFamily="18" charset="2"/>
+              <a:buChar char=""/>
+              <a:tabLst>
+                <a:tab pos="282575" algn="l"/>
+              </a:tabLst>
+            </a:pPr>
+            <a:r>
+              <a:rPr lang="en-US" sz="2800" b="1" dirty="0">
+                <a:solidFill>
+                  <a:srgbClr val="EBFFD2"/>
+                </a:solidFill>
+                <a:effectLst>
+                  <a:outerShdw blurRad="38100" dist="38100" dir="2700000" algn="tl">
+                    <a:srgbClr val="000000">
+                      <a:alpha val="43137"/>
+                    </a:srgbClr>
+                  </a:outerShdw>
+                </a:effectLst>
+                <a:latin typeface="+mn-lt"/>
+              </a:rPr>
+              <a:t>This code will not compile in C</a:t>
+            </a:r>
+            <a:r>
+              <a:rPr lang="en-US" sz="2800" b="1" dirty="0" smtClean="0">
+                <a:solidFill>
+                  <a:srgbClr val="EBFFD2"/>
+                </a:solidFill>
+                <a:effectLst>
+                  <a:outerShdw blurRad="38100" dist="38100" dir="2700000" algn="tl">
+                    <a:srgbClr val="000000">
+                      <a:alpha val="43137"/>
+                    </a:srgbClr>
+                  </a:outerShdw>
+                </a:effectLst>
+                <a:latin typeface="+mn-lt"/>
+              </a:rPr>
+              <a:t># but may compile</a:t>
+            </a:r>
+            <a:br>
+              <a:rPr lang="en-US" sz="2800" b="1" dirty="0" smtClean="0">
+                <a:solidFill>
+                  <a:srgbClr val="EBFFD2"/>
+                </a:solidFill>
+                <a:effectLst>
+                  <a:outerShdw blurRad="38100" dist="38100" dir="2700000" algn="tl">
+                    <a:srgbClr val="000000">
+                      <a:alpha val="43137"/>
+                    </a:srgbClr>
+                  </a:outerShdw>
+                </a:effectLst>
+                <a:latin typeface="+mn-lt"/>
+              </a:rPr>
+            </a:br>
+            <a:r>
+              <a:rPr lang="en-US" sz="2800" b="1" dirty="0" smtClean="0">
+                <a:solidFill>
+                  <a:srgbClr val="EBFFD2"/>
+                </a:solidFill>
+                <a:effectLst>
+                  <a:outerShdw blurRad="38100" dist="38100" dir="2700000" algn="tl">
+                    <a:srgbClr val="000000">
+                      <a:alpha val="43137"/>
+                    </a:srgbClr>
+                  </a:outerShdw>
+                </a:effectLst>
+                <a:latin typeface="+mn-lt"/>
+              </a:rPr>
+              <a:t>in other languages</a:t>
+            </a:r>
+            <a:endParaRPr lang="en-US" sz="2800" b="1" dirty="0">
+              <a:solidFill>
+                <a:srgbClr val="EBFFD2"/>
+              </a:solidFill>
+              <a:effectLst>
+                <a:outerShdw blurRad="38100" dist="38100" dir="2700000" algn="tl">
+                  <a:srgbClr val="000000">
+                    <a:alpha val="43137"/>
+                  </a:srgbClr>
+                </a:outerShdw>
+              </a:effectLst>
+              <a:latin typeface="+mn-lt"/>
+            </a:endParaRPr>
+          </a:p>
+        </p:txBody>
+      </p:sp>
     </p:spTree>
     <p:extLst>
       <p:ext uri="{BB962C8B-B14F-4D97-AF65-F5344CB8AC3E}">
@@ -22535,7 +23426,12 @@
             <p:ph idx="1"/>
           </p:nvPr>
         </p:nvSpPr>
-        <p:spPr/>
+        <p:spPr>
+          <a:xfrm>
+            <a:off x="228600" y="990600"/>
+            <a:ext cx="8686800" cy="5715000"/>
+          </a:xfrm>
+        </p:spPr>
         <p:txBody>
           <a:bodyPr/>
           <a:lstStyle/>
@@ -22557,7 +23453,41 @@
             </a:r>
             <a:r>
               <a:rPr lang="en-US" dirty="0" smtClean="0"/>
-              <a:t>-s, pay attention to the order of the if and else clauses</a:t>
+              <a:t>-s, pay attention to the order of the </a:t>
+            </a:r>
+            <a:r>
+              <a:rPr lang="en-US" dirty="0" smtClean="0">
+                <a:solidFill>
+                  <a:schemeClr val="accent5">
+                    <a:lumMod val="20000"/>
+                    <a:lumOff val="80000"/>
+                  </a:schemeClr>
+                </a:solidFill>
+                <a:latin typeface="Consolas" panose="020B0609020204030204" pitchFamily="49" charset="0"/>
+                <a:cs typeface="Consolas" panose="020B0609020204030204" pitchFamily="49" charset="0"/>
+              </a:rPr>
+              <a:t>if</a:t>
+            </a:r>
+            <a:r>
+              <a:rPr lang="en-US" dirty="0" smtClean="0"/>
+              <a:t> and </a:t>
+            </a:r>
+            <a:r>
+              <a:rPr lang="en-US" dirty="0" smtClean="0">
+                <a:solidFill>
+                  <a:schemeClr val="accent5">
+                    <a:lumMod val="20000"/>
+                    <a:lumOff val="80000"/>
+                  </a:schemeClr>
+                </a:solidFill>
+                <a:latin typeface="Consolas" panose="020B0609020204030204" pitchFamily="49" charset="0"/>
+                <a:cs typeface="Consolas" panose="020B0609020204030204" pitchFamily="49" charset="0"/>
+              </a:rPr>
+              <a:t>else</a:t>
+            </a:r>
+            <a:r>
+              <a:rPr lang="en-US" dirty="0" smtClean="0"/>
+              <a:t> clauses</a:t>
             </a:r>
           </a:p>
           <a:p>
@@ -22767,8 +23697,8 @@
         </p:nvSpPr>
         <p:spPr>
           <a:xfrm>
-            <a:off x="304800" y="1981200"/>
-            <a:ext cx="4953000" cy="1219200"/>
+            <a:off x="228599" y="2133600"/>
+            <a:ext cx="4876801" cy="1219200"/>
           </a:xfrm>
         </p:spPr>
         <p:txBody>
@@ -22800,8 +23730,8 @@
         </p:nvSpPr>
         <p:spPr>
           <a:xfrm>
-            <a:off x="304799" y="3276600"/>
-            <a:ext cx="4876800" cy="1219200"/>
+            <a:off x="228600" y="3276600"/>
+            <a:ext cx="4800600" cy="1219200"/>
           </a:xfrm>
         </p:spPr>
         <p:txBody>
@@ -22811,69 +23741,29 @@
             <a:pPr algn="r"/>
             <a:r>
               <a:rPr lang="en-US" dirty="0" smtClean="0"/>
-              <a:t>Choose appropriate loop type</a:t>
+              <a:t>Choose Appropriate Loop Type</a:t>
             </a:r>
           </a:p>
           <a:p>
             <a:pPr algn="r"/>
             <a:r>
               <a:rPr lang="en-US" dirty="0" smtClean="0"/>
-              <a:t>and don’t forget to break</a:t>
+              <a:t>and Don’t Forget to Break</a:t>
             </a:r>
             <a:endParaRPr lang="en-US" dirty="0"/>
-          </a:p>
-        </p:txBody>
-      </p:sp>
-      <p:sp>
-        <p:nvSpPr>
-          <p:cNvPr id="8" name="TextBox 7"/>
-          <p:cNvSpPr txBox="1"/>
-          <p:nvPr/>
-        </p:nvSpPr>
-        <p:spPr>
-          <a:xfrm>
-            <a:off x="5638800" y="4876800"/>
-            <a:ext cx="3124200" cy="215444"/>
-          </a:xfrm>
-          <a:prstGeom prst="rect">
-            <a:avLst/>
-          </a:prstGeom>
-          <a:noFill/>
-        </p:spPr>
-        <p:txBody>
-          <a:bodyPr wrap="square" rtlCol="0">
-            <a:spAutoFit/>
-          </a:bodyPr>
-          <a:lstStyle/>
-          <a:p>
-            <a:r>
-              <a:rPr lang="en-US" sz="800" dirty="0" smtClean="0"/>
-              <a:t>Source: </a:t>
-            </a:r>
-            <a:r>
-              <a:rPr lang="en-US" sz="800" dirty="0" smtClean="0">
-                <a:hlinkClick r:id="rId2"/>
-              </a:rPr>
-              <a:t>http://www.flickr.com/photos/mismyselfmelissa/3648505061/</a:t>
-            </a:r>
-            <a:r>
-              <a:rPr lang="en-US" sz="800" dirty="0" smtClean="0"/>
-              <a:t> </a:t>
-            </a:r>
-            <a:endParaRPr lang="en-US" sz="800" dirty="0"/>
           </a:p>
         </p:txBody>
       </p:sp>
       <p:pic>
         <p:nvPicPr>
-          <p:cNvPr id="1027" name="Picture 3"/>
+          <p:cNvPr id="1027" name="Picture 3" descr="Source: http://www.flickr.com/photos/mismyselfmelissa/3648505061/ &#10;"/>
           <p:cNvPicPr>
             <a:picLocks noChangeAspect="1" noChangeArrowheads="1"/>
           </p:cNvPicPr>
           <p:nvPr/>
         </p:nvPicPr>
         <p:blipFill>
-          <a:blip r:embed="rId3" cstate="print"/>
+          <a:blip r:embed="rId2" cstate="print"/>
           <a:srcRect/>
           <a:stretch>
             <a:fillRect/>
@@ -22881,7 +23771,7 @@
         </p:blipFill>
         <p:spPr bwMode="auto">
           <a:xfrm>
-            <a:off x="5517452" y="1828800"/>
+            <a:off x="5365053" y="1828800"/>
             <a:ext cx="3245548" cy="3070288"/>
           </a:xfrm>
           <a:prstGeom prst="rect">
@@ -22966,7 +23856,12 @@
             <p:ph idx="1"/>
           </p:nvPr>
         </p:nvSpPr>
-        <p:spPr/>
+        <p:spPr>
+          <a:xfrm>
+            <a:off x="228600" y="990600"/>
+            <a:ext cx="8686800" cy="5715000"/>
+          </a:xfrm>
+        </p:spPr>
         <p:txBody>
           <a:bodyPr/>
           <a:lstStyle/>
@@ -23472,7 +24367,7 @@
         </p:nvSpPr>
         <p:spPr bwMode="auto">
           <a:xfrm>
-            <a:off x="1066800" y="5334000"/>
+            <a:off x="1066800" y="5381500"/>
             <a:ext cx="6781800" cy="685800"/>
           </a:xfrm>
           <a:prstGeom prst="rect">
@@ -23602,7 +24497,7 @@
             </a:pPr>
             <a:r>
               <a:rPr lang="en-US" sz="3000" dirty="0" smtClean="0"/>
-              <a:t>Keep loop’s housekeeping at the start or the end of the loop block</a:t>
+              <a:t>Keep loop’s housekeeping at the start or at the end of the loop block</a:t>
             </a:r>
           </a:p>
           <a:p>
@@ -23770,7 +24665,7 @@
           </a:p>
           <a:p>
             <a:r>
-              <a:rPr lang="en-US" sz="1900" b="1" noProof="1" smtClean="0">
+              <a:rPr lang="en-US" sz="1900" b="1" noProof="1">
                 <a:solidFill>
                   <a:schemeClr val="accent5">
                     <a:lumMod val="20000"/>
@@ -23787,10 +24682,8 @@
                 <a:latin typeface="Consolas" pitchFamily="49" charset="0"/>
                 <a:cs typeface="Consolas" pitchFamily="49" charset="0"/>
               </a:rPr>
-              <a:t>  index += 2;</a:t>
-            </a:r>
-          </a:p>
-          <a:p>
+              <a:t> </a:t>
+            </a:r>
             <a:r>
               <a:rPr lang="en-US" sz="1900" b="1" noProof="1" smtClean="0">
                 <a:solidFill>
@@ -23809,27 +24702,52 @@
                 <a:latin typeface="Consolas" pitchFamily="49" charset="0"/>
                 <a:cs typeface="Consolas" pitchFamily="49" charset="0"/>
               </a:rPr>
+              <a:t> ...</a:t>
+            </a:r>
+          </a:p>
+          <a:p>
+            <a:r>
+              <a:rPr lang="en-US" sz="1900" b="1" noProof="1" smtClean="0">
+                <a:solidFill>
+                  <a:schemeClr val="accent5">
+                    <a:lumMod val="20000"/>
+                    <a:lumOff val="80000"/>
+                  </a:schemeClr>
+                </a:solidFill>
+                <a:effectLst>
+                  <a:outerShdw blurRad="38100" dist="38100" dir="2700000" algn="tl">
+                    <a:srgbClr val="000000">
+                      <a:alpha val="43137"/>
+                    </a:srgbClr>
+                  </a:outerShdw>
+                </a:effectLst>
+                <a:latin typeface="Consolas" pitchFamily="49" charset="0"/>
+                <a:cs typeface="Consolas" pitchFamily="49" charset="0"/>
+              </a:rPr>
+              <a:t>  index += 2;</a:t>
+            </a:r>
+          </a:p>
+          <a:p>
+            <a:r>
+              <a:rPr lang="en-US" sz="1900" b="1" noProof="1" smtClean="0">
+                <a:solidFill>
+                  <a:schemeClr val="accent5">
+                    <a:lumMod val="20000"/>
+                    <a:lumOff val="80000"/>
+                  </a:schemeClr>
+                </a:solidFill>
+                <a:effectLst>
+                  <a:outerShdw blurRad="38100" dist="38100" dir="2700000" algn="tl">
+                    <a:srgbClr val="000000">
+                      <a:alpha val="43137"/>
+                    </a:srgbClr>
+                  </a:outerShdw>
+                </a:effectLst>
+                <a:latin typeface="Consolas" pitchFamily="49" charset="0"/>
+                <a:cs typeface="Consolas" pitchFamily="49" charset="0"/>
+              </a:rPr>
               <a:t>}</a:t>
             </a:r>
-          </a:p>
-          <a:p>
-            <a:endParaRPr lang="en-US" sz="1900" b="1" noProof="1" smtClean="0">
-              <a:solidFill>
-                <a:schemeClr val="accent5">
-                  <a:lumMod val="20000"/>
-                  <a:lumOff val="80000"/>
-                </a:schemeClr>
-              </a:solidFill>
-              <a:effectLst>
-                <a:outerShdw blurRad="38100" dist="38100" dir="2700000" algn="tl">
-                  <a:srgbClr val="000000">
-                    <a:alpha val="43137"/>
-                  </a:srgbClr>
-                </a:outerShdw>
-              </a:effectLst>
-              <a:latin typeface="Consolas" pitchFamily="49" charset="0"/>
-              <a:cs typeface="Consolas" pitchFamily="49" charset="0"/>
-            </a:endParaRPr>
           </a:p>
         </p:txBody>
       </p:sp>
@@ -23874,7 +24792,7 @@
             <a:r>
               <a:rPr lang="en-US" sz="1900" b="1" noProof="1" smtClean="0">
                 <a:solidFill>
-                  <a:schemeClr val="accent3">
+                  <a:schemeClr val="accent2">
                     <a:lumMod val="40000"/>
                     <a:lumOff val="60000"/>
                   </a:schemeClr>
@@ -23896,7 +24814,7 @@
             <a:r>
               <a:rPr lang="en-US" sz="1900" b="1" noProof="1" smtClean="0">
                 <a:solidFill>
-                  <a:schemeClr val="accent3">
+                  <a:schemeClr val="accent2">
                     <a:lumMod val="40000"/>
                     <a:lumOff val="60000"/>
                   </a:schemeClr>
@@ -23918,7 +24836,7 @@
             <a:r>
               <a:rPr lang="en-US" sz="1900" b="1" noProof="1" smtClean="0">
                 <a:solidFill>
-                  <a:schemeClr val="accent3">
+                  <a:schemeClr val="accent2">
                     <a:lumMod val="40000"/>
                     <a:lumOff val="60000"/>
                   </a:schemeClr>
@@ -23940,7 +24858,7 @@
             <a:r>
               <a:rPr lang="en-US" sz="1900" b="1" noProof="1" smtClean="0">
                 <a:solidFill>
-                  <a:schemeClr val="accent3">
+                  <a:schemeClr val="accent2">
                     <a:lumMod val="40000"/>
                     <a:lumOff val="60000"/>
                   </a:schemeClr>
@@ -23962,7 +24880,7 @@
             <a:r>
               <a:rPr lang="en-US" sz="1900" b="1" noProof="1" smtClean="0">
                 <a:solidFill>
-                  <a:schemeClr val="accent3">
+                  <a:schemeClr val="accent2">
                     <a:lumMod val="40000"/>
                     <a:lumOff val="60000"/>
                   </a:schemeClr>
@@ -23984,7 +24902,7 @@
             <a:r>
               <a:rPr lang="en-US" sz="1900" b="1" noProof="1" smtClean="0">
                 <a:solidFill>
-                  <a:schemeClr val="accent3">
+                  <a:schemeClr val="accent2">
                     <a:lumMod val="40000"/>
                     <a:lumOff val="60000"/>
                   </a:schemeClr>
@@ -24045,7 +24963,7 @@
             <a:r>
               <a:rPr lang="en-US" sz="1900" b="1" noProof="1" smtClean="0">
                 <a:solidFill>
-                  <a:schemeClr val="accent3">
+                  <a:schemeClr val="accent2">
                     <a:lumMod val="40000"/>
                     <a:lumOff val="60000"/>
                   </a:schemeClr>
@@ -24067,7 +24985,7 @@
             <a:r>
               <a:rPr lang="en-US" sz="1900" b="1" noProof="1" smtClean="0">
                 <a:solidFill>
-                  <a:schemeClr val="accent3">
+                  <a:schemeClr val="accent2">
                     <a:lumMod val="40000"/>
                     <a:lumOff val="60000"/>
                   </a:schemeClr>
@@ -24089,7 +25007,7 @@
             <a:r>
               <a:rPr lang="en-US" sz="1900" b="1" noProof="1" smtClean="0">
                 <a:solidFill>
-                  <a:schemeClr val="accent3">
+                  <a:schemeClr val="accent2">
                     <a:lumMod val="40000"/>
                     <a:lumOff val="60000"/>
                   </a:schemeClr>
@@ -24111,7 +25029,7 @@
             <a:r>
               <a:rPr lang="en-US" sz="1900" b="1" noProof="1" smtClean="0">
                 <a:solidFill>
-                  <a:schemeClr val="accent3">
+                  <a:schemeClr val="accent2">
                     <a:lumMod val="40000"/>
                     <a:lumOff val="60000"/>
                   </a:schemeClr>
@@ -24133,7 +25051,7 @@
             <a:r>
               <a:rPr lang="en-US" sz="1900" b="1" noProof="1" smtClean="0">
                 <a:solidFill>
-                  <a:schemeClr val="accent3">
+                  <a:schemeClr val="accent2">
                     <a:lumMod val="40000"/>
                     <a:lumOff val="60000"/>
                   </a:schemeClr>
@@ -24368,7 +25286,7 @@
           <p:nvPr/>
         </p:nvPicPr>
         <p:blipFill>
-          <a:blip r:embed="rId4">
+          <a:blip r:embed="rId4" cstate="screen">
             <a:extLst>
               <a:ext uri="{28A0092B-C50C-407E-A947-70E740481C1C}">
                 <a14:useLocalDpi xmlns:a14="http://schemas.microsoft.com/office/drawing/2010/main"/>
@@ -24475,7 +25393,7 @@
           <p:nvPr/>
         </p:nvPicPr>
         <p:blipFill>
-          <a:blip r:embed="rId4">
+          <a:blip r:embed="rId4" cstate="screen">
             <a:extLst>
               <a:ext uri="{28A0092B-C50C-407E-A947-70E740481C1C}">
                 <a14:useLocalDpi xmlns:a14="http://schemas.microsoft.com/office/drawing/2010/main"/>
@@ -24647,25 +25565,6 @@
               <a:t>C# – access to modified closure</a:t>
             </a:r>
           </a:p>
-          <a:p>
-            <a:pPr eaLnBrk="1" hangingPunct="1">
-              <a:defRPr/>
-            </a:pPr>
-            <a:endParaRPr lang="en-US" dirty="0" smtClean="0"/>
-          </a:p>
-          <a:p>
-            <a:pPr eaLnBrk="1" hangingPunct="1">
-              <a:defRPr/>
-            </a:pPr>
-            <a:endParaRPr lang="en-US" dirty="0" smtClean="0"/>
-          </a:p>
-          <a:p>
-            <a:pPr eaLnBrk="1" hangingPunct="1">
-              <a:buNone/>
-              <a:defRPr/>
-            </a:pPr>
-            <a:endParaRPr lang="en-US" dirty="0" smtClean="0"/>
-          </a:p>
         </p:txBody>
       </p:sp>
       <p:sp>
@@ -24708,7 +25607,7 @@
         <p:spPr bwMode="auto">
           <a:xfrm>
             <a:off x="685800" y="3016984"/>
-            <a:ext cx="6629400" cy="1631216"/>
+            <a:ext cx="7772400" cy="1631216"/>
           </a:xfrm>
           <a:prstGeom prst="rect">
             <a:avLst/>
@@ -24856,8 +25755,8 @@
         </p:nvSpPr>
         <p:spPr bwMode="auto">
           <a:xfrm>
-            <a:off x="685800" y="1752600"/>
-            <a:ext cx="6629400" cy="1015663"/>
+            <a:off x="685800" y="1676400"/>
+            <a:ext cx="7772400" cy="1015663"/>
           </a:xfrm>
           <a:prstGeom prst="rect">
             <a:avLst/>
@@ -24887,7 +25786,7 @@
             <a:r>
               <a:rPr lang="en-US" sz="2000" b="1" noProof="1" smtClean="0">
                 <a:solidFill>
-                  <a:schemeClr val="accent3">
+                  <a:schemeClr val="accent2">
                     <a:lumMod val="40000"/>
                     <a:lumOff val="60000"/>
                   </a:schemeClr>
@@ -24909,7 +25808,7 @@
             <a:r>
               <a:rPr lang="en-US" sz="2000" b="1" noProof="1" smtClean="0">
                 <a:solidFill>
-                  <a:schemeClr val="accent3">
+                  <a:schemeClr val="accent2">
                     <a:lumMod val="40000"/>
                     <a:lumOff val="60000"/>
                   </a:schemeClr>
@@ -24931,7 +25830,7 @@
             <a:r>
               <a:rPr lang="en-US" sz="2000" b="1" noProof="1" smtClean="0">
                 <a:solidFill>
-                  <a:schemeClr val="accent3">
+                  <a:schemeClr val="accent2">
                     <a:lumMod val="40000"/>
                     <a:lumOff val="60000"/>
                   </a:schemeClr>
@@ -24983,7 +25882,7 @@
         </p:blipFill>
         <p:spPr bwMode="auto">
           <a:xfrm>
-            <a:off x="6829336" y="2272576"/>
+            <a:off x="8010436" y="1533436"/>
             <a:ext cx="600164" cy="600164"/>
           </a:xfrm>
           <a:prstGeom prst="rect">
@@ -25017,7 +25916,7 @@
           <p:nvPr/>
         </p:nvPicPr>
         <p:blipFill>
-          <a:blip r:embed="rId5">
+          <a:blip r:embed="rId5" cstate="screen">
             <a:extLst>
               <a:ext uri="{28A0092B-C50C-407E-A947-70E740481C1C}">
                 <a14:useLocalDpi xmlns:a14="http://schemas.microsoft.com/office/drawing/2010/main"/>
@@ -25031,7 +25930,7 @@
         </p:blipFill>
         <p:spPr bwMode="auto">
           <a:xfrm>
-            <a:off x="6829337" y="4182933"/>
+            <a:off x="8010437" y="2905036"/>
             <a:ext cx="600163" cy="600164"/>
           </a:xfrm>
           <a:prstGeom prst="rect">
@@ -25112,7 +26011,7 @@
           <a:p>
             <a:r>
               <a:rPr lang="en-US" dirty="0" smtClean="0"/>
-              <a:t>Straight-line Code</a:t>
+              <a:t>Straight-Line Code</a:t>
             </a:r>
             <a:endParaRPr lang="en-US" dirty="0"/>
           </a:p>
@@ -25167,7 +26066,14 @@
               </a:lnSpc>
             </a:pPr>
             <a:r>
-              <a:rPr lang="en-US" dirty="0" smtClean="0"/>
+              <a:rPr lang="en-US" dirty="0" smtClean="0">
+                <a:solidFill>
+                  <a:schemeClr val="accent5">
+                    <a:lumMod val="20000"/>
+                    <a:lumOff val="80000"/>
+                  </a:schemeClr>
+                </a:solidFill>
+              </a:rPr>
               <a:t>Make dependencies obvious</a:t>
             </a:r>
           </a:p>
@@ -25397,7 +26303,7 @@
             <a:r>
               <a:rPr lang="en-US" sz="2000" b="1" noProof="1" smtClean="0">
                 <a:solidFill>
-                  <a:schemeClr val="accent3">
+                  <a:schemeClr val="accent2">
                     <a:lumMod val="40000"/>
                     <a:lumOff val="60000"/>
                   </a:schemeClr>
@@ -25419,7 +26325,7 @@
             <a:r>
               <a:rPr lang="en-US" sz="2000" b="1" noProof="1" smtClean="0">
                 <a:solidFill>
-                  <a:schemeClr val="accent3">
+                  <a:schemeClr val="accent2">
                     <a:lumMod val="40000"/>
                     <a:lumOff val="60000"/>
                   </a:schemeClr>
@@ -25441,7 +26347,7 @@
             <a:r>
               <a:rPr lang="en-US" sz="2000" b="1" noProof="1" smtClean="0">
                 <a:solidFill>
-                  <a:schemeClr val="accent3">
+                  <a:schemeClr val="accent2">
                     <a:lumMod val="40000"/>
                     <a:lumOff val="60000"/>
                   </a:schemeClr>
@@ -25633,7 +26539,7 @@
             </a:r>
             <a:r>
               <a:rPr lang="en-US" dirty="0" smtClean="0"/>
-              <a:t> Loop</a:t>
+              <a:t>-Loop</a:t>
             </a:r>
             <a:endParaRPr lang="en-US" dirty="0"/>
           </a:p>
@@ -25663,13 +26569,47 @@
             <a:pPr lvl="1"/>
             <a:r>
               <a:rPr lang="en-US" dirty="0" smtClean="0"/>
-              <a:t>Use while loop with break instead</a:t>
-            </a:r>
-          </a:p>
-          <a:p>
+              <a:t>Use </a:t>
+            </a:r>
+            <a:r>
+              <a:rPr lang="en-US" dirty="0" smtClean="0">
+                <a:solidFill>
+                  <a:schemeClr val="accent5">
+                    <a:lumMod val="20000"/>
+                    <a:lumOff val="80000"/>
+                  </a:schemeClr>
+                </a:solidFill>
+                <a:latin typeface="Consolas" panose="020B0609020204030204" pitchFamily="49" charset="0"/>
+                <a:cs typeface="Consolas" panose="020B0609020204030204" pitchFamily="49" charset="0"/>
+              </a:rPr>
+              <a:t>while</a:t>
+            </a:r>
             <a:r>
               <a:rPr lang="en-US" dirty="0" smtClean="0"/>
-              <a:t>Put only the controlling statements in the for header</a:t>
+              <a:t>-loop with </a:t>
+            </a:r>
+            <a:r>
+              <a:rPr lang="en-US" dirty="0" smtClean="0">
+                <a:solidFill>
+                  <a:schemeClr val="accent5">
+                    <a:lumMod val="20000"/>
+                    <a:lumOff val="80000"/>
+                  </a:schemeClr>
+                </a:solidFill>
+                <a:latin typeface="Consolas" panose="020B0609020204030204" pitchFamily="49" charset="0"/>
+                <a:cs typeface="Consolas" panose="020B0609020204030204" pitchFamily="49" charset="0"/>
+              </a:rPr>
+              <a:t>break</a:t>
+            </a:r>
+            <a:r>
+              <a:rPr lang="en-US" dirty="0" smtClean="0"/>
+              <a:t> instead</a:t>
+            </a:r>
+          </a:p>
+          <a:p>
+            <a:r>
+              <a:rPr lang="en-US" dirty="0" smtClean="0"/>
+              <a:t>Put only the controlling statements in the loop header</a:t>
             </a:r>
           </a:p>
           <a:p>
@@ -25752,7 +26692,7 @@
             <a:r>
               <a:rPr lang="en-US" sz="2000" b="1" noProof="1" smtClean="0">
                 <a:solidFill>
-                  <a:schemeClr val="accent3">
+                  <a:schemeClr val="accent2">
                     <a:lumMod val="40000"/>
                     <a:lumOff val="60000"/>
                   </a:schemeClr>
@@ -25767,14 +26707,14 @@
                 <a:latin typeface="Consolas" pitchFamily="49" charset="0"/>
                 <a:cs typeface="Consolas" pitchFamily="49" charset="0"/>
               </a:rPr>
-              <a:t>for(i = 0, sum = 0; </a:t>
+              <a:t>for (i = 0, sum = 0; </a:t>
             </a:r>
           </a:p>
           <a:p>
             <a:r>
               <a:rPr lang="en-US" sz="2000" b="1" noProof="1" smtClean="0">
                 <a:solidFill>
-                  <a:schemeClr val="accent3">
+                  <a:schemeClr val="accent2">
                     <a:lumMod val="40000"/>
                     <a:lumOff val="60000"/>
                   </a:schemeClr>
@@ -25789,14 +26729,14 @@
                 <a:latin typeface="Consolas" pitchFamily="49" charset="0"/>
                 <a:cs typeface="Consolas" pitchFamily="49" charset="0"/>
               </a:rPr>
-              <a:t>     i &lt; length; </a:t>
+              <a:t>  i &lt; length; </a:t>
             </a:r>
           </a:p>
           <a:p>
             <a:r>
               <a:rPr lang="en-US" sz="2000" b="1" noProof="1" smtClean="0">
                 <a:solidFill>
-                  <a:schemeClr val="accent3">
+                  <a:schemeClr val="accent2">
                     <a:lumMod val="40000"/>
                     <a:lumOff val="60000"/>
                   </a:schemeClr>
@@ -25811,14 +26751,14 @@
                 <a:latin typeface="Consolas" pitchFamily="49" charset="0"/>
                 <a:cs typeface="Consolas" pitchFamily="49" charset="0"/>
               </a:rPr>
-              <a:t>     sum += arr[i], i++)</a:t>
+              <a:t>  sum += arr[i], i++)</a:t>
             </a:r>
           </a:p>
           <a:p>
             <a:r>
               <a:rPr lang="en-US" sz="2000" b="1" noProof="1" smtClean="0">
                 <a:solidFill>
-                  <a:schemeClr val="accent3">
+                  <a:schemeClr val="accent2">
                     <a:lumMod val="40000"/>
                     <a:lumOff val="60000"/>
                   </a:schemeClr>
@@ -25840,7 +26780,7 @@
             <a:r>
               <a:rPr lang="en-US" sz="2000" b="1" noProof="1" smtClean="0">
                 <a:solidFill>
-                  <a:schemeClr val="accent3">
+                  <a:schemeClr val="accent2">
                     <a:lumMod val="40000"/>
                     <a:lumOff val="60000"/>
                   </a:schemeClr>
@@ -25862,7 +26802,7 @@
             <a:r>
               <a:rPr lang="en-US" sz="2000" b="1" noProof="1" smtClean="0">
                 <a:solidFill>
-                  <a:schemeClr val="accent3">
+                  <a:schemeClr val="accent2">
                     <a:lumMod val="40000"/>
                     <a:lumOff val="60000"/>
                   </a:schemeClr>
@@ -25960,7 +26900,7 @@
                 <a:latin typeface="Consolas" pitchFamily="49" charset="0"/>
                 <a:cs typeface="Consolas" pitchFamily="49" charset="0"/>
               </a:rPr>
-              <a:t>for(i = 0; i &lt; length; i++)</a:t>
+              <a:t>for (i = 0; i &lt; length; i++)</a:t>
             </a:r>
           </a:p>
           <a:p>
@@ -26082,7 +27022,7 @@
         </p:blipFill>
         <p:spPr bwMode="auto">
           <a:xfrm>
-            <a:off x="3697516" y="4015740"/>
+            <a:off x="3697516" y="3909950"/>
             <a:ext cx="600164" cy="600164"/>
           </a:xfrm>
           <a:prstGeom prst="rect">
@@ -26116,7 +27056,7 @@
           <p:nvPr/>
         </p:nvPicPr>
         <p:blipFill>
-          <a:blip r:embed="rId4">
+          <a:blip r:embed="rId4" cstate="screen">
             <a:extLst>
               <a:ext uri="{28A0092B-C50C-407E-A947-70E740481C1C}">
                 <a14:useLocalDpi xmlns:a14="http://schemas.microsoft.com/office/drawing/2010/main"/>
@@ -26204,7 +27144,18 @@
           <a:p>
             <a:r>
               <a:rPr lang="en-US" dirty="0" smtClean="0"/>
-              <a:t>Loops: Tips on for loop(2)</a:t>
+              <a:t>Loops: Tips on </a:t>
+            </a:r>
+            <a:r>
+              <a:rPr lang="en-US" dirty="0" smtClean="0">
+                <a:latin typeface="Consolas" panose="020B0609020204030204" pitchFamily="49" charset="0"/>
+                <a:cs typeface="Consolas" panose="020B0609020204030204" pitchFamily="49" charset="0"/>
+              </a:rPr>
+              <a:t>for</a:t>
+            </a:r>
+            <a:r>
+              <a:rPr lang="en-US" dirty="0" smtClean="0"/>
+              <a:t>-Loop(2)</a:t>
             </a:r>
             <a:endParaRPr lang="en-US" dirty="0"/>
           </a:p>
@@ -26280,8 +27231,8 @@
         </p:nvSpPr>
         <p:spPr bwMode="auto">
           <a:xfrm>
-            <a:off x="304800" y="2057400"/>
-            <a:ext cx="4191000" cy="4401205"/>
+            <a:off x="366686" y="2104900"/>
+            <a:ext cx="4114800" cy="4401205"/>
           </a:xfrm>
           <a:prstGeom prst="rect">
             <a:avLst/>
@@ -26311,7 +27262,7 @@
             <a:r>
               <a:rPr lang="en-US" sz="2000" b="1" noProof="1" smtClean="0">
                 <a:solidFill>
-                  <a:schemeClr val="accent3">
+                  <a:schemeClr val="accent2">
                     <a:lumMod val="40000"/>
                     <a:lumOff val="60000"/>
                   </a:schemeClr>
@@ -26333,7 +27284,7 @@
             <a:r>
               <a:rPr lang="en-US" sz="2000" b="1" noProof="1" smtClean="0">
                 <a:solidFill>
-                  <a:schemeClr val="accent3">
+                  <a:schemeClr val="accent2">
                     <a:lumMod val="40000"/>
                     <a:lumOff val="60000"/>
                   </a:schemeClr>
@@ -26355,7 +27306,7 @@
             <a:r>
               <a:rPr lang="en-US" sz="2000" b="1" noProof="1" smtClean="0">
                 <a:solidFill>
-                  <a:schemeClr val="accent3">
+                  <a:schemeClr val="accent2">
                     <a:lumMod val="40000"/>
                     <a:lumOff val="60000"/>
                   </a:schemeClr>
@@ -26377,7 +27328,7 @@
             <a:r>
               <a:rPr lang="en-US" sz="2000" b="1" noProof="1" smtClean="0">
                 <a:solidFill>
-                  <a:schemeClr val="accent3">
+                  <a:schemeClr val="accent2">
                     <a:lumMod val="40000"/>
                     <a:lumOff val="60000"/>
                   </a:schemeClr>
@@ -26399,7 +27350,7 @@
             <a:r>
               <a:rPr lang="en-US" sz="2000" b="1" noProof="1" smtClean="0">
                 <a:solidFill>
-                  <a:schemeClr val="accent3">
+                  <a:schemeClr val="accent2">
                     <a:lumMod val="40000"/>
                     <a:lumOff val="60000"/>
                   </a:schemeClr>
@@ -26421,7 +27372,7 @@
             <a:r>
               <a:rPr lang="en-US" sz="2000" b="1" noProof="1" smtClean="0">
                 <a:solidFill>
-                  <a:schemeClr val="accent3">
+                  <a:schemeClr val="accent2">
                     <a:lumMod val="40000"/>
                     <a:lumOff val="60000"/>
                   </a:schemeClr>
@@ -26443,7 +27394,7 @@
             <a:r>
               <a:rPr lang="en-US" sz="2000" b="1" noProof="1" smtClean="0">
                 <a:solidFill>
-                  <a:schemeClr val="accent3">
+                  <a:schemeClr val="accent2">
                     <a:lumMod val="40000"/>
                     <a:lumOff val="60000"/>
                   </a:schemeClr>
@@ -26464,7 +27415,7 @@
           <a:p>
             <a:endParaRPr lang="en-US" sz="2000" b="1" noProof="1" smtClean="0">
               <a:solidFill>
-                <a:schemeClr val="accent3">
+                <a:schemeClr val="accent2">
                   <a:lumMod val="40000"/>
                   <a:lumOff val="60000"/>
                 </a:schemeClr>
@@ -26484,7 +27435,7 @@
             <a:r>
               <a:rPr lang="en-US" sz="2000" b="1" noProof="1" smtClean="0">
                 <a:solidFill>
-                  <a:schemeClr val="accent3">
+                  <a:schemeClr val="accent2">
                     <a:lumMod val="40000"/>
                     <a:lumOff val="60000"/>
                   </a:schemeClr>
@@ -26506,7 +27457,7 @@
             <a:r>
               <a:rPr lang="en-US" sz="2000" b="1" noProof="1" smtClean="0">
                 <a:solidFill>
-                  <a:schemeClr val="accent3">
+                  <a:schemeClr val="accent2">
                     <a:lumMod val="40000"/>
                     <a:lumOff val="60000"/>
                   </a:schemeClr>
@@ -26527,7 +27478,7 @@
           <a:p>
             <a:endParaRPr lang="en-US" sz="2000" b="1" noProof="1" smtClean="0">
               <a:solidFill>
-                <a:schemeClr val="accent3">
+                <a:schemeClr val="accent2">
                   <a:lumMod val="40000"/>
                   <a:lumOff val="60000"/>
                 </a:schemeClr>
@@ -26547,7 +27498,7 @@
             <a:r>
               <a:rPr lang="en-US" sz="2000" b="1" noProof="1" smtClean="0">
                 <a:solidFill>
-                  <a:schemeClr val="accent3">
+                  <a:schemeClr val="accent2">
                     <a:lumMod val="40000"/>
                     <a:lumOff val="60000"/>
                   </a:schemeClr>
@@ -26568,7 +27519,7 @@
           <a:p>
             <a:endParaRPr lang="en-US" sz="2000" b="1" noProof="1">
               <a:solidFill>
-                <a:schemeClr val="accent3">
+                <a:schemeClr val="accent2">
                   <a:lumMod val="40000"/>
                   <a:lumOff val="60000"/>
                 </a:schemeClr>
@@ -26587,7 +27538,7 @@
           <a:p>
             <a:endParaRPr lang="en-US" sz="2000" b="1" noProof="1" smtClean="0">
               <a:solidFill>
-                <a:schemeClr val="accent3">
+                <a:schemeClr val="accent2">
                   <a:lumMod val="40000"/>
                   <a:lumOff val="60000"/>
                 </a:schemeClr>
@@ -26615,7 +27566,7 @@
         </p:nvSpPr>
         <p:spPr bwMode="auto">
           <a:xfrm>
-            <a:off x="4724400" y="2057400"/>
+            <a:off x="4700650" y="2104900"/>
             <a:ext cx="4114800" cy="4401205"/>
           </a:xfrm>
           <a:prstGeom prst="rect">
@@ -26978,7 +27929,7 @@
         </p:blipFill>
         <p:spPr bwMode="auto">
           <a:xfrm>
-            <a:off x="4002316" y="5968276"/>
+            <a:off x="4024286" y="6015776"/>
             <a:ext cx="600164" cy="600164"/>
           </a:xfrm>
           <a:prstGeom prst="rect">
@@ -27012,7 +27963,7 @@
           <p:nvPr/>
         </p:nvPicPr>
         <p:blipFill>
-          <a:blip r:embed="rId4">
+          <a:blip r:embed="rId4" cstate="screen">
             <a:extLst>
               <a:ext uri="{28A0092B-C50C-407E-A947-70E740481C1C}">
                 <a14:useLocalDpi xmlns:a14="http://schemas.microsoft.com/office/drawing/2010/main"/>
@@ -27026,7 +27977,7 @@
         </p:blipFill>
         <p:spPr bwMode="auto">
           <a:xfrm>
-            <a:off x="8305800" y="5968276"/>
+            <a:off x="8282050" y="6015776"/>
             <a:ext cx="600163" cy="600164"/>
           </a:xfrm>
           <a:prstGeom prst="rect">
@@ -27161,6 +28112,8 @@
                     <a:lumOff val="80000"/>
                   </a:schemeClr>
                 </a:solidFill>
+                <a:latin typeface="Consolas" panose="020B0609020204030204" pitchFamily="49" charset="0"/>
+                <a:cs typeface="Consolas" panose="020B0609020204030204" pitchFamily="49" charset="0"/>
               </a:rPr>
               <a:t>continue</a:t>
             </a:r>
@@ -27176,6 +28129,8 @@
                     <a:lumOff val="80000"/>
                   </a:schemeClr>
                 </a:solidFill>
+                <a:latin typeface="Consolas" panose="020B0609020204030204" pitchFamily="49" charset="0"/>
+                <a:cs typeface="Consolas" panose="020B0609020204030204" pitchFamily="49" charset="0"/>
               </a:rPr>
               <a:t>if</a:t>
             </a:r>
@@ -27190,19 +28145,21 @@
               <a:t>Avoid loops with lots of </a:t>
             </a:r>
             <a:r>
-              <a:rPr lang="en-US" dirty="0">
+              <a:rPr lang="en-US" dirty="0" smtClean="0">
                 <a:solidFill>
                   <a:schemeClr val="accent6">
                     <a:lumMod val="20000"/>
                     <a:lumOff val="80000"/>
                   </a:schemeClr>
                 </a:solidFill>
-              </a:rPr>
-              <a:t>brakes</a:t>
+                <a:latin typeface="Consolas" panose="020B0609020204030204" pitchFamily="49" charset="0"/>
+                <a:cs typeface="Consolas" panose="020B0609020204030204" pitchFamily="49" charset="0"/>
+              </a:rPr>
+              <a:t>brake</a:t>
             </a:r>
             <a:r>
               <a:rPr lang="en-US" dirty="0" smtClean="0"/>
-              <a:t> scattered trough it</a:t>
+              <a:t>-s scattered trough it</a:t>
             </a:r>
           </a:p>
           <a:p>
@@ -27218,6 +28175,8 @@
                     <a:lumOff val="80000"/>
                   </a:schemeClr>
                 </a:solidFill>
+                <a:latin typeface="Consolas" panose="020B0609020204030204" pitchFamily="49" charset="0"/>
+                <a:cs typeface="Consolas" panose="020B0609020204030204" pitchFamily="49" charset="0"/>
               </a:rPr>
               <a:t>break</a:t>
             </a:r>
@@ -27233,6 +28192,8 @@
                     <a:lumOff val="80000"/>
                   </a:schemeClr>
                 </a:solidFill>
+                <a:latin typeface="Consolas" panose="020B0609020204030204" pitchFamily="49" charset="0"/>
+                <a:cs typeface="Consolas" panose="020B0609020204030204" pitchFamily="49" charset="0"/>
               </a:rPr>
               <a:t>continue</a:t>
             </a:r>
@@ -27288,7 +28249,7 @@
         </p:blipFill>
         <p:spPr>
           <a:xfrm>
-            <a:off x="2914593" y="4038600"/>
+            <a:off x="2914593" y="4114800"/>
             <a:ext cx="3314814" cy="2207666"/>
           </a:xfrm>
           <a:prstGeom prst="ellipse">
@@ -27374,7 +28335,7 @@
           <a:p>
             <a:r>
               <a:rPr lang="en-US" dirty="0" smtClean="0"/>
-              <a:t>How Long Should a Loop Be</a:t>
+              <a:t>How Long Should a Loop Be?</a:t>
             </a:r>
             <a:endParaRPr lang="en-US" dirty="0"/>
           </a:p>
@@ -27402,7 +28363,22 @@
           <a:p>
             <a:r>
               <a:rPr lang="en-US" dirty="0" smtClean="0"/>
-              <a:t>Try to make the loops short enough to view all at once</a:t>
+              <a:t>Try to make the loops </a:t>
+            </a:r>
+            <a:r>
+              <a:rPr lang="en-US" dirty="0" smtClean="0">
+                <a:solidFill>
+                  <a:schemeClr val="accent5">
+                    <a:lumMod val="20000"/>
+                    <a:lumOff val="80000"/>
+                  </a:schemeClr>
+                </a:solidFill>
+              </a:rPr>
+              <a:t>short enough </a:t>
+            </a:r>
+            <a:r>
+              <a:rPr lang="en-US" dirty="0" smtClean="0"/>
+              <a:t>to view it all at once (one screen)</a:t>
             </a:r>
           </a:p>
           <a:p>
@@ -27483,7 +28459,7 @@
                 </a14:imgProps>
               </a:ext>
               <a:ext uri="{28A0092B-C50C-407E-A947-70E740481C1C}">
-                <a14:useLocalDpi xmlns:a14="http://schemas.microsoft.com/office/drawing/2010/main" val="0"/>
+                <a14:useLocalDpi xmlns:a14="http://schemas.microsoft.com/office/drawing/2010/main"/>
               </a:ext>
             </a:extLst>
           </a:blip>
@@ -27494,7 +28470,7 @@
         </p:blipFill>
         <p:spPr bwMode="auto">
           <a:xfrm rot="5400000">
-            <a:off x="5240122" y="3258922"/>
+            <a:off x="5392522" y="3258922"/>
             <a:ext cx="2549956" cy="3581400"/>
           </a:xfrm>
           <a:prstGeom prst="rect">
@@ -27570,8 +28546,8 @@
         </p:nvSpPr>
         <p:spPr>
           <a:xfrm>
-            <a:off x="228601" y="1981200"/>
-            <a:ext cx="5181600" cy="1219200"/>
+            <a:off x="463062" y="1752600"/>
+            <a:ext cx="4572000" cy="1219200"/>
           </a:xfrm>
         </p:spPr>
         <p:txBody>
@@ -27604,7 +28580,7 @@
         <p:spPr>
           <a:xfrm>
             <a:off x="457200" y="3276600"/>
-            <a:ext cx="4876800" cy="1219200"/>
+            <a:ext cx="4501661" cy="1219200"/>
           </a:xfrm>
         </p:spPr>
         <p:txBody>
@@ -27614,63 +28590,29 @@
             <a:pPr algn="r"/>
             <a:r>
               <a:rPr lang="en-US" dirty="0" smtClean="0"/>
-              <a:t>To understand recursion, one must first understand recursion</a:t>
+              <a:t>To Understand Recursion,</a:t>
+            </a:r>
+            <a:br>
+              <a:rPr lang="en-US" dirty="0" smtClean="0"/>
+            </a:br>
+            <a:r>
+              <a:rPr lang="en-US" dirty="0" smtClean="0"/>
+              <a:t>One Must First Understand Recursion</a:t>
             </a:r>
             <a:endParaRPr lang="en-US" dirty="0"/>
-          </a:p>
-        </p:txBody>
-      </p:sp>
-      <p:sp>
-        <p:nvSpPr>
-          <p:cNvPr id="8" name="TextBox 7"/>
-          <p:cNvSpPr txBox="1"/>
-          <p:nvPr/>
-        </p:nvSpPr>
-        <p:spPr>
-          <a:xfrm>
-            <a:off x="5638800" y="4737556"/>
-            <a:ext cx="3124200" cy="215444"/>
-          </a:xfrm>
-          <a:prstGeom prst="rect">
-            <a:avLst/>
-          </a:prstGeom>
-          <a:noFill/>
-        </p:spPr>
-        <p:txBody>
-          <a:bodyPr wrap="square" rtlCol="0">
-            <a:spAutoFit/>
-          </a:bodyPr>
-          <a:lstStyle/>
-          <a:p>
-            <a:pPr algn="r"/>
-            <a:r>
-              <a:rPr lang="en-US" sz="800" dirty="0" smtClean="0"/>
-              <a:t>Source: </a:t>
-            </a:r>
-            <a:r>
-              <a:rPr lang="en-US" sz="800" dirty="0" smtClean="0">
-                <a:hlinkClick r:id="rId2"/>
-              </a:rPr>
-              <a:t>http://www.flickr.com/photos/sbprzd/183419808/</a:t>
-            </a:r>
-            <a:r>
-              <a:rPr lang="en-US" sz="800" dirty="0" smtClean="0"/>
-              <a:t>  </a:t>
-            </a:r>
-            <a:endParaRPr lang="en-US" sz="800" dirty="0"/>
           </a:p>
         </p:txBody>
       </p:sp>
       <p:pic>
         <p:nvPicPr>
-          <p:cNvPr id="2058" name="Picture 10"/>
+          <p:cNvPr id="2058" name="Picture 10" descr="Source: http://www.flickr.com/photos/sbprzd/183419808/  &#10;"/>
           <p:cNvPicPr>
             <a:picLocks noChangeAspect="1" noChangeArrowheads="1"/>
           </p:cNvPicPr>
           <p:nvPr/>
         </p:nvPicPr>
         <p:blipFill>
-          <a:blip r:embed="rId3" cstate="print"/>
+          <a:blip r:embed="rId2" cstate="print"/>
           <a:srcRect/>
           <a:stretch>
             <a:fillRect/>
@@ -27678,7 +28620,7 @@
         </p:blipFill>
         <p:spPr bwMode="auto">
           <a:xfrm>
-            <a:off x="5562600" y="1537156"/>
+            <a:off x="5187462" y="1537156"/>
             <a:ext cx="3200400" cy="3200400"/>
           </a:xfrm>
           <a:prstGeom prst="rect">
@@ -27747,7 +28689,18 @@
           <a:p>
             <a:r>
               <a:rPr lang="en-US" dirty="0" smtClean="0"/>
-              <a:t>Return statement</a:t>
+              <a:t>The </a:t>
+            </a:r>
+            <a:r>
+              <a:rPr lang="en-US" dirty="0" smtClean="0">
+                <a:latin typeface="Consolas" panose="020B0609020204030204" pitchFamily="49" charset="0"/>
+                <a:cs typeface="Consolas" panose="020B0609020204030204" pitchFamily="49" charset="0"/>
+              </a:rPr>
+              <a:t>return</a:t>
+            </a:r>
+            <a:r>
+              <a:rPr lang="en-US" dirty="0" smtClean="0"/>
+              <a:t> Statement</a:t>
             </a:r>
             <a:endParaRPr lang="en-US" dirty="0"/>
           </a:p>
@@ -27780,6 +28733,8 @@
                     <a:lumOff val="80000"/>
                   </a:schemeClr>
                 </a:solidFill>
+                <a:latin typeface="Consolas" panose="020B0609020204030204" pitchFamily="49" charset="0"/>
+                <a:cs typeface="Consolas" panose="020B0609020204030204" pitchFamily="49" charset="0"/>
               </a:rPr>
               <a:t>return</a:t>
             </a:r>
@@ -27801,6 +28756,8 @@
                     <a:lumOff val="80000"/>
                   </a:schemeClr>
                 </a:solidFill>
+                <a:latin typeface="Consolas" panose="020B0609020204030204" pitchFamily="49" charset="0"/>
+                <a:cs typeface="Consolas" panose="020B0609020204030204" pitchFamily="49" charset="0"/>
               </a:rPr>
               <a:t>return</a:t>
             </a:r>
@@ -27837,6 +28794,8 @@
                     <a:lumOff val="80000"/>
                   </a:schemeClr>
                 </a:solidFill>
+                <a:latin typeface="Consolas" panose="020B0609020204030204" pitchFamily="49" charset="0"/>
+                <a:cs typeface="Consolas" panose="020B0609020204030204" pitchFamily="49" charset="0"/>
               </a:rPr>
               <a:t>return</a:t>
             </a:r>
@@ -27917,7 +28876,7 @@
             <a:r>
               <a:rPr lang="en-US" sz="2000" b="1" noProof="1" smtClean="0">
                 <a:solidFill>
-                  <a:schemeClr val="accent3">
+                  <a:schemeClr val="accent2">
                     <a:lumMod val="40000"/>
                     <a:lumOff val="60000"/>
                   </a:schemeClr>
@@ -27939,7 +28898,7 @@
             <a:r>
               <a:rPr lang="en-US" sz="2000" b="1" noProof="1" smtClean="0">
                 <a:solidFill>
-                  <a:schemeClr val="accent3">
+                  <a:schemeClr val="accent2">
                     <a:lumMod val="40000"/>
                     <a:lumOff val="60000"/>
                   </a:schemeClr>
@@ -27961,7 +28920,7 @@
             <a:r>
               <a:rPr lang="en-US" sz="2000" b="1" noProof="1" smtClean="0">
                 <a:solidFill>
-                  <a:schemeClr val="accent3">
+                  <a:schemeClr val="accent2">
                     <a:lumMod val="40000"/>
                     <a:lumOff val="60000"/>
                   </a:schemeClr>
@@ -27983,7 +28942,7 @@
             <a:r>
               <a:rPr lang="en-US" sz="2000" b="1" noProof="1" smtClean="0">
                 <a:solidFill>
-                  <a:schemeClr val="accent3">
+                  <a:schemeClr val="accent2">
                     <a:lumMod val="40000"/>
                     <a:lumOff val="60000"/>
                   </a:schemeClr>
@@ -28005,7 +28964,7 @@
             <a:r>
               <a:rPr lang="en-US" sz="2000" b="1" noProof="1" smtClean="0">
                 <a:solidFill>
-                  <a:schemeClr val="accent3">
+                  <a:schemeClr val="accent2">
                     <a:lumMod val="40000"/>
                     <a:lumOff val="60000"/>
                   </a:schemeClr>
@@ -28027,7 +28986,7 @@
             <a:r>
               <a:rPr lang="en-US" sz="2000" b="1" noProof="1" smtClean="0">
                 <a:solidFill>
-                  <a:schemeClr val="accent3">
+                  <a:schemeClr val="accent2">
                     <a:lumMod val="40000"/>
                     <a:lumOff val="60000"/>
                   </a:schemeClr>
@@ -28049,7 +29008,7 @@
             <a:r>
               <a:rPr lang="en-US" sz="2000" b="1" noProof="1" smtClean="0">
                 <a:solidFill>
-                  <a:schemeClr val="accent3">
+                  <a:schemeClr val="accent2">
                     <a:lumMod val="40000"/>
                     <a:lumOff val="60000"/>
                   </a:schemeClr>
@@ -28070,7 +29029,7 @@
           <a:p>
             <a:endParaRPr lang="en-US" sz="2000" b="1" noProof="1">
               <a:solidFill>
-                <a:schemeClr val="accent3">
+                <a:schemeClr val="accent2">
                   <a:lumMod val="40000"/>
                   <a:lumOff val="60000"/>
                 </a:schemeClr>
@@ -28089,7 +29048,7 @@
           <a:p>
             <a:endParaRPr lang="en-US" sz="2000" b="1" noProof="1" smtClean="0">
               <a:solidFill>
-                <a:schemeClr val="accent3">
+                <a:schemeClr val="accent2">
                   <a:lumMod val="40000"/>
                   <a:lumOff val="60000"/>
                 </a:schemeClr>
@@ -28207,7 +29166,47 @@
                 <a:latin typeface="Consolas" pitchFamily="49" charset="0"/>
                 <a:cs typeface="Consolas" pitchFamily="49" charset="0"/>
               </a:rPr>
-              <a:t>  if (string != null)</a:t>
+              <a:t>  if (string </a:t>
+            </a:r>
+            <a:r>
+              <a:rPr lang="en-US" sz="2000" b="1" noProof="1" smtClean="0">
+                <a:solidFill>
+                  <a:schemeClr val="accent6">
+                    <a:lumMod val="20000"/>
+                    <a:lumOff val="80000"/>
+                  </a:schemeClr>
+                </a:solidFill>
+                <a:effectLst>
+                  <a:outerShdw blurRad="38100" dist="38100" dir="2700000" algn="tl">
+                    <a:srgbClr val="000000">
+                      <a:alpha val="43137"/>
+                    </a:srgbClr>
+                  </a:outerShdw>
+                </a:effectLst>
+                <a:latin typeface="Consolas" pitchFamily="49" charset="0"/>
+                <a:cs typeface="Consolas" pitchFamily="49" charset="0"/>
+              </a:rPr>
+              <a:t>== </a:t>
+            </a:r>
+            <a:r>
+              <a:rPr lang="en-US" sz="2000" b="1" noProof="1" smtClean="0">
+                <a:solidFill>
+                  <a:schemeClr val="accent6">
+                    <a:lumMod val="20000"/>
+                    <a:lumOff val="80000"/>
+                  </a:schemeClr>
+                </a:solidFill>
+                <a:effectLst>
+                  <a:outerShdw blurRad="38100" dist="38100" dir="2700000" algn="tl">
+                    <a:srgbClr val="000000">
+                      <a:alpha val="43137"/>
+                    </a:srgbClr>
+                  </a:outerShdw>
+                </a:effectLst>
+                <a:latin typeface="Consolas" pitchFamily="49" charset="0"/>
+                <a:cs typeface="Consolas" pitchFamily="49" charset="0"/>
+              </a:rPr>
+              <a:t>null)</a:t>
             </a:r>
           </a:p>
           <a:p>
@@ -28407,7 +29406,7 @@
           <p:nvPr/>
         </p:nvPicPr>
         <p:blipFill>
-          <a:blip r:embed="rId4">
+          <a:blip r:embed="rId4" cstate="screen">
             <a:extLst>
               <a:ext uri="{28A0092B-C50C-407E-A947-70E740481C1C}">
                 <a14:useLocalDpi xmlns:a14="http://schemas.microsoft.com/office/drawing/2010/main"/>
@@ -28528,25 +29527,37 @@
           <a:bodyPr/>
           <a:lstStyle/>
           <a:p>
+            <a:pPr>
+              <a:lnSpc>
+                <a:spcPct val="100000"/>
+              </a:lnSpc>
+            </a:pPr>
             <a:r>
               <a:rPr lang="en-US" dirty="0" smtClean="0"/>
               <a:t>Useful when you want to walk a tree / graph-like structures</a:t>
             </a:r>
           </a:p>
           <a:p>
+            <a:pPr>
+              <a:lnSpc>
+                <a:spcPct val="100000"/>
+              </a:lnSpc>
+            </a:pPr>
             <a:r>
               <a:rPr lang="en-US" dirty="0" smtClean="0"/>
               <a:t>Be aware of infinite recursion or indirect recursion</a:t>
             </a:r>
           </a:p>
           <a:p>
+            <a:pPr>
+              <a:lnSpc>
+                <a:spcPct val="100000"/>
+              </a:lnSpc>
+            </a:pPr>
             <a:r>
               <a:rPr lang="en-US" dirty="0" smtClean="0"/>
               <a:t>Recursion example:</a:t>
             </a:r>
-          </a:p>
-          <a:p>
-            <a:endParaRPr lang="en-US" dirty="0" smtClean="0"/>
           </a:p>
         </p:txBody>
       </p:sp>
@@ -28820,7 +29831,7 @@
           <p:nvPr/>
         </p:nvPicPr>
         <p:blipFill>
-          <a:blip r:embed="rId2">
+          <a:blip r:embed="rId2" cstate="screen">
             <a:extLst>
               <a:ext uri="{28A0092B-C50C-407E-A947-70E740481C1C}">
                 <a14:useLocalDpi xmlns:a14="http://schemas.microsoft.com/office/drawing/2010/main"/>
@@ -28933,8 +29944,8 @@
         </p:nvSpPr>
         <p:spPr>
           <a:xfrm>
-            <a:off x="228600" y="990600"/>
-            <a:ext cx="8686800" cy="5638800"/>
+            <a:off x="228600" y="914400"/>
+            <a:ext cx="8686800" cy="5715000"/>
           </a:xfrm>
         </p:spPr>
         <p:txBody>
@@ -28943,13 +29954,13 @@
           <a:p>
             <a:r>
               <a:rPr lang="en-US" dirty="0" smtClean="0"/>
-              <a:t>Ensure that recursion stops</a:t>
+              <a:t>Ensure that recursion has end</a:t>
             </a:r>
           </a:p>
           <a:p>
             <a:r>
               <a:rPr lang="en-US" dirty="0" smtClean="0"/>
-              <a:t>Verify that recursion is not very exhausting</a:t>
+              <a:t>Verify that recursion is not very high-cost</a:t>
             </a:r>
           </a:p>
           <a:p>
@@ -28969,7 +29980,22 @@
           <a:p>
             <a:r>
               <a:rPr lang="en-US" dirty="0" smtClean="0"/>
-              <a:t>Don’t use recursion when there is better linear (iteration based) solution </a:t>
+              <a:t>Don’t use recursion when there is better </a:t>
+            </a:r>
+            <a:r>
+              <a:rPr lang="en-US" dirty="0" smtClean="0">
+                <a:solidFill>
+                  <a:schemeClr val="accent5">
+                    <a:lumMod val="20000"/>
+                    <a:lumOff val="80000"/>
+                  </a:schemeClr>
+                </a:solidFill>
+              </a:rPr>
+              <a:t>linear</a:t>
+            </a:r>
+            <a:r>
+              <a:rPr lang="en-US" dirty="0" smtClean="0"/>
+              <a:t> (iteration based) solution, e.g.</a:t>
             </a:r>
           </a:p>
           <a:p>
@@ -28983,7 +30009,7 @@
             <a:pPr lvl="1"/>
             <a:r>
               <a:rPr lang="en-US" dirty="0" smtClean="0"/>
-              <a:t>Fibonacci Numbers</a:t>
+              <a:t>Fibonacci numbers</a:t>
             </a:r>
           </a:p>
           <a:p>
@@ -29083,8 +30109,8 @@
           <a:lstStyle/>
           <a:p>
             <a:r>
-              <a:rPr lang="en-US" dirty="0" err="1" smtClean="0"/>
-              <a:t>Goto</a:t>
+              <a:rPr lang="en-US" dirty="0" smtClean="0"/>
+              <a:t>GOTO</a:t>
             </a:r>
             <a:endParaRPr lang="en-US" dirty="0"/>
           </a:p>
@@ -29100,7 +30126,12 @@
             <p:ph idx="1"/>
           </p:nvPr>
         </p:nvSpPr>
-        <p:spPr/>
+        <p:spPr>
+          <a:xfrm>
+            <a:off x="228600" y="838200"/>
+            <a:ext cx="8686800" cy="5791200"/>
+          </a:xfrm>
+        </p:spPr>
         <p:txBody>
           <a:bodyPr/>
           <a:lstStyle/>
@@ -29110,7 +30141,7 @@
               <a:t>Avoid </a:t>
             </a:r>
             <a:r>
-              <a:rPr lang="en-US" sz="2800" dirty="0" err="1" smtClean="0">
+              <a:rPr lang="en-US" noProof="1" smtClean="0">
                 <a:solidFill>
                   <a:schemeClr val="accent5">
                     <a:lumMod val="20000"/>
@@ -29123,8 +30154,8 @@
               <a:t>goto</a:t>
             </a:r>
             <a:r>
-              <a:rPr lang="en-US" dirty="0" err="1" smtClean="0"/>
-              <a:t>s</a:t>
+              <a:rPr lang="en-US" noProof="1" smtClean="0"/>
+              <a:t>-s</a:t>
             </a:r>
             <a:r>
               <a:rPr lang="en-US" dirty="0" smtClean="0"/>
@@ -29136,7 +30167,7 @@
               <a:rPr lang="en-US" dirty="0" smtClean="0">
                 <a:hlinkClick r:id="rId2"/>
               </a:rPr>
-              <a:t>“A Case against the</a:t>
+              <a:t>“A Case Against the</a:t>
             </a:r>
             <a:br>
               <a:rPr lang="en-US" dirty="0" smtClean="0">
@@ -29147,7 +30178,7 @@
               <a:rPr lang="en-US" dirty="0" smtClean="0">
                 <a:hlinkClick r:id="rId2"/>
               </a:rPr>
-              <a:t>GO TO Statement.”</a:t>
+              <a:t>GO TO Statement”</a:t>
             </a:r>
             <a:r>
               <a:rPr lang="en-US" dirty="0" smtClean="0"/>
@@ -29161,18 +30192,9 @@
               <a:t>by </a:t>
             </a:r>
             <a:r>
-              <a:rPr lang="en-US" dirty="0" err="1" smtClean="0"/>
-              <a:t>Edsger</a:t>
-            </a:r>
-            <a:r>
-              <a:rPr lang="en-US" dirty="0" smtClean="0"/>
-              <a:t> </a:t>
-            </a:r>
-            <a:r>
-              <a:rPr lang="en-US" dirty="0" err="1" smtClean="0"/>
-              <a:t>Dijkstra</a:t>
-            </a:r>
-            <a:endParaRPr lang="en-US" dirty="0" smtClean="0"/>
+              <a:rPr lang="en-US" noProof="1" smtClean="0"/>
+              <a:t>Edsger Dijkstra</a:t>
+            </a:r>
           </a:p>
           <a:p>
             <a:r>
@@ -29180,7 +30202,7 @@
               <a:t>Use </a:t>
             </a:r>
             <a:r>
-              <a:rPr lang="en-US" sz="2800" dirty="0" err="1" smtClean="0">
+              <a:rPr lang="en-US" noProof="1" smtClean="0">
                 <a:solidFill>
                   <a:schemeClr val="accent5">
                     <a:lumMod val="20000"/>
@@ -29193,26 +30215,56 @@
               <a:t>goto</a:t>
             </a:r>
             <a:r>
-              <a:rPr lang="en-US" dirty="0" err="1" smtClean="0"/>
-              <a:t>s</a:t>
+              <a:rPr lang="en-US" noProof="1" smtClean="0"/>
+              <a:t>-s</a:t>
             </a:r>
             <a:r>
               <a:rPr lang="en-US" dirty="0" smtClean="0"/>
-              <a:t> as a last resort </a:t>
+              <a:t> as a last resort</a:t>
+            </a:r>
+          </a:p>
+          <a:p>
+            <a:pPr lvl="1"/>
+            <a:r>
+              <a:rPr lang="en-US" dirty="0" smtClean="0"/>
+              <a:t>If they make the code </a:t>
             </a:r>
             <a:br>
               <a:rPr lang="en-US" dirty="0" smtClean="0"/>
             </a:br>
             <a:r>
               <a:rPr lang="en-US" dirty="0" smtClean="0"/>
-              <a:t>if they make the code </a:t>
+              <a:t>more maintainable</a:t>
+            </a:r>
+          </a:p>
+          <a:p>
+            <a:r>
+              <a:rPr lang="en-US" dirty="0" smtClean="0"/>
+              <a:t>C# supports </a:t>
+            </a:r>
+            <a:r>
+              <a:rPr lang="en-US" noProof="1" smtClean="0">
+                <a:solidFill>
+                  <a:schemeClr val="accent5">
+                    <a:lumMod val="20000"/>
+                    <a:lumOff val="80000"/>
+                  </a:schemeClr>
+                </a:solidFill>
+                <a:latin typeface="Consolas" panose="020B0609020204030204" pitchFamily="49" charset="0"/>
+                <a:cs typeface="Consolas" panose="020B0609020204030204" pitchFamily="49" charset="0"/>
+              </a:rPr>
+              <a:t>goto</a:t>
+            </a:r>
+            <a:r>
+              <a:rPr lang="en-US" dirty="0" smtClean="0"/>
+              <a:t> with</a:t>
             </a:r>
             <a:br>
               <a:rPr lang="en-US" dirty="0" smtClean="0"/>
             </a:br>
             <a:r>
               <a:rPr lang="en-US" dirty="0" smtClean="0"/>
-              <a:t>more maintainable</a:t>
+              <a:t>labels, but avoid it!</a:t>
             </a:r>
           </a:p>
         </p:txBody>
@@ -29248,14 +30300,22 @@
       </p:sp>
       <p:pic>
         <p:nvPicPr>
-          <p:cNvPr id="32771" name="Picture 3"/>
+          <p:cNvPr id="1026" name="Picture 2" descr="Edsger W. Dijkstra">
+            <a:hlinkClick r:id="rId3"/>
+          </p:cNvPr>
           <p:cNvPicPr>
             <a:picLocks noChangeAspect="1" noChangeArrowheads="1"/>
           </p:cNvPicPr>
           <p:nvPr/>
         </p:nvPicPr>
         <p:blipFill>
-          <a:blip r:embed="rId3" cstate="print"/>
+          <a:blip r:embed="rId4">
+            <a:extLst>
+              <a:ext uri="{28A0092B-C50C-407E-A947-70E740481C1C}">
+                <a14:useLocalDpi xmlns:a14="http://schemas.microsoft.com/office/drawing/2010/main"/>
+              </a:ext>
+            </a:extLst>
+          </a:blip>
           <a:srcRect/>
           <a:stretch>
             <a:fillRect/>
@@ -29263,62 +30323,55 @@
         </p:blipFill>
         <p:spPr bwMode="auto">
           <a:xfrm>
-            <a:off x="5410200" y="1835621"/>
-            <a:ext cx="3325813" cy="3193579"/>
+            <a:off x="4267200" y="2286859"/>
+            <a:ext cx="1143000" cy="1152526"/>
           </a:xfrm>
           <a:prstGeom prst="rect">
             <a:avLst/>
           </a:prstGeom>
           <a:noFill/>
-          <a:ln w="9525">
-            <a:noFill/>
-            <a:miter lim="800000"/>
-            <a:headEnd/>
-            <a:tailEnd/>
+          <a:ln>
+            <a:solidFill>
+              <a:schemeClr val="accent5">
+                <a:lumMod val="75000"/>
+              </a:schemeClr>
+            </a:solidFill>
           </a:ln>
+          <a:extLst>
+            <a:ext uri="{909E8E84-426E-40DD-AFC4-6F175D3DCCD1}">
+              <a14:hiddenFill xmlns:a14="http://schemas.microsoft.com/office/drawing/2010/main">
+                <a:solidFill>
+                  <a:srgbClr val="FFFFFF"/>
+                </a:solidFill>
+              </a14:hiddenFill>
+            </a:ext>
+          </a:extLst>
         </p:spPr>
       </p:pic>
-      <p:sp>
-        <p:nvSpPr>
-          <p:cNvPr id="8" name="TextBox 7"/>
-          <p:cNvSpPr txBox="1"/>
+      <p:pic>
+        <p:nvPicPr>
+          <p:cNvPr id="5" name="Picture 4"/>
+          <p:cNvPicPr>
+            <a:picLocks noChangeAspect="1"/>
+          </p:cNvPicPr>
           <p:nvPr/>
-        </p:nvSpPr>
+        </p:nvPicPr>
+        <p:blipFill>
+          <a:blip r:embed="rId5"/>
+          <a:stretch>
+            <a:fillRect/>
+          </a:stretch>
+        </p:blipFill>
         <p:spPr>
           <a:xfrm>
-            <a:off x="5638800" y="5029200"/>
-            <a:ext cx="3124200" cy="215444"/>
+            <a:off x="5791200" y="3429000"/>
+            <a:ext cx="2743438" cy="2932430"/>
           </a:xfrm>
           <a:prstGeom prst="rect">
             <a:avLst/>
           </a:prstGeom>
-          <a:noFill/>
         </p:spPr>
-        <p:txBody>
-          <a:bodyPr wrap="square" rtlCol="0">
-            <a:spAutoFit/>
-          </a:bodyPr>
-          <a:lstStyle/>
-          <a:p>
-            <a:pPr algn="r"/>
-            <a:r>
-              <a:rPr lang="en-US" sz="800" dirty="0" smtClean="0"/>
-              <a:t>Source: </a:t>
-            </a:r>
-            <a:r>
-              <a:rPr lang="en-US" sz="800" dirty="0" smtClean="0">
-                <a:hlinkClick r:id="rId4"/>
-              </a:rPr>
-              <a:t>http://www.flickr.com/photos/pookhy/3346307127/</a:t>
-            </a:r>
-            <a:r>
-              <a:rPr lang="en-US" sz="800" dirty="0" smtClean="0"/>
-              <a:t> </a:t>
-            </a:r>
-            <a:endParaRPr lang="en-US" sz="800" dirty="0"/>
-          </a:p>
-        </p:txBody>
-      </p:sp>
+      </p:pic>
     </p:spTree>
     <p:extLst>
       <p:ext uri="{BB962C8B-B14F-4D97-AF65-F5344CB8AC3E}">
@@ -29467,7 +30520,7 @@
           <a:p>
             <a:r>
               <a:rPr lang="en-US" dirty="0" smtClean="0"/>
-              <a:t>Straight-line Code (2)</a:t>
+              <a:t>Straight-Line Code (2)</a:t>
             </a:r>
             <a:endParaRPr lang="en-US" dirty="0"/>
           </a:p>
@@ -29516,7 +30569,14 @@
               </a:lnSpc>
             </a:pPr>
             <a:r>
-              <a:rPr lang="en-US" dirty="0" smtClean="0"/>
+              <a:rPr lang="en-US" dirty="0" smtClean="0">
+                <a:solidFill>
+                  <a:schemeClr val="accent5">
+                    <a:lumMod val="20000"/>
+                    <a:lumOff val="80000"/>
+                  </a:schemeClr>
+                </a:solidFill>
+              </a:rPr>
               <a:t>Group related statements together</a:t>
             </a:r>
           </a:p>
@@ -29600,7 +30660,13 @@
           <p:nvPr/>
         </p:nvPicPr>
         <p:blipFill>
-          <a:blip r:embed="rId2" cstate="print"/>
+          <a:blip r:embed="rId2" cstate="screen">
+            <a:extLst>
+              <a:ext uri="{28A0092B-C50C-407E-A947-70E740481C1C}">
+                <a14:useLocalDpi xmlns:a14="http://schemas.microsoft.com/office/drawing/2010/main"/>
+              </a:ext>
+            </a:extLst>
+          </a:blip>
           <a:srcRect/>
           <a:stretch>
             <a:fillRect/>
@@ -32459,7 +33525,7 @@
           <a:p>
             <a:r>
               <a:rPr lang="en-US" dirty="0" smtClean="0"/>
-              <a:t>Straight-line Code – Examples</a:t>
+              <a:t>Straight-Line Code – Examples</a:t>
             </a:r>
             <a:endParaRPr lang="en-US" dirty="0"/>
           </a:p>
@@ -32504,8 +33570,8 @@
         </p:nvSpPr>
         <p:spPr bwMode="auto">
           <a:xfrm>
-            <a:off x="457200" y="914400"/>
-            <a:ext cx="8229600" cy="5715000"/>
+            <a:off x="533400" y="914400"/>
+            <a:ext cx="8077200" cy="5638800"/>
           </a:xfrm>
           <a:prstGeom prst="rect">
             <a:avLst/>
@@ -32534,13 +33600,13 @@
           <a:p>
             <a:pPr>
               <a:lnSpc>
-                <a:spcPct val="75000"/>
+                <a:spcPct val="85000"/>
               </a:lnSpc>
             </a:pPr>
             <a:r>
               <a:rPr lang="en-US" sz="1900" b="1" noProof="1" smtClean="0">
                 <a:solidFill>
-                  <a:schemeClr val="accent3">
+                  <a:schemeClr val="accent2">
                     <a:lumMod val="40000"/>
                     <a:lumOff val="60000"/>
                   </a:schemeClr>
@@ -32561,13 +33627,13 @@
           <a:p>
             <a:pPr>
               <a:lnSpc>
-                <a:spcPct val="95000"/>
+                <a:spcPct val="85000"/>
               </a:lnSpc>
             </a:pPr>
             <a:r>
               <a:rPr lang="en-US" sz="1900" b="1" noProof="1" smtClean="0">
                 <a:solidFill>
-                  <a:schemeClr val="accent3">
+                  <a:schemeClr val="accent2">
                     <a:lumMod val="40000"/>
                     <a:lumOff val="60000"/>
                   </a:schemeClr>
@@ -32588,13 +33654,13 @@
           <a:p>
             <a:pPr>
               <a:lnSpc>
-                <a:spcPct val="75000"/>
+                <a:spcPct val="85000"/>
               </a:lnSpc>
             </a:pPr>
             <a:r>
               <a:rPr lang="en-US" sz="1900" b="1" noProof="1" smtClean="0">
                 <a:solidFill>
-                  <a:schemeClr val="accent3">
+                  <a:schemeClr val="accent2">
                     <a:lumMod val="40000"/>
                     <a:lumOff val="60000"/>
                   </a:schemeClr>
@@ -32609,19 +33675,19 @@
                 <a:latin typeface="Consolas" pitchFamily="49" charset="0"/>
                 <a:cs typeface="Consolas" pitchFamily="49" charset="0"/>
               </a:rPr>
-              <a:t>    // ...</a:t>
+              <a:t>  // …</a:t>
             </a:r>
           </a:p>
           <a:p>
             <a:pPr>
               <a:lnSpc>
-                <a:spcPct val="75000"/>
+                <a:spcPct val="85000"/>
               </a:lnSpc>
             </a:pPr>
             <a:r>
               <a:rPr lang="en-US" sz="1900" b="1" noProof="1" smtClean="0">
                 <a:solidFill>
-                  <a:schemeClr val="accent3">
+                  <a:schemeClr val="accent2">
                     <a:lumMod val="40000"/>
                     <a:lumOff val="60000"/>
                   </a:schemeClr>
@@ -32642,13 +33708,16 @@
           <a:p>
             <a:pPr>
               <a:lnSpc>
-                <a:spcPct val="95000"/>
+                <a:spcPct val="85000"/>
               </a:lnSpc>
+              <a:spcBef>
+                <a:spcPts val="1200"/>
+              </a:spcBef>
             </a:pPr>
             <a:r>
               <a:rPr lang="en-US" sz="1900" b="1" noProof="1" smtClean="0">
                 <a:solidFill>
-                  <a:schemeClr val="accent3">
+                  <a:schemeClr val="accent2">
                     <a:lumMod val="40000"/>
                     <a:lumOff val="60000"/>
                   </a:schemeClr>
@@ -32669,13 +33738,13 @@
           <a:p>
             <a:pPr>
               <a:lnSpc>
-                <a:spcPct val="95000"/>
+                <a:spcPct val="85000"/>
               </a:lnSpc>
             </a:pPr>
             <a:r>
               <a:rPr lang="en-US" sz="1900" b="1" noProof="1" smtClean="0">
                 <a:solidFill>
-                  <a:schemeClr val="accent3">
+                  <a:schemeClr val="accent2">
                     <a:lumMod val="40000"/>
                     <a:lumOff val="60000"/>
                   </a:schemeClr>
@@ -32696,13 +33765,13 @@
           <a:p>
             <a:pPr>
               <a:lnSpc>
-                <a:spcPct val="95000"/>
+                <a:spcPct val="85000"/>
               </a:lnSpc>
             </a:pPr>
             <a:r>
               <a:rPr lang="en-US" sz="1900" b="1" noProof="1" smtClean="0">
                 <a:solidFill>
-                  <a:schemeClr val="accent3">
+                  <a:schemeClr val="accent2">
                     <a:lumMod val="40000"/>
                     <a:lumOff val="60000"/>
                   </a:schemeClr>
@@ -32717,19 +33786,19 @@
                 <a:latin typeface="Consolas" pitchFamily="49" charset="0"/>
                 <a:cs typeface="Consolas" pitchFamily="49" charset="0"/>
               </a:rPr>
-              <a:t>    // ...</a:t>
+              <a:t>  // …</a:t>
             </a:r>
           </a:p>
           <a:p>
             <a:pPr>
               <a:lnSpc>
-                <a:spcPct val="75000"/>
+                <a:spcPct val="85000"/>
               </a:lnSpc>
             </a:pPr>
             <a:r>
               <a:rPr lang="en-US" sz="1900" b="1" noProof="1" smtClean="0">
                 <a:solidFill>
-                  <a:schemeClr val="accent3">
+                  <a:schemeClr val="accent2">
                     <a:lumMod val="40000"/>
                     <a:lumOff val="60000"/>
                   </a:schemeClr>
@@ -32750,12 +33819,227 @@
           <a:p>
             <a:pPr>
               <a:lnSpc>
-                <a:spcPct val="95000"/>
+                <a:spcPct val="85000"/>
               </a:lnSpc>
-            </a:pPr>
-            <a:endParaRPr lang="en-US" sz="1900" b="1" noProof="1" smtClean="0">
+              <a:spcBef>
+                <a:spcPts val="1200"/>
+              </a:spcBef>
+            </a:pPr>
+            <a:r>
+              <a:rPr lang="en-US" sz="1900" b="1" noProof="1" smtClean="0">
+                <a:solidFill>
+                  <a:schemeClr val="accent2">
+                    <a:lumMod val="40000"/>
+                    <a:lumOff val="60000"/>
+                  </a:schemeClr>
+                </a:solidFill>
+                <a:effectLst>
+                  <a:outerShdw blurRad="38100" dist="38100" dir="2700000" algn="tl">
+                    <a:srgbClr val="000000">
+                      <a:alpha val="43137"/>
+                    </a:srgbClr>
+                  </a:outerShdw>
+                </a:effectLst>
+                <a:latin typeface="Consolas" pitchFamily="49" charset="0"/>
+                <a:cs typeface="Consolas" pitchFamily="49" charset="0"/>
+              </a:rPr>
+              <a:t>Report CreateReport()</a:t>
+            </a:r>
+          </a:p>
+          <a:p>
+            <a:pPr>
+              <a:lnSpc>
+                <a:spcPct val="85000"/>
+              </a:lnSpc>
+            </a:pPr>
+            <a:r>
+              <a:rPr lang="en-US" sz="1900" b="1" noProof="1" smtClean="0">
+                <a:solidFill>
+                  <a:schemeClr val="accent2">
+                    <a:lumMod val="40000"/>
+                    <a:lumOff val="60000"/>
+                  </a:schemeClr>
+                </a:solidFill>
+                <a:effectLst>
+                  <a:outerShdw blurRad="38100" dist="38100" dir="2700000" algn="tl">
+                    <a:srgbClr val="000000">
+                      <a:alpha val="43137"/>
+                    </a:srgbClr>
+                  </a:outerShdw>
+                </a:effectLst>
+                <a:latin typeface="Consolas" pitchFamily="49" charset="0"/>
+                <a:cs typeface="Consolas" pitchFamily="49" charset="0"/>
+              </a:rPr>
+              <a:t>{</a:t>
+            </a:r>
+          </a:p>
+          <a:p>
+            <a:pPr>
+              <a:lnSpc>
+                <a:spcPct val="85000"/>
+              </a:lnSpc>
+            </a:pPr>
+            <a:r>
+              <a:rPr lang="en-US" sz="1900" b="1" noProof="1" smtClean="0">
+                <a:solidFill>
+                  <a:schemeClr val="accent2">
+                    <a:lumMod val="40000"/>
+                    <a:lumOff val="60000"/>
+                  </a:schemeClr>
+                </a:solidFill>
+                <a:effectLst>
+                  <a:outerShdw blurRad="38100" dist="38100" dir="2700000" algn="tl">
+                    <a:srgbClr val="000000">
+                      <a:alpha val="43137"/>
+                    </a:srgbClr>
+                  </a:outerShdw>
+                </a:effectLst>
+                <a:latin typeface="Consolas" pitchFamily="49" charset="0"/>
+                <a:cs typeface="Consolas" pitchFamily="49" charset="0"/>
+              </a:rPr>
+              <a:t>  var report = new Report();</a:t>
+            </a:r>
+          </a:p>
+          <a:p>
+            <a:pPr>
+              <a:lnSpc>
+                <a:spcPct val="85000"/>
+              </a:lnSpc>
+            </a:pPr>
+            <a:r>
+              <a:rPr lang="en-US" sz="1900" b="1" noProof="1" smtClean="0">
+                <a:solidFill>
+                  <a:schemeClr val="accent2">
+                    <a:lumMod val="40000"/>
+                    <a:lumOff val="60000"/>
+                  </a:schemeClr>
+                </a:solidFill>
+                <a:effectLst>
+                  <a:outerShdw blurRad="38100" dist="38100" dir="2700000" algn="tl">
+                    <a:srgbClr val="000000">
+                      <a:alpha val="43137"/>
+                    </a:srgbClr>
+                  </a:outerShdw>
+                </a:effectLst>
+                <a:latin typeface="Consolas" pitchFamily="49" charset="0"/>
+                <a:cs typeface="Consolas" pitchFamily="49" charset="0"/>
+              </a:rPr>
+              <a:t>  report.Footer = CreateReportFooter(report);</a:t>
+            </a:r>
+          </a:p>
+          <a:p>
+            <a:pPr>
+              <a:lnSpc>
+                <a:spcPct val="85000"/>
+              </a:lnSpc>
+            </a:pPr>
+            <a:r>
+              <a:rPr lang="en-US" sz="1900" b="1" noProof="1" smtClean="0">
+                <a:solidFill>
+                  <a:schemeClr val="accent2">
+                    <a:lumMod val="40000"/>
+                    <a:lumOff val="60000"/>
+                  </a:schemeClr>
+                </a:solidFill>
+                <a:effectLst>
+                  <a:outerShdw blurRad="38100" dist="38100" dir="2700000" algn="tl">
+                    <a:srgbClr val="000000">
+                      <a:alpha val="43137"/>
+                    </a:srgbClr>
+                  </a:outerShdw>
+                </a:effectLst>
+                <a:latin typeface="Consolas" pitchFamily="49" charset="0"/>
+                <a:cs typeface="Consolas" pitchFamily="49" charset="0"/>
+              </a:rPr>
+              <a:t>  report.Content = CreateReportContent(report);</a:t>
+            </a:r>
+          </a:p>
+          <a:p>
+            <a:pPr>
+              <a:lnSpc>
+                <a:spcPct val="85000"/>
+              </a:lnSpc>
+              <a:spcBef>
+                <a:spcPts val="1200"/>
+              </a:spcBef>
+            </a:pPr>
+            <a:r>
+              <a:rPr lang="en-US" sz="1900" b="1" noProof="1" smtClean="0">
+                <a:solidFill>
+                  <a:schemeClr val="accent2">
+                    <a:lumMod val="40000"/>
+                    <a:lumOff val="60000"/>
+                  </a:schemeClr>
+                </a:solidFill>
+                <a:effectLst>
+                  <a:outerShdw blurRad="38100" dist="38100" dir="2700000" algn="tl">
+                    <a:srgbClr val="000000">
+                      <a:alpha val="43137"/>
+                    </a:srgbClr>
+                  </a:outerShdw>
+                </a:effectLst>
+                <a:latin typeface="Consolas" pitchFamily="49" charset="0"/>
+                <a:cs typeface="Consolas" pitchFamily="49" charset="0"/>
+              </a:rPr>
+              <a:t>  report.Header = CraeteReportHeader(report);</a:t>
+            </a:r>
+          </a:p>
+          <a:p>
+            <a:pPr>
+              <a:lnSpc>
+                <a:spcPct val="85000"/>
+              </a:lnSpc>
+            </a:pPr>
+            <a:r>
+              <a:rPr lang="en-US" sz="1900" b="1" noProof="1" smtClean="0">
+                <a:solidFill>
+                  <a:schemeClr val="accent2">
+                    <a:lumMod val="40000"/>
+                    <a:lumOff val="60000"/>
+                  </a:schemeClr>
+                </a:solidFill>
+                <a:effectLst>
+                  <a:outerShdw blurRad="38100" dist="38100" dir="2700000" algn="tl">
+                    <a:srgbClr val="000000">
+                      <a:alpha val="43137"/>
+                    </a:srgbClr>
+                  </a:outerShdw>
+                </a:effectLst>
+                <a:latin typeface="Consolas" pitchFamily="49" charset="0"/>
+                <a:cs typeface="Consolas" pitchFamily="49" charset="0"/>
+              </a:rPr>
+              <a:t>  return report;</a:t>
+            </a:r>
+          </a:p>
+          <a:p>
+            <a:pPr>
+              <a:lnSpc>
+                <a:spcPct val="85000"/>
+              </a:lnSpc>
+            </a:pPr>
+            <a:r>
+              <a:rPr lang="en-US" sz="1900" b="1" noProof="1" smtClean="0">
+                <a:solidFill>
+                  <a:schemeClr val="accent2">
+                    <a:lumMod val="40000"/>
+                    <a:lumOff val="60000"/>
+                  </a:schemeClr>
+                </a:solidFill>
+                <a:effectLst>
+                  <a:outerShdw blurRad="38100" dist="38100" dir="2700000" algn="tl">
+                    <a:srgbClr val="000000">
+                      <a:alpha val="43137"/>
+                    </a:srgbClr>
+                  </a:outerShdw>
+                </a:effectLst>
+                <a:latin typeface="Consolas" pitchFamily="49" charset="0"/>
+                <a:cs typeface="Consolas" pitchFamily="49" charset="0"/>
+              </a:rPr>
+              <a:t>}</a:t>
+            </a:r>
+            <a:endParaRPr lang="en-US" sz="1900" b="1" noProof="1">
               <a:solidFill>
-                <a:schemeClr val="accent3">
+                <a:schemeClr val="accent2">
                   <a:lumMod val="40000"/>
                   <a:lumOff val="60000"/>
                 </a:schemeClr>
@@ -32774,13 +34058,16 @@
           <a:p>
             <a:pPr>
               <a:lnSpc>
-                <a:spcPct val="50000"/>
+                <a:spcPct val="85000"/>
               </a:lnSpc>
+              <a:spcBef>
+                <a:spcPts val="1200"/>
+              </a:spcBef>
             </a:pPr>
             <a:r>
               <a:rPr lang="en-US" sz="1900" b="1" noProof="1" smtClean="0">
                 <a:solidFill>
-                  <a:schemeClr val="accent3">
+                  <a:schemeClr val="accent2">
                     <a:lumMod val="40000"/>
                     <a:lumOff val="60000"/>
                   </a:schemeClr>
@@ -32795,19 +34082,19 @@
                 <a:latin typeface="Consolas" pitchFamily="49" charset="0"/>
                 <a:cs typeface="Consolas" pitchFamily="49" charset="0"/>
               </a:rPr>
-              <a:t>Report CreateReport()</a:t>
+              <a:t>ReportContent CreateReportContent(Report report)</a:t>
             </a:r>
           </a:p>
           <a:p>
             <a:pPr>
               <a:lnSpc>
-                <a:spcPct val="95000"/>
+                <a:spcPct val="85000"/>
               </a:lnSpc>
             </a:pPr>
             <a:r>
               <a:rPr lang="en-US" sz="1900" b="1" noProof="1" smtClean="0">
                 <a:solidFill>
-                  <a:schemeClr val="accent3">
+                  <a:schemeClr val="accent2">
                     <a:lumMod val="40000"/>
                     <a:lumOff val="60000"/>
                   </a:schemeClr>
@@ -32828,13 +34115,13 @@
           <a:p>
             <a:pPr>
               <a:lnSpc>
-                <a:spcPct val="75000"/>
+                <a:spcPct val="85000"/>
               </a:lnSpc>
             </a:pPr>
             <a:r>
               <a:rPr lang="en-US" sz="1900" b="1" noProof="1" smtClean="0">
                 <a:solidFill>
-                  <a:schemeClr val="accent3">
+                  <a:schemeClr val="accent2">
                     <a:lumMod val="40000"/>
                     <a:lumOff val="60000"/>
                   </a:schemeClr>
@@ -32849,283 +34136,19 @@
                 <a:latin typeface="Consolas" pitchFamily="49" charset="0"/>
                 <a:cs typeface="Consolas" pitchFamily="49" charset="0"/>
               </a:rPr>
-              <a:t>    var report = new Report();</a:t>
+              <a:t>  // …</a:t>
             </a:r>
           </a:p>
           <a:p>
             <a:pPr>
               <a:lnSpc>
-                <a:spcPct val="95000"/>
+                <a:spcPct val="85000"/>
               </a:lnSpc>
             </a:pPr>
             <a:r>
               <a:rPr lang="en-US" sz="1900" b="1" noProof="1" smtClean="0">
                 <a:solidFill>
-                  <a:schemeClr val="accent3">
-                    <a:lumMod val="40000"/>
-                    <a:lumOff val="60000"/>
-                  </a:schemeClr>
-                </a:solidFill>
-                <a:effectLst>
-                  <a:outerShdw blurRad="38100" dist="38100" dir="2700000" algn="tl">
-                    <a:srgbClr val="000000">
-                      <a:alpha val="43137"/>
-                    </a:srgbClr>
-                  </a:outerShdw>
-                </a:effectLst>
-                <a:latin typeface="Consolas" pitchFamily="49" charset="0"/>
-                <a:cs typeface="Consolas" pitchFamily="49" charset="0"/>
-              </a:rPr>
-              <a:t>    report.Footer = CreateReportFooter(report);</a:t>
-            </a:r>
-          </a:p>
-          <a:p>
-            <a:pPr>
-              <a:lnSpc>
-                <a:spcPct val="95000"/>
-              </a:lnSpc>
-            </a:pPr>
-            <a:r>
-              <a:rPr lang="en-US" sz="1900" b="1" noProof="1" smtClean="0">
-                <a:solidFill>
-                  <a:schemeClr val="accent3">
-                    <a:lumMod val="40000"/>
-                    <a:lumOff val="60000"/>
-                  </a:schemeClr>
-                </a:solidFill>
-                <a:effectLst>
-                  <a:outerShdw blurRad="38100" dist="38100" dir="2700000" algn="tl">
-                    <a:srgbClr val="000000">
-                      <a:alpha val="43137"/>
-                    </a:srgbClr>
-                  </a:outerShdw>
-                </a:effectLst>
-                <a:latin typeface="Consolas" pitchFamily="49" charset="0"/>
-                <a:cs typeface="Consolas" pitchFamily="49" charset="0"/>
-              </a:rPr>
-              <a:t>    report.Content = CreateReportContent(report);</a:t>
-            </a:r>
-          </a:p>
-          <a:p>
-            <a:pPr>
-              <a:lnSpc>
-                <a:spcPct val="75000"/>
-              </a:lnSpc>
-            </a:pPr>
-            <a:endParaRPr lang="en-US" sz="1900" b="1" noProof="1" smtClean="0">
-              <a:solidFill>
-                <a:schemeClr val="accent3">
-                  <a:lumMod val="40000"/>
-                  <a:lumOff val="60000"/>
-                </a:schemeClr>
-              </a:solidFill>
-              <a:effectLst>
-                <a:outerShdw blurRad="38100" dist="38100" dir="2700000" algn="tl">
-                  <a:srgbClr val="000000">
-                    <a:alpha val="43137"/>
-                  </a:srgbClr>
-                </a:outerShdw>
-              </a:effectLst>
-              <a:latin typeface="Consolas" pitchFamily="49" charset="0"/>
-              <a:cs typeface="Consolas" pitchFamily="49" charset="0"/>
-            </a:endParaRPr>
-          </a:p>
-          <a:p>
-            <a:pPr>
-              <a:lnSpc>
-                <a:spcPct val="75000"/>
-              </a:lnSpc>
-            </a:pPr>
-            <a:r>
-              <a:rPr lang="en-US" sz="1900" b="1" noProof="1" smtClean="0">
-                <a:solidFill>
-                  <a:schemeClr val="accent3">
-                    <a:lumMod val="40000"/>
-                    <a:lumOff val="60000"/>
-                  </a:schemeClr>
-                </a:solidFill>
-                <a:effectLst>
-                  <a:outerShdw blurRad="38100" dist="38100" dir="2700000" algn="tl">
-                    <a:srgbClr val="000000">
-                      <a:alpha val="43137"/>
-                    </a:srgbClr>
-                  </a:outerShdw>
-                </a:effectLst>
-                <a:latin typeface="Consolas" pitchFamily="49" charset="0"/>
-                <a:cs typeface="Consolas" pitchFamily="49" charset="0"/>
-              </a:rPr>
-              <a:t>    report.Header = CraeteReportHeader(report);</a:t>
-            </a:r>
-          </a:p>
-          <a:p>
-            <a:pPr>
-              <a:lnSpc>
-                <a:spcPct val="95000"/>
-              </a:lnSpc>
-            </a:pPr>
-            <a:r>
-              <a:rPr lang="en-US" sz="1900" b="1" noProof="1" smtClean="0">
-                <a:solidFill>
-                  <a:schemeClr val="accent3">
-                    <a:lumMod val="40000"/>
-                    <a:lumOff val="60000"/>
-                  </a:schemeClr>
-                </a:solidFill>
-                <a:effectLst>
-                  <a:outerShdw blurRad="38100" dist="38100" dir="2700000" algn="tl">
-                    <a:srgbClr val="000000">
-                      <a:alpha val="43137"/>
-                    </a:srgbClr>
-                  </a:outerShdw>
-                </a:effectLst>
-                <a:latin typeface="Consolas" pitchFamily="49" charset="0"/>
-                <a:cs typeface="Consolas" pitchFamily="49" charset="0"/>
-              </a:rPr>
-              <a:t>    return report;</a:t>
-            </a:r>
-          </a:p>
-          <a:p>
-            <a:pPr>
-              <a:lnSpc>
-                <a:spcPct val="75000"/>
-              </a:lnSpc>
-            </a:pPr>
-            <a:r>
-              <a:rPr lang="en-US" sz="1900" b="1" noProof="1" smtClean="0">
-                <a:solidFill>
-                  <a:schemeClr val="accent3">
-                    <a:lumMod val="40000"/>
-                    <a:lumOff val="60000"/>
-                  </a:schemeClr>
-                </a:solidFill>
-                <a:effectLst>
-                  <a:outerShdw blurRad="38100" dist="38100" dir="2700000" algn="tl">
-                    <a:srgbClr val="000000">
-                      <a:alpha val="43137"/>
-                    </a:srgbClr>
-                  </a:outerShdw>
-                </a:effectLst>
-                <a:latin typeface="Consolas" pitchFamily="49" charset="0"/>
-                <a:cs typeface="Consolas" pitchFamily="49" charset="0"/>
-              </a:rPr>
-              <a:t>} </a:t>
-            </a:r>
-          </a:p>
-          <a:p>
-            <a:pPr>
-              <a:lnSpc>
-                <a:spcPct val="95000"/>
-              </a:lnSpc>
-            </a:pPr>
-            <a:endParaRPr lang="en-US" sz="1900" b="1" noProof="1" smtClean="0">
-              <a:solidFill>
-                <a:schemeClr val="accent3">
-                  <a:lumMod val="40000"/>
-                  <a:lumOff val="60000"/>
-                </a:schemeClr>
-              </a:solidFill>
-              <a:effectLst>
-                <a:outerShdw blurRad="38100" dist="38100" dir="2700000" algn="tl">
-                  <a:srgbClr val="000000">
-                    <a:alpha val="43137"/>
-                  </a:srgbClr>
-                </a:outerShdw>
-              </a:effectLst>
-              <a:latin typeface="Consolas" pitchFamily="49" charset="0"/>
-              <a:cs typeface="Consolas" pitchFamily="49" charset="0"/>
-            </a:endParaRPr>
-          </a:p>
-          <a:p>
-            <a:pPr>
-              <a:lnSpc>
-                <a:spcPct val="75000"/>
-              </a:lnSpc>
-            </a:pPr>
-            <a:r>
-              <a:rPr lang="en-US" sz="1900" b="1" noProof="1" smtClean="0">
-                <a:solidFill>
-                  <a:schemeClr val="accent3">
-                    <a:lumMod val="40000"/>
-                    <a:lumOff val="60000"/>
-                  </a:schemeClr>
-                </a:solidFill>
-                <a:effectLst>
-                  <a:outerShdw blurRad="38100" dist="38100" dir="2700000" algn="tl">
-                    <a:srgbClr val="000000">
-                      <a:alpha val="43137"/>
-                    </a:srgbClr>
-                  </a:outerShdw>
-                </a:effectLst>
-                <a:latin typeface="Consolas" pitchFamily="49" charset="0"/>
-                <a:cs typeface="Consolas" pitchFamily="49" charset="0"/>
-              </a:rPr>
-              <a:t>ReportContent CreateReportContent(Report report)</a:t>
-            </a:r>
-          </a:p>
-          <a:p>
-            <a:pPr>
-              <a:lnSpc>
-                <a:spcPct val="95000"/>
-              </a:lnSpc>
-            </a:pPr>
-            <a:r>
-              <a:rPr lang="en-US" sz="1900" b="1" noProof="1" smtClean="0">
-                <a:solidFill>
-                  <a:schemeClr val="accent3">
-                    <a:lumMod val="40000"/>
-                    <a:lumOff val="60000"/>
-                  </a:schemeClr>
-                </a:solidFill>
-                <a:effectLst>
-                  <a:outerShdw blurRad="38100" dist="38100" dir="2700000" algn="tl">
-                    <a:srgbClr val="000000">
-                      <a:alpha val="43137"/>
-                    </a:srgbClr>
-                  </a:outerShdw>
-                </a:effectLst>
-                <a:latin typeface="Consolas" pitchFamily="49" charset="0"/>
-                <a:cs typeface="Consolas" pitchFamily="49" charset="0"/>
-              </a:rPr>
-              <a:t>{</a:t>
-            </a:r>
-          </a:p>
-          <a:p>
-            <a:pPr>
-              <a:lnSpc>
-                <a:spcPct val="75000"/>
-              </a:lnSpc>
-            </a:pPr>
-            <a:r>
-              <a:rPr lang="en-US" sz="1900" b="1" noProof="1" smtClean="0">
-                <a:solidFill>
-                  <a:schemeClr val="accent3">
-                    <a:lumMod val="40000"/>
-                    <a:lumOff val="60000"/>
-                  </a:schemeClr>
-                </a:solidFill>
-                <a:effectLst>
-                  <a:outerShdw blurRad="38100" dist="38100" dir="2700000" algn="tl">
-                    <a:srgbClr val="000000">
-                      <a:alpha val="43137"/>
-                    </a:srgbClr>
-                  </a:outerShdw>
-                </a:effectLst>
-                <a:latin typeface="Consolas" pitchFamily="49" charset="0"/>
-                <a:cs typeface="Consolas" pitchFamily="49" charset="0"/>
-              </a:rPr>
-              <a:t>    // ...</a:t>
-            </a:r>
-          </a:p>
-          <a:p>
-            <a:pPr>
-              <a:lnSpc>
-                <a:spcPct val="95000"/>
-              </a:lnSpc>
-            </a:pPr>
-            <a:r>
-              <a:rPr lang="en-US" sz="1900" b="1" noProof="1" smtClean="0">
-                <a:solidFill>
-                  <a:schemeClr val="accent3">
+                  <a:schemeClr val="accent2">
                     <a:lumMod val="40000"/>
                     <a:lumOff val="60000"/>
                   </a:schemeClr>
@@ -33256,7 +34279,7 @@
           <a:p>
             <a:r>
               <a:rPr lang="en-US" dirty="0" smtClean="0"/>
-              <a:t>Straight-line Code – Examples</a:t>
+              <a:t>Straight-Line Code – Examples</a:t>
             </a:r>
             <a:endParaRPr lang="en-US" dirty="0"/>
           </a:p>
@@ -33301,8 +34324,8 @@
         </p:nvSpPr>
         <p:spPr bwMode="auto">
           <a:xfrm>
-            <a:off x="381000" y="838200"/>
-            <a:ext cx="8382000" cy="5853141"/>
+            <a:off x="533400" y="944881"/>
+            <a:ext cx="8077200" cy="5638800"/>
           </a:xfrm>
           <a:prstGeom prst="rect">
             <a:avLst/>
@@ -33325,7 +34348,7 @@
         </p:spPr>
         <p:txBody>
           <a:bodyPr wrap="square">
-            <a:spAutoFit/>
+            <a:noAutofit/>
           </a:bodyPr>
           <a:lstStyle/>
           <a:p>
@@ -33406,7 +34429,7 @@
                 <a:latin typeface="Consolas" pitchFamily="49" charset="0"/>
                 <a:cs typeface="Consolas" pitchFamily="49" charset="0"/>
               </a:rPr>
-              <a:t>    var report = new Report();  </a:t>
+              <a:t>  var report = new Report();  </a:t>
             </a:r>
           </a:p>
           <a:p>
@@ -33436,7 +34459,7 @@
                 <a:latin typeface="Consolas" pitchFamily="49" charset="0"/>
                 <a:cs typeface="Consolas" pitchFamily="49" charset="0"/>
               </a:rPr>
-              <a:t>    report.Header = CraeteReportHeader(report);</a:t>
+              <a:t>  report.Header = CreateReportHeader(report);</a:t>
             </a:r>
           </a:p>
           <a:p>
@@ -33463,7 +34486,7 @@
                 <a:latin typeface="Consolas" pitchFamily="49" charset="0"/>
                 <a:cs typeface="Consolas" pitchFamily="49" charset="0"/>
               </a:rPr>
-              <a:t>    report.Content = CreateReportContent(report);</a:t>
+              <a:t>  report.Content = CreateReportContent(report);</a:t>
             </a:r>
           </a:p>
           <a:p>
@@ -33490,7 +34513,7 @@
                 <a:latin typeface="Consolas" pitchFamily="49" charset="0"/>
                 <a:cs typeface="Consolas" pitchFamily="49" charset="0"/>
               </a:rPr>
-              <a:t>    report.Footer = CreateReportFooter(report);</a:t>
+              <a:t>  report.Footer = CreateReportFooter(report);</a:t>
             </a:r>
           </a:p>
           <a:p>
@@ -33520,7 +34543,7 @@
                 <a:latin typeface="Consolas" pitchFamily="49" charset="0"/>
                 <a:cs typeface="Consolas" pitchFamily="49" charset="0"/>
               </a:rPr>
-              <a:t>    return report;</a:t>
+              <a:t>  return report;</a:t>
             </a:r>
           </a:p>
           <a:p>
@@ -33631,7 +34654,7 @@
           <a:p>
             <a:pPr>
               <a:lnSpc>
-                <a:spcPct val="75000"/>
+                <a:spcPct val="50000"/>
               </a:lnSpc>
             </a:pPr>
             <a:r>
@@ -33652,7 +34675,7 @@
                 <a:latin typeface="Consolas" pitchFamily="49" charset="0"/>
                 <a:cs typeface="Consolas" pitchFamily="49" charset="0"/>
               </a:rPr>
-              <a:t>    // ...</a:t>
+              <a:t>  // …</a:t>
             </a:r>
           </a:p>
           <a:p>
@@ -33763,7 +34786,7 @@
           <a:p>
             <a:pPr>
               <a:lnSpc>
-                <a:spcPct val="75000"/>
+                <a:spcPct val="50000"/>
               </a:lnSpc>
             </a:pPr>
             <a:r>
@@ -33784,7 +34807,7 @@
                 <a:latin typeface="Consolas" pitchFamily="49" charset="0"/>
                 <a:cs typeface="Consolas" pitchFamily="49" charset="0"/>
               </a:rPr>
-              <a:t>    // ...</a:t>
+              <a:t>  // …</a:t>
             </a:r>
           </a:p>
           <a:p>
@@ -33895,7 +34918,7 @@
           <a:p>
             <a:pPr>
               <a:lnSpc>
-                <a:spcPct val="75000"/>
+                <a:spcPct val="50000"/>
               </a:lnSpc>
             </a:pPr>
             <a:r>
@@ -33916,7 +34939,7 @@
                 <a:latin typeface="Consolas" pitchFamily="49" charset="0"/>
                 <a:cs typeface="Consolas" pitchFamily="49" charset="0"/>
               </a:rPr>
-              <a:t>    // ...</a:t>
+              <a:t>  // …</a:t>
             </a:r>
           </a:p>
           <a:p>
@@ -33971,7 +34994,7 @@
         </p:blipFill>
         <p:spPr bwMode="auto">
           <a:xfrm>
-            <a:off x="8085910" y="807720"/>
+            <a:off x="8085910" y="914400"/>
             <a:ext cx="783770" cy="783771"/>
           </a:xfrm>
           <a:prstGeom prst="rect">
@@ -34052,7 +35075,7 @@
           <a:p>
             <a:r>
               <a:rPr lang="en-US" dirty="0" smtClean="0"/>
-              <a:t>Straight-line Code – Summary</a:t>
+              <a:t>Straight-Line Code – Summary</a:t>
             </a:r>
             <a:endParaRPr lang="en-US" dirty="0"/>
           </a:p>
@@ -34070,7 +35093,7 @@
         </p:nvSpPr>
         <p:spPr>
           <a:xfrm>
-            <a:off x="228600" y="914400"/>
+            <a:off x="228600" y="1066800"/>
             <a:ext cx="8686800" cy="5410200"/>
           </a:xfrm>
         </p:spPr>
@@ -34086,14 +35109,32 @@
           <a:p>
             <a:pPr lvl="1"/>
             <a:r>
+              <a:rPr lang="en-US" dirty="0" smtClean="0">
+                <a:solidFill>
+                  <a:schemeClr val="accent5">
+                    <a:lumMod val="20000"/>
+                    <a:lumOff val="80000"/>
+                  </a:schemeClr>
+                </a:solidFill>
+              </a:rPr>
+              <a:t>Ordering dependencies</a:t>
+            </a:r>
+          </a:p>
+          <a:p>
+            <a:r>
               <a:rPr lang="en-US" dirty="0" smtClean="0"/>
-              <a:t>Ordering dependencies</a:t>
-            </a:r>
-          </a:p>
-          <a:p>
-            <a:r>
-              <a:rPr lang="en-US" dirty="0" smtClean="0"/>
-              <a:t>Dependencies should be made obvious</a:t>
+              <a:t>Dependencies should be made </a:t>
+            </a:r>
+            <a:r>
+              <a:rPr lang="en-US" dirty="0" smtClean="0">
+                <a:solidFill>
+                  <a:schemeClr val="accent5">
+                    <a:lumMod val="20000"/>
+                    <a:lumOff val="80000"/>
+                  </a:schemeClr>
+                </a:solidFill>
+              </a:rPr>
+              <a:t>obvious</a:t>
             </a:r>
           </a:p>
           <a:p>
@@ -34190,7 +35231,7 @@
         </p:nvSpPr>
         <p:spPr>
           <a:xfrm>
-            <a:off x="533400" y="1524000"/>
+            <a:off x="381000" y="1752600"/>
             <a:ext cx="4343400" cy="1981200"/>
           </a:xfrm>
         </p:spPr>
@@ -34226,7 +35267,7 @@
         </p:nvSpPr>
         <p:spPr>
           <a:xfrm>
-            <a:off x="533400" y="3505200"/>
+            <a:off x="276100" y="3733800"/>
             <a:ext cx="4343400" cy="609600"/>
           </a:xfrm>
         </p:spPr>
@@ -34237,11 +35278,7 @@
             <a:pPr algn="r"/>
             <a:r>
               <a:rPr lang="en-US" dirty="0" smtClean="0"/>
-              <a:t>Using Control </a:t>
-            </a:r>
-            <a:r>
-              <a:rPr lang="en-US" dirty="0" err="1" smtClean="0"/>
-              <a:t>Structs</a:t>
+              <a:t>Using Control Structures</a:t>
             </a:r>
             <a:endParaRPr lang="en-US" dirty="0"/>
           </a:p>
@@ -34264,7 +35301,7 @@
         </p:blipFill>
         <p:spPr bwMode="auto">
           <a:xfrm>
-            <a:off x="5257800" y="942731"/>
+            <a:off x="5105400" y="942731"/>
             <a:ext cx="3276600" cy="5124938"/>
           </a:xfrm>
           <a:prstGeom prst="rect">
